--- a/practica2.pptx
+++ b/practica2.pptx
@@ -2,7 +2,7 @@
 <file path=ppt/presentation.xml><?xml version="1.0" encoding="utf-8"?>
 <p:presentation xmlns:a="http://schemas.openxmlformats.org/drawingml/2006/main" xmlns:r="http://schemas.openxmlformats.org/officeDocument/2006/relationships" xmlns:p="http://schemas.openxmlformats.org/presentationml/2006/main" saveSubsetFonts="1">
   <p:sldMasterIdLst>
-    <p:sldMasterId id="2147483648" r:id="rId1"/>
+    <p:sldMasterId id="2147483660" r:id="rId1"/>
   </p:sldMasterIdLst>
   <p:sldIdLst>
     <p:sldId id="256" r:id="rId2"/>
@@ -104,6 +104,11 @@
       </a:defRPr>
     </a:lvl9pPr>
   </p:defaultTextStyle>
+  <p:extLst>
+    <p:ext uri="{EFAFB233-063F-42B5-8137-9DF3F51BA10A}">
+      <p15:sldGuideLst xmlns:p15="http://schemas.microsoft.com/office/powerpoint/2012/main"/>
+    </p:ext>
+  </p:extLst>
 </p:presentation>
 </file>
 
@@ -126,7 +131,7 @@
       </p:grpSpPr>
       <p:sp>
         <p:nvSpPr>
-          <p:cNvPr id="2" name="Título 1"/>
+          <p:cNvPr id="2" name="Title 1"/>
           <p:cNvSpPr>
             <a:spLocks noGrp="1"/>
           </p:cNvSpPr>
@@ -136,15 +141,15 @@
         </p:nvSpPr>
         <p:spPr>
           <a:xfrm>
-            <a:off x="1524000" y="1122363"/>
-            <a:ext cx="9144000" cy="2387600"/>
+            <a:off x="1154955" y="1447800"/>
+            <a:ext cx="8825658" cy="3329581"/>
           </a:xfrm>
         </p:spPr>
         <p:txBody>
           <a:bodyPr anchor="b"/>
           <a:lstStyle>
-            <a:lvl1pPr algn="ctr">
-              <a:defRPr sz="6000"/>
+            <a:lvl1pPr>
+              <a:defRPr sz="7200"/>
             </a:lvl1pPr>
           </a:lstStyle>
           <a:p>
@@ -152,13 +157,13 @@
               <a:rPr lang="es-ES" smtClean="0"/>
               <a:t>Haga clic para modificar el estilo de título del patrón</a:t>
             </a:r>
-            <a:endParaRPr lang="es-MX"/>
-          </a:p>
-        </p:txBody>
-      </p:sp>
-      <p:sp>
-        <p:nvSpPr>
-          <p:cNvPr id="3" name="Subtítulo 2"/>
+            <a:endParaRPr lang="en-US" dirty="0"/>
+          </a:p>
+        </p:txBody>
+      </p:sp>
+      <p:sp>
+        <p:nvSpPr>
+          <p:cNvPr id="3" name="Subtitle 2"/>
           <p:cNvSpPr>
             <a:spLocks noGrp="1"/>
           </p:cNvSpPr>
@@ -168,48 +173,103 @@
         </p:nvSpPr>
         <p:spPr>
           <a:xfrm>
-            <a:off x="1524000" y="3602038"/>
-            <a:ext cx="9144000" cy="1655762"/>
+            <a:off x="1154955" y="4777380"/>
+            <a:ext cx="8825658" cy="861420"/>
           </a:xfrm>
         </p:spPr>
         <p:txBody>
-          <a:bodyPr/>
+          <a:bodyPr anchor="t"/>
           <a:lstStyle>
-            <a:lvl1pPr marL="0" indent="0" algn="ctr">
-              <a:buNone/>
-              <a:defRPr sz="2400"/>
+            <a:lvl1pPr marL="0" indent="0" algn="l">
+              <a:buNone/>
+              <a:defRPr cap="all">
+                <a:solidFill>
+                  <a:schemeClr val="bg2">
+                    <a:lumMod val="40000"/>
+                    <a:lumOff val="60000"/>
+                  </a:schemeClr>
+                </a:solidFill>
+              </a:defRPr>
             </a:lvl1pPr>
             <a:lvl2pPr marL="457200" indent="0" algn="ctr">
               <a:buNone/>
-              <a:defRPr sz="2000"/>
+              <a:defRPr>
+                <a:solidFill>
+                  <a:schemeClr val="tx1">
+                    <a:tint val="75000"/>
+                  </a:schemeClr>
+                </a:solidFill>
+              </a:defRPr>
             </a:lvl2pPr>
             <a:lvl3pPr marL="914400" indent="0" algn="ctr">
               <a:buNone/>
-              <a:defRPr sz="1800"/>
+              <a:defRPr>
+                <a:solidFill>
+                  <a:schemeClr val="tx1">
+                    <a:tint val="75000"/>
+                  </a:schemeClr>
+                </a:solidFill>
+              </a:defRPr>
             </a:lvl3pPr>
             <a:lvl4pPr marL="1371600" indent="0" algn="ctr">
               <a:buNone/>
-              <a:defRPr sz="1600"/>
+              <a:defRPr>
+                <a:solidFill>
+                  <a:schemeClr val="tx1">
+                    <a:tint val="75000"/>
+                  </a:schemeClr>
+                </a:solidFill>
+              </a:defRPr>
             </a:lvl4pPr>
             <a:lvl5pPr marL="1828800" indent="0" algn="ctr">
               <a:buNone/>
-              <a:defRPr sz="1600"/>
+              <a:defRPr>
+                <a:solidFill>
+                  <a:schemeClr val="tx1">
+                    <a:tint val="75000"/>
+                  </a:schemeClr>
+                </a:solidFill>
+              </a:defRPr>
             </a:lvl5pPr>
             <a:lvl6pPr marL="2286000" indent="0" algn="ctr">
               <a:buNone/>
-              <a:defRPr sz="1600"/>
+              <a:defRPr>
+                <a:solidFill>
+                  <a:schemeClr val="tx1">
+                    <a:tint val="75000"/>
+                  </a:schemeClr>
+                </a:solidFill>
+              </a:defRPr>
             </a:lvl6pPr>
             <a:lvl7pPr marL="2743200" indent="0" algn="ctr">
               <a:buNone/>
-              <a:defRPr sz="1600"/>
+              <a:defRPr>
+                <a:solidFill>
+                  <a:schemeClr val="tx1">
+                    <a:tint val="75000"/>
+                  </a:schemeClr>
+                </a:solidFill>
+              </a:defRPr>
             </a:lvl7pPr>
             <a:lvl8pPr marL="3200400" indent="0" algn="ctr">
               <a:buNone/>
-              <a:defRPr sz="1600"/>
+              <a:defRPr>
+                <a:solidFill>
+                  <a:schemeClr val="tx1">
+                    <a:tint val="75000"/>
+                  </a:schemeClr>
+                </a:solidFill>
+              </a:defRPr>
             </a:lvl8pPr>
             <a:lvl9pPr marL="3657600" indent="0" algn="ctr">
               <a:buNone/>
-              <a:defRPr sz="1600"/>
+              <a:defRPr>
+                <a:solidFill>
+                  <a:schemeClr val="tx1">
+                    <a:tint val="75000"/>
+                  </a:schemeClr>
+                </a:solidFill>
+              </a:defRPr>
             </a:lvl9pPr>
           </a:lstStyle>
           <a:p>
@@ -217,13 +277,13 @@
               <a:rPr lang="es-ES" smtClean="0"/>
               <a:t>Haga clic para editar el estilo de subtítulo del patrón</a:t>
             </a:r>
-            <a:endParaRPr lang="es-MX"/>
-          </a:p>
-        </p:txBody>
-      </p:sp>
-      <p:sp>
-        <p:nvSpPr>
-          <p:cNvPr id="4" name="Marcador de fecha 3"/>
+            <a:endParaRPr lang="en-US" dirty="0"/>
+          </a:p>
+        </p:txBody>
+      </p:sp>
+      <p:sp>
+        <p:nvSpPr>
+          <p:cNvPr id="4" name="Date Placeholder 3"/>
           <p:cNvSpPr>
             <a:spLocks noGrp="1"/>
           </p:cNvSpPr>
@@ -238,7 +298,7 @@
           <a:p>
             <a:fld id="{EC70A81F-E6D7-467A-A9E0-F29B3B127B77}" type="datetimeFigureOut">
               <a:rPr lang="es-MX" smtClean="0"/>
-              <a:t>13/02/2025</a:t>
+              <a:t>18/02/2025</a:t>
             </a:fld>
             <a:endParaRPr lang="es-MX"/>
           </a:p>
@@ -246,7 +306,7 @@
       </p:sp>
       <p:sp>
         <p:nvSpPr>
-          <p:cNvPr id="5" name="Marcador de pie de página 4"/>
+          <p:cNvPr id="5" name="Footer Placeholder 4"/>
           <p:cNvSpPr>
             <a:spLocks noGrp="1"/>
           </p:cNvSpPr>
@@ -265,7 +325,7 @@
       </p:sp>
       <p:sp>
         <p:nvSpPr>
-          <p:cNvPr id="6" name="Marcador de número de diapositiva 5"/>
+          <p:cNvPr id="6" name="Slide Number Placeholder 5"/>
           <p:cNvSpPr>
             <a:spLocks noGrp="1"/>
           </p:cNvSpPr>
@@ -289,7 +349,7 @@
     </p:spTree>
     <p:extLst>
       <p:ext uri="{BB962C8B-B14F-4D97-AF65-F5344CB8AC3E}">
-        <p14:creationId xmlns:p14="http://schemas.microsoft.com/office/powerpoint/2010/main" val="248236205"/>
+        <p14:creationId xmlns:p14="http://schemas.microsoft.com/office/powerpoint/2010/main" val="1610855527"/>
       </p:ext>
     </p:extLst>
   </p:cSld>
@@ -300,6 +360,2572 @@
 </file>
 
 <file path=ppt/slideLayouts/slideLayout10.xml><?xml version="1.0" encoding="utf-8"?>
+<p:sldLayout xmlns:a="http://schemas.openxmlformats.org/drawingml/2006/main" xmlns:r="http://schemas.openxmlformats.org/officeDocument/2006/relationships" xmlns:p="http://schemas.openxmlformats.org/presentationml/2006/main" preserve="1">
+  <p:cSld name="Imagen panorámica con descripción">
+    <p:spTree>
+      <p:nvGrpSpPr>
+        <p:cNvPr id="1" name=""/>
+        <p:cNvGrpSpPr/>
+        <p:nvPr/>
+      </p:nvGrpSpPr>
+      <p:grpSpPr>
+        <a:xfrm>
+          <a:off x="0" y="0"/>
+          <a:ext cx="0" cy="0"/>
+          <a:chOff x="0" y="0"/>
+          <a:chExt cx="0" cy="0"/>
+        </a:xfrm>
+      </p:grpSpPr>
+      <p:sp>
+        <p:nvSpPr>
+          <p:cNvPr id="2" name="Title 1"/>
+          <p:cNvSpPr>
+            <a:spLocks noGrp="1"/>
+          </p:cNvSpPr>
+          <p:nvPr>
+            <p:ph type="title"/>
+          </p:nvPr>
+        </p:nvSpPr>
+        <p:spPr>
+          <a:xfrm>
+            <a:off x="1154956" y="4800587"/>
+            <a:ext cx="8825657" cy="566738"/>
+          </a:xfrm>
+        </p:spPr>
+        <p:txBody>
+          <a:bodyPr anchor="b">
+            <a:normAutofit/>
+          </a:bodyPr>
+          <a:lstStyle>
+            <a:lvl1pPr algn="l">
+              <a:defRPr sz="2400" b="0"/>
+            </a:lvl1pPr>
+          </a:lstStyle>
+          <a:p>
+            <a:r>
+              <a:rPr lang="es-ES" smtClean="0"/>
+              <a:t>Haga clic para modificar el estilo de título del patrón</a:t>
+            </a:r>
+            <a:endParaRPr lang="en-US" dirty="0"/>
+          </a:p>
+        </p:txBody>
+      </p:sp>
+      <p:sp>
+        <p:nvSpPr>
+          <p:cNvPr id="3" name="Picture Placeholder 2"/>
+          <p:cNvSpPr>
+            <a:spLocks noGrp="1" noChangeAspect="1"/>
+          </p:cNvSpPr>
+          <p:nvPr>
+            <p:ph type="pic" idx="1"/>
+          </p:nvPr>
+        </p:nvSpPr>
+        <p:spPr>
+          <a:xfrm>
+            <a:off x="1154955" y="685800"/>
+            <a:ext cx="8825658" cy="3640666"/>
+          </a:xfrm>
+          <a:prstGeom prst="roundRect">
+            <a:avLst>
+              <a:gd name="adj" fmla="val 1858"/>
+            </a:avLst>
+          </a:prstGeom>
+          <a:effectLst>
+            <a:outerShdw blurRad="50800" dist="50800" dir="5400000" algn="tl" rotWithShape="0">
+              <a:srgbClr val="000000">
+                <a:alpha val="43000"/>
+              </a:srgbClr>
+            </a:outerShdw>
+          </a:effectLst>
+        </p:spPr>
+        <p:txBody>
+          <a:bodyPr anchor="t">
+            <a:normAutofit/>
+          </a:bodyPr>
+          <a:lstStyle>
+            <a:lvl1pPr marL="0" indent="0" algn="ctr">
+              <a:buNone/>
+              <a:defRPr sz="1600"/>
+            </a:lvl1pPr>
+            <a:lvl2pPr marL="457200" indent="0">
+              <a:buNone/>
+              <a:defRPr sz="1600"/>
+            </a:lvl2pPr>
+            <a:lvl3pPr marL="914400" indent="0">
+              <a:buNone/>
+              <a:defRPr sz="1600"/>
+            </a:lvl3pPr>
+            <a:lvl4pPr marL="1371600" indent="0">
+              <a:buNone/>
+              <a:defRPr sz="1600"/>
+            </a:lvl4pPr>
+            <a:lvl5pPr marL="1828800" indent="0">
+              <a:buNone/>
+              <a:defRPr sz="1600"/>
+            </a:lvl5pPr>
+            <a:lvl6pPr marL="2286000" indent="0">
+              <a:buNone/>
+              <a:defRPr sz="1600"/>
+            </a:lvl6pPr>
+            <a:lvl7pPr marL="2743200" indent="0">
+              <a:buNone/>
+              <a:defRPr sz="1600"/>
+            </a:lvl7pPr>
+            <a:lvl8pPr marL="3200400" indent="0">
+              <a:buNone/>
+              <a:defRPr sz="1600"/>
+            </a:lvl8pPr>
+            <a:lvl9pPr marL="3657600" indent="0">
+              <a:buNone/>
+              <a:defRPr sz="1600"/>
+            </a:lvl9pPr>
+          </a:lstStyle>
+          <a:p>
+            <a:r>
+              <a:rPr lang="es-ES" smtClean="0"/>
+              <a:t>Haga clic en el icono para agregar una imagen</a:t>
+            </a:r>
+            <a:endParaRPr lang="en-US" dirty="0"/>
+          </a:p>
+        </p:txBody>
+      </p:sp>
+      <p:sp>
+        <p:nvSpPr>
+          <p:cNvPr id="4" name="Text Placeholder 3"/>
+          <p:cNvSpPr>
+            <a:spLocks noGrp="1"/>
+          </p:cNvSpPr>
+          <p:nvPr>
+            <p:ph type="body" sz="half" idx="2"/>
+          </p:nvPr>
+        </p:nvSpPr>
+        <p:spPr>
+          <a:xfrm>
+            <a:off x="1154956" y="5367325"/>
+            <a:ext cx="8825656" cy="493712"/>
+          </a:xfrm>
+        </p:spPr>
+        <p:txBody>
+          <a:bodyPr>
+            <a:normAutofit/>
+          </a:bodyPr>
+          <a:lstStyle>
+            <a:lvl1pPr marL="0" indent="0">
+              <a:buNone/>
+              <a:defRPr sz="1200"/>
+            </a:lvl1pPr>
+            <a:lvl2pPr marL="457200" indent="0">
+              <a:buNone/>
+              <a:defRPr sz="1200"/>
+            </a:lvl2pPr>
+            <a:lvl3pPr marL="914400" indent="0">
+              <a:buNone/>
+              <a:defRPr sz="1000"/>
+            </a:lvl3pPr>
+            <a:lvl4pPr marL="1371600" indent="0">
+              <a:buNone/>
+              <a:defRPr sz="900"/>
+            </a:lvl4pPr>
+            <a:lvl5pPr marL="1828800" indent="0">
+              <a:buNone/>
+              <a:defRPr sz="900"/>
+            </a:lvl5pPr>
+            <a:lvl6pPr marL="2286000" indent="0">
+              <a:buNone/>
+              <a:defRPr sz="900"/>
+            </a:lvl6pPr>
+            <a:lvl7pPr marL="2743200" indent="0">
+              <a:buNone/>
+              <a:defRPr sz="900"/>
+            </a:lvl7pPr>
+            <a:lvl8pPr marL="3200400" indent="0">
+              <a:buNone/>
+              <a:defRPr sz="900"/>
+            </a:lvl8pPr>
+            <a:lvl9pPr marL="3657600" indent="0">
+              <a:buNone/>
+              <a:defRPr sz="900"/>
+            </a:lvl9pPr>
+          </a:lstStyle>
+          <a:p>
+            <a:pPr lvl="0"/>
+            <a:r>
+              <a:rPr lang="es-ES" smtClean="0"/>
+              <a:t>Editar el estilo de texto del patrón</a:t>
+            </a:r>
+          </a:p>
+        </p:txBody>
+      </p:sp>
+      <p:sp>
+        <p:nvSpPr>
+          <p:cNvPr id="5" name="Date Placeholder 4"/>
+          <p:cNvSpPr>
+            <a:spLocks noGrp="1"/>
+          </p:cNvSpPr>
+          <p:nvPr>
+            <p:ph type="dt" sz="half" idx="10"/>
+          </p:nvPr>
+        </p:nvSpPr>
+        <p:spPr/>
+        <p:txBody>
+          <a:bodyPr/>
+          <a:lstStyle/>
+          <a:p>
+            <a:fld id="{EC70A81F-E6D7-467A-A9E0-F29B3B127B77}" type="datetimeFigureOut">
+              <a:rPr lang="es-MX" smtClean="0"/>
+              <a:t>18/02/2025</a:t>
+            </a:fld>
+            <a:endParaRPr lang="es-MX"/>
+          </a:p>
+        </p:txBody>
+      </p:sp>
+      <p:sp>
+        <p:nvSpPr>
+          <p:cNvPr id="6" name="Footer Placeholder 5"/>
+          <p:cNvSpPr>
+            <a:spLocks noGrp="1"/>
+          </p:cNvSpPr>
+          <p:nvPr>
+            <p:ph type="ftr" sz="quarter" idx="11"/>
+          </p:nvPr>
+        </p:nvSpPr>
+        <p:spPr/>
+        <p:txBody>
+          <a:bodyPr/>
+          <a:lstStyle/>
+          <a:p>
+            <a:endParaRPr lang="es-MX"/>
+          </a:p>
+        </p:txBody>
+      </p:sp>
+      <p:sp>
+        <p:nvSpPr>
+          <p:cNvPr id="7" name="Slide Number Placeholder 6"/>
+          <p:cNvSpPr>
+            <a:spLocks noGrp="1"/>
+          </p:cNvSpPr>
+          <p:nvPr>
+            <p:ph type="sldNum" sz="quarter" idx="12"/>
+          </p:nvPr>
+        </p:nvSpPr>
+        <p:spPr/>
+        <p:txBody>
+          <a:bodyPr/>
+          <a:lstStyle/>
+          <a:p>
+            <a:fld id="{A50B71C8-6F2D-4002-B99C-D82D44AAC21D}" type="slidenum">
+              <a:rPr lang="es-MX" smtClean="0"/>
+              <a:t>‹Nº›</a:t>
+            </a:fld>
+            <a:endParaRPr lang="es-MX"/>
+          </a:p>
+        </p:txBody>
+      </p:sp>
+    </p:spTree>
+    <p:extLst>
+      <p:ext uri="{BB962C8B-B14F-4D97-AF65-F5344CB8AC3E}">
+        <p14:creationId xmlns:p14="http://schemas.microsoft.com/office/powerpoint/2010/main" val="889969499"/>
+      </p:ext>
+    </p:extLst>
+  </p:cSld>
+  <p:clrMapOvr>
+    <a:masterClrMapping/>
+  </p:clrMapOvr>
+</p:sldLayout>
+</file>
+
+<file path=ppt/slideLayouts/slideLayout11.xml><?xml version="1.0" encoding="utf-8"?>
+<p:sldLayout xmlns:a="http://schemas.openxmlformats.org/drawingml/2006/main" xmlns:r="http://schemas.openxmlformats.org/officeDocument/2006/relationships" xmlns:p="http://schemas.openxmlformats.org/presentationml/2006/main" preserve="1">
+  <p:cSld name="Título y descripción">
+    <p:spTree>
+      <p:nvGrpSpPr>
+        <p:cNvPr id="1" name=""/>
+        <p:cNvGrpSpPr/>
+        <p:nvPr/>
+      </p:nvGrpSpPr>
+      <p:grpSpPr>
+        <a:xfrm>
+          <a:off x="0" y="0"/>
+          <a:ext cx="0" cy="0"/>
+          <a:chOff x="0" y="0"/>
+          <a:chExt cx="0" cy="0"/>
+        </a:xfrm>
+      </p:grpSpPr>
+      <p:sp>
+        <p:nvSpPr>
+          <p:cNvPr id="2" name="Title 1"/>
+          <p:cNvSpPr>
+            <a:spLocks noGrp="1"/>
+          </p:cNvSpPr>
+          <p:nvPr>
+            <p:ph type="title"/>
+          </p:nvPr>
+        </p:nvSpPr>
+        <p:spPr>
+          <a:xfrm>
+            <a:off x="1154954" y="1447800"/>
+            <a:ext cx="8825659" cy="1981200"/>
+          </a:xfrm>
+        </p:spPr>
+        <p:txBody>
+          <a:bodyPr/>
+          <a:lstStyle>
+            <a:lvl1pPr>
+              <a:defRPr sz="4800"/>
+            </a:lvl1pPr>
+          </a:lstStyle>
+          <a:p>
+            <a:r>
+              <a:rPr lang="es-ES" smtClean="0"/>
+              <a:t>Haga clic para modificar el estilo de título del patrón</a:t>
+            </a:r>
+            <a:endParaRPr lang="en-US" dirty="0"/>
+          </a:p>
+        </p:txBody>
+      </p:sp>
+      <p:sp>
+        <p:nvSpPr>
+          <p:cNvPr id="8" name="Text Placeholder 3"/>
+          <p:cNvSpPr>
+            <a:spLocks noGrp="1"/>
+          </p:cNvSpPr>
+          <p:nvPr>
+            <p:ph type="body" sz="half" idx="2"/>
+          </p:nvPr>
+        </p:nvSpPr>
+        <p:spPr>
+          <a:xfrm>
+            <a:off x="1154954" y="3657600"/>
+            <a:ext cx="8825659" cy="2362200"/>
+          </a:xfrm>
+        </p:spPr>
+        <p:txBody>
+          <a:bodyPr anchor="ctr">
+            <a:normAutofit/>
+          </a:bodyPr>
+          <a:lstStyle>
+            <a:lvl1pPr marL="0" indent="0">
+              <a:buNone/>
+              <a:defRPr sz="1800"/>
+            </a:lvl1pPr>
+            <a:lvl2pPr marL="457200" indent="0">
+              <a:buNone/>
+              <a:defRPr sz="1200"/>
+            </a:lvl2pPr>
+            <a:lvl3pPr marL="914400" indent="0">
+              <a:buNone/>
+              <a:defRPr sz="1000"/>
+            </a:lvl3pPr>
+            <a:lvl4pPr marL="1371600" indent="0">
+              <a:buNone/>
+              <a:defRPr sz="900"/>
+            </a:lvl4pPr>
+            <a:lvl5pPr marL="1828800" indent="0">
+              <a:buNone/>
+              <a:defRPr sz="900"/>
+            </a:lvl5pPr>
+            <a:lvl6pPr marL="2286000" indent="0">
+              <a:buNone/>
+              <a:defRPr sz="900"/>
+            </a:lvl6pPr>
+            <a:lvl7pPr marL="2743200" indent="0">
+              <a:buNone/>
+              <a:defRPr sz="900"/>
+            </a:lvl7pPr>
+            <a:lvl8pPr marL="3200400" indent="0">
+              <a:buNone/>
+              <a:defRPr sz="900"/>
+            </a:lvl8pPr>
+            <a:lvl9pPr marL="3657600" indent="0">
+              <a:buNone/>
+              <a:defRPr sz="900"/>
+            </a:lvl9pPr>
+          </a:lstStyle>
+          <a:p>
+            <a:pPr lvl="0"/>
+            <a:r>
+              <a:rPr lang="es-ES" smtClean="0"/>
+              <a:t>Editar el estilo de texto del patrón</a:t>
+            </a:r>
+          </a:p>
+        </p:txBody>
+      </p:sp>
+      <p:sp>
+        <p:nvSpPr>
+          <p:cNvPr id="4" name="Date Placeholder 3"/>
+          <p:cNvSpPr>
+            <a:spLocks noGrp="1"/>
+          </p:cNvSpPr>
+          <p:nvPr>
+            <p:ph type="dt" sz="half" idx="10"/>
+          </p:nvPr>
+        </p:nvSpPr>
+        <p:spPr/>
+        <p:txBody>
+          <a:bodyPr/>
+          <a:lstStyle/>
+          <a:p>
+            <a:fld id="{EC70A81F-E6D7-467A-A9E0-F29B3B127B77}" type="datetimeFigureOut">
+              <a:rPr lang="es-MX" smtClean="0"/>
+              <a:t>18/02/2025</a:t>
+            </a:fld>
+            <a:endParaRPr lang="es-MX"/>
+          </a:p>
+        </p:txBody>
+      </p:sp>
+      <p:sp>
+        <p:nvSpPr>
+          <p:cNvPr id="5" name="Footer Placeholder 4"/>
+          <p:cNvSpPr>
+            <a:spLocks noGrp="1"/>
+          </p:cNvSpPr>
+          <p:nvPr>
+            <p:ph type="ftr" sz="quarter" idx="11"/>
+          </p:nvPr>
+        </p:nvSpPr>
+        <p:spPr/>
+        <p:txBody>
+          <a:bodyPr/>
+          <a:lstStyle/>
+          <a:p>
+            <a:endParaRPr lang="es-MX"/>
+          </a:p>
+        </p:txBody>
+      </p:sp>
+      <p:sp>
+        <p:nvSpPr>
+          <p:cNvPr id="6" name="Slide Number Placeholder 5"/>
+          <p:cNvSpPr>
+            <a:spLocks noGrp="1"/>
+          </p:cNvSpPr>
+          <p:nvPr>
+            <p:ph type="sldNum" sz="quarter" idx="12"/>
+          </p:nvPr>
+        </p:nvSpPr>
+        <p:spPr/>
+        <p:txBody>
+          <a:bodyPr/>
+          <a:lstStyle/>
+          <a:p>
+            <a:fld id="{A50B71C8-6F2D-4002-B99C-D82D44AAC21D}" type="slidenum">
+              <a:rPr lang="es-MX" smtClean="0"/>
+              <a:t>‹Nº›</a:t>
+            </a:fld>
+            <a:endParaRPr lang="es-MX"/>
+          </a:p>
+        </p:txBody>
+      </p:sp>
+    </p:spTree>
+    <p:extLst>
+      <p:ext uri="{BB962C8B-B14F-4D97-AF65-F5344CB8AC3E}">
+        <p14:creationId xmlns:p14="http://schemas.microsoft.com/office/powerpoint/2010/main" val="659598526"/>
+      </p:ext>
+    </p:extLst>
+  </p:cSld>
+  <p:clrMapOvr>
+    <a:masterClrMapping/>
+  </p:clrMapOvr>
+</p:sldLayout>
+</file>
+
+<file path=ppt/slideLayouts/slideLayout12.xml><?xml version="1.0" encoding="utf-8"?>
+<p:sldLayout xmlns:a="http://schemas.openxmlformats.org/drawingml/2006/main" xmlns:r="http://schemas.openxmlformats.org/officeDocument/2006/relationships" xmlns:p="http://schemas.openxmlformats.org/presentationml/2006/main" preserve="1">
+  <p:cSld name="Cita con descripción">
+    <p:spTree>
+      <p:nvGrpSpPr>
+        <p:cNvPr id="1" name=""/>
+        <p:cNvGrpSpPr/>
+        <p:nvPr/>
+      </p:nvGrpSpPr>
+      <p:grpSpPr>
+        <a:xfrm>
+          <a:off x="0" y="0"/>
+          <a:ext cx="0" cy="0"/>
+          <a:chOff x="0" y="0"/>
+          <a:chExt cx="0" cy="0"/>
+        </a:xfrm>
+      </p:grpSpPr>
+      <p:sp>
+        <p:nvSpPr>
+          <p:cNvPr id="2" name="Title 1"/>
+          <p:cNvSpPr>
+            <a:spLocks noGrp="1"/>
+          </p:cNvSpPr>
+          <p:nvPr>
+            <p:ph type="title"/>
+          </p:nvPr>
+        </p:nvSpPr>
+        <p:spPr>
+          <a:xfrm>
+            <a:off x="1574801" y="1447800"/>
+            <a:ext cx="7999315" cy="2323374"/>
+          </a:xfrm>
+        </p:spPr>
+        <p:txBody>
+          <a:bodyPr/>
+          <a:lstStyle>
+            <a:lvl1pPr>
+              <a:defRPr sz="4800"/>
+            </a:lvl1pPr>
+          </a:lstStyle>
+          <a:p>
+            <a:r>
+              <a:rPr lang="es-ES" smtClean="0"/>
+              <a:t>Haga clic para modificar el estilo de título del patrón</a:t>
+            </a:r>
+            <a:endParaRPr lang="en-US" dirty="0"/>
+          </a:p>
+        </p:txBody>
+      </p:sp>
+      <p:sp>
+        <p:nvSpPr>
+          <p:cNvPr id="11" name="Text Placeholder 3"/>
+          <p:cNvSpPr>
+            <a:spLocks noGrp="1"/>
+          </p:cNvSpPr>
+          <p:nvPr>
+            <p:ph type="body" sz="half" idx="14"/>
+          </p:nvPr>
+        </p:nvSpPr>
+        <p:spPr>
+          <a:xfrm>
+            <a:off x="1930400" y="3771174"/>
+            <a:ext cx="7279649" cy="342174"/>
+          </a:xfrm>
+        </p:spPr>
+        <p:txBody>
+          <a:bodyPr vert="horz" lIns="91440" tIns="45720" rIns="91440" bIns="45720" rtlCol="0" anchor="t">
+            <a:normAutofit/>
+          </a:bodyPr>
+          <a:lstStyle>
+            <a:lvl1pPr marL="0" indent="0">
+              <a:buNone/>
+              <a:defRPr lang="en-US" sz="1400" b="0" i="0" kern="1200" cap="small" dirty="0">
+                <a:solidFill>
+                  <a:schemeClr val="bg2">
+                    <a:lumMod val="40000"/>
+                    <a:lumOff val="60000"/>
+                  </a:schemeClr>
+                </a:solidFill>
+                <a:latin typeface="+mj-lt"/>
+                <a:ea typeface="+mj-ea"/>
+                <a:cs typeface="+mj-cs"/>
+              </a:defRPr>
+            </a:lvl1pPr>
+            <a:lvl2pPr marL="457200" indent="0">
+              <a:buNone/>
+              <a:defRPr sz="1200"/>
+            </a:lvl2pPr>
+            <a:lvl3pPr marL="914400" indent="0">
+              <a:buNone/>
+              <a:defRPr sz="1000"/>
+            </a:lvl3pPr>
+            <a:lvl4pPr marL="1371600" indent="0">
+              <a:buNone/>
+              <a:defRPr sz="900"/>
+            </a:lvl4pPr>
+            <a:lvl5pPr marL="1828800" indent="0">
+              <a:buNone/>
+              <a:defRPr sz="900"/>
+            </a:lvl5pPr>
+            <a:lvl6pPr marL="2286000" indent="0">
+              <a:buNone/>
+              <a:defRPr sz="900"/>
+            </a:lvl6pPr>
+            <a:lvl7pPr marL="2743200" indent="0">
+              <a:buNone/>
+              <a:defRPr sz="900"/>
+            </a:lvl7pPr>
+            <a:lvl8pPr marL="3200400" indent="0">
+              <a:buNone/>
+              <a:defRPr sz="900"/>
+            </a:lvl8pPr>
+            <a:lvl9pPr marL="3657600" indent="0">
+              <a:buNone/>
+              <a:defRPr sz="900"/>
+            </a:lvl9pPr>
+          </a:lstStyle>
+          <a:p>
+            <a:pPr marL="0" lvl="0" indent="0">
+              <a:buNone/>
+            </a:pPr>
+            <a:r>
+              <a:rPr lang="es-ES" smtClean="0"/>
+              <a:t>Editar el estilo de texto del patrón</a:t>
+            </a:r>
+          </a:p>
+        </p:txBody>
+      </p:sp>
+      <p:sp>
+        <p:nvSpPr>
+          <p:cNvPr id="10" name="Text Placeholder 3"/>
+          <p:cNvSpPr>
+            <a:spLocks noGrp="1"/>
+          </p:cNvSpPr>
+          <p:nvPr>
+            <p:ph type="body" sz="half" idx="2"/>
+          </p:nvPr>
+        </p:nvSpPr>
+        <p:spPr>
+          <a:xfrm>
+            <a:off x="1154954" y="4350657"/>
+            <a:ext cx="8825659" cy="1676400"/>
+          </a:xfrm>
+        </p:spPr>
+        <p:txBody>
+          <a:bodyPr anchor="ctr">
+            <a:normAutofit/>
+          </a:bodyPr>
+          <a:lstStyle>
+            <a:lvl1pPr marL="0" indent="0">
+              <a:buNone/>
+              <a:defRPr sz="1800"/>
+            </a:lvl1pPr>
+            <a:lvl2pPr marL="457200" indent="0">
+              <a:buNone/>
+              <a:defRPr sz="1200"/>
+            </a:lvl2pPr>
+            <a:lvl3pPr marL="914400" indent="0">
+              <a:buNone/>
+              <a:defRPr sz="1000"/>
+            </a:lvl3pPr>
+            <a:lvl4pPr marL="1371600" indent="0">
+              <a:buNone/>
+              <a:defRPr sz="900"/>
+            </a:lvl4pPr>
+            <a:lvl5pPr marL="1828800" indent="0">
+              <a:buNone/>
+              <a:defRPr sz="900"/>
+            </a:lvl5pPr>
+            <a:lvl6pPr marL="2286000" indent="0">
+              <a:buNone/>
+              <a:defRPr sz="900"/>
+            </a:lvl6pPr>
+            <a:lvl7pPr marL="2743200" indent="0">
+              <a:buNone/>
+              <a:defRPr sz="900"/>
+            </a:lvl7pPr>
+            <a:lvl8pPr marL="3200400" indent="0">
+              <a:buNone/>
+              <a:defRPr sz="900"/>
+            </a:lvl8pPr>
+            <a:lvl9pPr marL="3657600" indent="0">
+              <a:buNone/>
+              <a:defRPr sz="900"/>
+            </a:lvl9pPr>
+          </a:lstStyle>
+          <a:p>
+            <a:pPr lvl="0"/>
+            <a:r>
+              <a:rPr lang="es-ES" smtClean="0"/>
+              <a:t>Editar el estilo de texto del patrón</a:t>
+            </a:r>
+          </a:p>
+        </p:txBody>
+      </p:sp>
+      <p:sp>
+        <p:nvSpPr>
+          <p:cNvPr id="4" name="Date Placeholder 3"/>
+          <p:cNvSpPr>
+            <a:spLocks noGrp="1"/>
+          </p:cNvSpPr>
+          <p:nvPr>
+            <p:ph type="dt" sz="half" idx="10"/>
+          </p:nvPr>
+        </p:nvSpPr>
+        <p:spPr/>
+        <p:txBody>
+          <a:bodyPr/>
+          <a:lstStyle/>
+          <a:p>
+            <a:fld id="{EC70A81F-E6D7-467A-A9E0-F29B3B127B77}" type="datetimeFigureOut">
+              <a:rPr lang="es-MX" smtClean="0"/>
+              <a:t>18/02/2025</a:t>
+            </a:fld>
+            <a:endParaRPr lang="es-MX"/>
+          </a:p>
+        </p:txBody>
+      </p:sp>
+      <p:sp>
+        <p:nvSpPr>
+          <p:cNvPr id="5" name="Footer Placeholder 4"/>
+          <p:cNvSpPr>
+            <a:spLocks noGrp="1"/>
+          </p:cNvSpPr>
+          <p:nvPr>
+            <p:ph type="ftr" sz="quarter" idx="11"/>
+          </p:nvPr>
+        </p:nvSpPr>
+        <p:spPr/>
+        <p:txBody>
+          <a:bodyPr/>
+          <a:lstStyle/>
+          <a:p>
+            <a:endParaRPr lang="es-MX"/>
+          </a:p>
+        </p:txBody>
+      </p:sp>
+      <p:sp>
+        <p:nvSpPr>
+          <p:cNvPr id="6" name="Slide Number Placeholder 5"/>
+          <p:cNvSpPr>
+            <a:spLocks noGrp="1"/>
+          </p:cNvSpPr>
+          <p:nvPr>
+            <p:ph type="sldNum" sz="quarter" idx="12"/>
+          </p:nvPr>
+        </p:nvSpPr>
+        <p:spPr/>
+        <p:txBody>
+          <a:bodyPr/>
+          <a:lstStyle/>
+          <a:p>
+            <a:fld id="{A50B71C8-6F2D-4002-B99C-D82D44AAC21D}" type="slidenum">
+              <a:rPr lang="es-MX" smtClean="0"/>
+              <a:t>‹Nº›</a:t>
+            </a:fld>
+            <a:endParaRPr lang="es-MX"/>
+          </a:p>
+        </p:txBody>
+      </p:sp>
+      <p:sp>
+        <p:nvSpPr>
+          <p:cNvPr id="12" name="TextBox 11"/>
+          <p:cNvSpPr txBox="1"/>
+          <p:nvPr/>
+        </p:nvSpPr>
+        <p:spPr>
+          <a:xfrm>
+            <a:off x="898295" y="971253"/>
+            <a:ext cx="801912" cy="1969770"/>
+          </a:xfrm>
+          <a:prstGeom prst="rect">
+            <a:avLst/>
+          </a:prstGeom>
+          <a:noFill/>
+        </p:spPr>
+        <p:txBody>
+          <a:bodyPr wrap="square" rtlCol="0">
+            <a:spAutoFit/>
+          </a:bodyPr>
+          <a:lstStyle>
+            <a:defPPr>
+              <a:defRPr lang="en-US"/>
+            </a:defPPr>
+            <a:lvl1pPr algn="r">
+              <a:defRPr sz="12200" b="0" i="0">
+                <a:solidFill>
+                  <a:schemeClr val="bg2">
+                    <a:lumMod val="40000"/>
+                    <a:lumOff val="60000"/>
+                  </a:schemeClr>
+                </a:solidFill>
+                <a:latin typeface="Arial"/>
+                <a:ea typeface="+mj-ea"/>
+                <a:cs typeface="+mj-cs"/>
+              </a:defRPr>
+            </a:lvl1pPr>
+          </a:lstStyle>
+          <a:p>
+            <a:pPr lvl="0"/>
+            <a:r>
+              <a:rPr lang="en-US" dirty="0"/>
+              <a:t>“</a:t>
+            </a:r>
+          </a:p>
+        </p:txBody>
+      </p:sp>
+      <p:sp>
+        <p:nvSpPr>
+          <p:cNvPr id="15" name="TextBox 14"/>
+          <p:cNvSpPr txBox="1"/>
+          <p:nvPr/>
+        </p:nvSpPr>
+        <p:spPr>
+          <a:xfrm>
+            <a:off x="9330490" y="2613787"/>
+            <a:ext cx="801912" cy="1969770"/>
+          </a:xfrm>
+          <a:prstGeom prst="rect">
+            <a:avLst/>
+          </a:prstGeom>
+          <a:noFill/>
+        </p:spPr>
+        <p:txBody>
+          <a:bodyPr wrap="square" rtlCol="0">
+            <a:spAutoFit/>
+          </a:bodyPr>
+          <a:lstStyle>
+            <a:defPPr>
+              <a:defRPr lang="en-US"/>
+            </a:defPPr>
+            <a:lvl1pPr algn="r">
+              <a:defRPr sz="12200" b="0" i="0">
+                <a:solidFill>
+                  <a:schemeClr val="bg2">
+                    <a:lumMod val="40000"/>
+                    <a:lumOff val="60000"/>
+                  </a:schemeClr>
+                </a:solidFill>
+                <a:latin typeface="Arial"/>
+                <a:ea typeface="+mj-ea"/>
+                <a:cs typeface="+mj-cs"/>
+              </a:defRPr>
+            </a:lvl1pPr>
+          </a:lstStyle>
+          <a:p>
+            <a:pPr lvl="0"/>
+            <a:r>
+              <a:rPr lang="en-US" dirty="0"/>
+              <a:t>”</a:t>
+            </a:r>
+          </a:p>
+        </p:txBody>
+      </p:sp>
+    </p:spTree>
+    <p:extLst>
+      <p:ext uri="{BB962C8B-B14F-4D97-AF65-F5344CB8AC3E}">
+        <p14:creationId xmlns:p14="http://schemas.microsoft.com/office/powerpoint/2010/main" val="290814554"/>
+      </p:ext>
+    </p:extLst>
+  </p:cSld>
+  <p:clrMapOvr>
+    <a:masterClrMapping/>
+  </p:clrMapOvr>
+</p:sldLayout>
+</file>
+
+<file path=ppt/slideLayouts/slideLayout13.xml><?xml version="1.0" encoding="utf-8"?>
+<p:sldLayout xmlns:a="http://schemas.openxmlformats.org/drawingml/2006/main" xmlns:r="http://schemas.openxmlformats.org/officeDocument/2006/relationships" xmlns:p="http://schemas.openxmlformats.org/presentationml/2006/main" preserve="1">
+  <p:cSld name="Tarjeta de nombre">
+    <p:spTree>
+      <p:nvGrpSpPr>
+        <p:cNvPr id="1" name=""/>
+        <p:cNvGrpSpPr/>
+        <p:nvPr/>
+      </p:nvGrpSpPr>
+      <p:grpSpPr>
+        <a:xfrm>
+          <a:off x="0" y="0"/>
+          <a:ext cx="0" cy="0"/>
+          <a:chOff x="0" y="0"/>
+          <a:chExt cx="0" cy="0"/>
+        </a:xfrm>
+      </p:grpSpPr>
+      <p:sp>
+        <p:nvSpPr>
+          <p:cNvPr id="2" name="Title 1"/>
+          <p:cNvSpPr>
+            <a:spLocks noGrp="1"/>
+          </p:cNvSpPr>
+          <p:nvPr>
+            <p:ph type="title"/>
+          </p:nvPr>
+        </p:nvSpPr>
+        <p:spPr>
+          <a:xfrm>
+            <a:off x="1154954" y="3124201"/>
+            <a:ext cx="8825660" cy="1653180"/>
+          </a:xfrm>
+        </p:spPr>
+        <p:txBody>
+          <a:bodyPr anchor="b"/>
+          <a:lstStyle>
+            <a:lvl1pPr algn="l">
+              <a:defRPr sz="4000" b="0" cap="none"/>
+            </a:lvl1pPr>
+          </a:lstStyle>
+          <a:p>
+            <a:r>
+              <a:rPr lang="es-ES" smtClean="0"/>
+              <a:t>Haga clic para modificar el estilo de título del patrón</a:t>
+            </a:r>
+            <a:endParaRPr lang="en-US" dirty="0"/>
+          </a:p>
+        </p:txBody>
+      </p:sp>
+      <p:sp>
+        <p:nvSpPr>
+          <p:cNvPr id="3" name="Text Placeholder 2"/>
+          <p:cNvSpPr>
+            <a:spLocks noGrp="1"/>
+          </p:cNvSpPr>
+          <p:nvPr>
+            <p:ph type="body" idx="1"/>
+          </p:nvPr>
+        </p:nvSpPr>
+        <p:spPr>
+          <a:xfrm>
+            <a:off x="1154954" y="4777381"/>
+            <a:ext cx="8825659" cy="860400"/>
+          </a:xfrm>
+        </p:spPr>
+        <p:txBody>
+          <a:bodyPr anchor="t"/>
+          <a:lstStyle>
+            <a:lvl1pPr marL="0" indent="0" algn="l">
+              <a:buNone/>
+              <a:defRPr sz="2000" cap="none">
+                <a:solidFill>
+                  <a:schemeClr val="bg2">
+                    <a:lumMod val="40000"/>
+                    <a:lumOff val="60000"/>
+                  </a:schemeClr>
+                </a:solidFill>
+              </a:defRPr>
+            </a:lvl1pPr>
+            <a:lvl2pPr marL="457200" indent="0">
+              <a:buNone/>
+              <a:defRPr sz="1800">
+                <a:solidFill>
+                  <a:schemeClr val="tx1">
+                    <a:tint val="75000"/>
+                  </a:schemeClr>
+                </a:solidFill>
+              </a:defRPr>
+            </a:lvl2pPr>
+            <a:lvl3pPr marL="914400" indent="0">
+              <a:buNone/>
+              <a:defRPr sz="1600">
+                <a:solidFill>
+                  <a:schemeClr val="tx1">
+                    <a:tint val="75000"/>
+                  </a:schemeClr>
+                </a:solidFill>
+              </a:defRPr>
+            </a:lvl3pPr>
+            <a:lvl4pPr marL="1371600" indent="0">
+              <a:buNone/>
+              <a:defRPr sz="1400">
+                <a:solidFill>
+                  <a:schemeClr val="tx1">
+                    <a:tint val="75000"/>
+                  </a:schemeClr>
+                </a:solidFill>
+              </a:defRPr>
+            </a:lvl4pPr>
+            <a:lvl5pPr marL="1828800" indent="0">
+              <a:buNone/>
+              <a:defRPr sz="1400">
+                <a:solidFill>
+                  <a:schemeClr val="tx1">
+                    <a:tint val="75000"/>
+                  </a:schemeClr>
+                </a:solidFill>
+              </a:defRPr>
+            </a:lvl5pPr>
+            <a:lvl6pPr marL="2286000" indent="0">
+              <a:buNone/>
+              <a:defRPr sz="1400">
+                <a:solidFill>
+                  <a:schemeClr val="tx1">
+                    <a:tint val="75000"/>
+                  </a:schemeClr>
+                </a:solidFill>
+              </a:defRPr>
+            </a:lvl6pPr>
+            <a:lvl7pPr marL="2743200" indent="0">
+              <a:buNone/>
+              <a:defRPr sz="1400">
+                <a:solidFill>
+                  <a:schemeClr val="tx1">
+                    <a:tint val="75000"/>
+                  </a:schemeClr>
+                </a:solidFill>
+              </a:defRPr>
+            </a:lvl7pPr>
+            <a:lvl8pPr marL="3200400" indent="0">
+              <a:buNone/>
+              <a:defRPr sz="1400">
+                <a:solidFill>
+                  <a:schemeClr val="tx1">
+                    <a:tint val="75000"/>
+                  </a:schemeClr>
+                </a:solidFill>
+              </a:defRPr>
+            </a:lvl8pPr>
+            <a:lvl9pPr marL="3657600" indent="0">
+              <a:buNone/>
+              <a:defRPr sz="1400">
+                <a:solidFill>
+                  <a:schemeClr val="tx1">
+                    <a:tint val="75000"/>
+                  </a:schemeClr>
+                </a:solidFill>
+              </a:defRPr>
+            </a:lvl9pPr>
+          </a:lstStyle>
+          <a:p>
+            <a:pPr lvl="0"/>
+            <a:r>
+              <a:rPr lang="es-ES" smtClean="0"/>
+              <a:t>Editar el estilo de texto del patrón</a:t>
+            </a:r>
+          </a:p>
+        </p:txBody>
+      </p:sp>
+      <p:sp>
+        <p:nvSpPr>
+          <p:cNvPr id="4" name="Date Placeholder 3"/>
+          <p:cNvSpPr>
+            <a:spLocks noGrp="1"/>
+          </p:cNvSpPr>
+          <p:nvPr>
+            <p:ph type="dt" sz="half" idx="10"/>
+          </p:nvPr>
+        </p:nvSpPr>
+        <p:spPr/>
+        <p:txBody>
+          <a:bodyPr/>
+          <a:lstStyle/>
+          <a:p>
+            <a:fld id="{EC70A81F-E6D7-467A-A9E0-F29B3B127B77}" type="datetimeFigureOut">
+              <a:rPr lang="es-MX" smtClean="0"/>
+              <a:t>18/02/2025</a:t>
+            </a:fld>
+            <a:endParaRPr lang="es-MX"/>
+          </a:p>
+        </p:txBody>
+      </p:sp>
+      <p:sp>
+        <p:nvSpPr>
+          <p:cNvPr id="5" name="Footer Placeholder 4"/>
+          <p:cNvSpPr>
+            <a:spLocks noGrp="1"/>
+          </p:cNvSpPr>
+          <p:nvPr>
+            <p:ph type="ftr" sz="quarter" idx="11"/>
+          </p:nvPr>
+        </p:nvSpPr>
+        <p:spPr/>
+        <p:txBody>
+          <a:bodyPr/>
+          <a:lstStyle/>
+          <a:p>
+            <a:endParaRPr lang="es-MX"/>
+          </a:p>
+        </p:txBody>
+      </p:sp>
+      <p:sp>
+        <p:nvSpPr>
+          <p:cNvPr id="6" name="Slide Number Placeholder 5"/>
+          <p:cNvSpPr>
+            <a:spLocks noGrp="1"/>
+          </p:cNvSpPr>
+          <p:nvPr>
+            <p:ph type="sldNum" sz="quarter" idx="12"/>
+          </p:nvPr>
+        </p:nvSpPr>
+        <p:spPr/>
+        <p:txBody>
+          <a:bodyPr/>
+          <a:lstStyle/>
+          <a:p>
+            <a:fld id="{A50B71C8-6F2D-4002-B99C-D82D44AAC21D}" type="slidenum">
+              <a:rPr lang="es-MX" smtClean="0"/>
+              <a:t>‹Nº›</a:t>
+            </a:fld>
+            <a:endParaRPr lang="es-MX"/>
+          </a:p>
+        </p:txBody>
+      </p:sp>
+    </p:spTree>
+    <p:extLst>
+      <p:ext uri="{BB962C8B-B14F-4D97-AF65-F5344CB8AC3E}">
+        <p14:creationId xmlns:p14="http://schemas.microsoft.com/office/powerpoint/2010/main" val="1769049387"/>
+      </p:ext>
+    </p:extLst>
+  </p:cSld>
+  <p:clrMapOvr>
+    <a:masterClrMapping/>
+  </p:clrMapOvr>
+</p:sldLayout>
+</file>
+
+<file path=ppt/slideLayouts/slideLayout14.xml><?xml version="1.0" encoding="utf-8"?>
+<p:sldLayout xmlns:a="http://schemas.openxmlformats.org/drawingml/2006/main" xmlns:r="http://schemas.openxmlformats.org/officeDocument/2006/relationships" xmlns:p="http://schemas.openxmlformats.org/presentationml/2006/main" preserve="1">
+  <p:cSld name="Columna 3">
+    <p:spTree>
+      <p:nvGrpSpPr>
+        <p:cNvPr id="1" name=""/>
+        <p:cNvGrpSpPr/>
+        <p:nvPr/>
+      </p:nvGrpSpPr>
+      <p:grpSpPr>
+        <a:xfrm>
+          <a:off x="0" y="0"/>
+          <a:ext cx="0" cy="0"/>
+          <a:chOff x="0" y="0"/>
+          <a:chExt cx="0" cy="0"/>
+        </a:xfrm>
+      </p:grpSpPr>
+      <p:sp>
+        <p:nvSpPr>
+          <p:cNvPr id="2" name="Title 1"/>
+          <p:cNvSpPr>
+            <a:spLocks noGrp="1"/>
+          </p:cNvSpPr>
+          <p:nvPr>
+            <p:ph type="title"/>
+          </p:nvPr>
+        </p:nvSpPr>
+        <p:spPr/>
+        <p:txBody>
+          <a:bodyPr/>
+          <a:lstStyle>
+            <a:lvl1pPr>
+              <a:defRPr sz="4200"/>
+            </a:lvl1pPr>
+          </a:lstStyle>
+          <a:p>
+            <a:r>
+              <a:rPr lang="es-ES" smtClean="0"/>
+              <a:t>Haga clic para modificar el estilo de título del patrón</a:t>
+            </a:r>
+            <a:endParaRPr lang="en-US" dirty="0"/>
+          </a:p>
+        </p:txBody>
+      </p:sp>
+      <p:sp>
+        <p:nvSpPr>
+          <p:cNvPr id="3" name="Text Placeholder 2"/>
+          <p:cNvSpPr>
+            <a:spLocks noGrp="1"/>
+          </p:cNvSpPr>
+          <p:nvPr>
+            <p:ph type="body" idx="1"/>
+          </p:nvPr>
+        </p:nvSpPr>
+        <p:spPr>
+          <a:xfrm>
+            <a:off x="632947" y="1981200"/>
+            <a:ext cx="2946866" cy="576262"/>
+          </a:xfrm>
+        </p:spPr>
+        <p:txBody>
+          <a:bodyPr anchor="b">
+            <a:noAutofit/>
+          </a:bodyPr>
+          <a:lstStyle>
+            <a:lvl1pPr marL="0" indent="0">
+              <a:buNone/>
+              <a:defRPr sz="2400" b="0">
+                <a:solidFill>
+                  <a:schemeClr val="bg2">
+                    <a:lumMod val="40000"/>
+                    <a:lumOff val="60000"/>
+                  </a:schemeClr>
+                </a:solidFill>
+              </a:defRPr>
+            </a:lvl1pPr>
+            <a:lvl2pPr marL="457200" indent="0">
+              <a:buNone/>
+              <a:defRPr sz="2000" b="1"/>
+            </a:lvl2pPr>
+            <a:lvl3pPr marL="914400" indent="0">
+              <a:buNone/>
+              <a:defRPr sz="1800" b="1"/>
+            </a:lvl3pPr>
+            <a:lvl4pPr marL="1371600" indent="0">
+              <a:buNone/>
+              <a:defRPr sz="1600" b="1"/>
+            </a:lvl4pPr>
+            <a:lvl5pPr marL="1828800" indent="0">
+              <a:buNone/>
+              <a:defRPr sz="1600" b="1"/>
+            </a:lvl5pPr>
+            <a:lvl6pPr marL="2286000" indent="0">
+              <a:buNone/>
+              <a:defRPr sz="1600" b="1"/>
+            </a:lvl6pPr>
+            <a:lvl7pPr marL="2743200" indent="0">
+              <a:buNone/>
+              <a:defRPr sz="1600" b="1"/>
+            </a:lvl7pPr>
+            <a:lvl8pPr marL="3200400" indent="0">
+              <a:buNone/>
+              <a:defRPr sz="1600" b="1"/>
+            </a:lvl8pPr>
+            <a:lvl9pPr marL="3657600" indent="0">
+              <a:buNone/>
+              <a:defRPr sz="1600" b="1"/>
+            </a:lvl9pPr>
+          </a:lstStyle>
+          <a:p>
+            <a:pPr lvl="0"/>
+            <a:r>
+              <a:rPr lang="es-ES" smtClean="0"/>
+              <a:t>Editar el estilo de texto del patrón</a:t>
+            </a:r>
+          </a:p>
+        </p:txBody>
+      </p:sp>
+      <p:sp>
+        <p:nvSpPr>
+          <p:cNvPr id="16" name="Text Placeholder 3"/>
+          <p:cNvSpPr>
+            <a:spLocks noGrp="1"/>
+          </p:cNvSpPr>
+          <p:nvPr>
+            <p:ph type="body" sz="half" idx="15"/>
+          </p:nvPr>
+        </p:nvSpPr>
+        <p:spPr>
+          <a:xfrm>
+            <a:off x="652463" y="2667000"/>
+            <a:ext cx="2927350" cy="3589338"/>
+          </a:xfrm>
+        </p:spPr>
+        <p:txBody>
+          <a:bodyPr anchor="t">
+            <a:normAutofit/>
+          </a:bodyPr>
+          <a:lstStyle>
+            <a:lvl1pPr marL="0" indent="0">
+              <a:buNone/>
+              <a:defRPr sz="1400"/>
+            </a:lvl1pPr>
+            <a:lvl2pPr marL="457200" indent="0">
+              <a:buNone/>
+              <a:defRPr sz="1200"/>
+            </a:lvl2pPr>
+            <a:lvl3pPr marL="914400" indent="0">
+              <a:buNone/>
+              <a:defRPr sz="1000"/>
+            </a:lvl3pPr>
+            <a:lvl4pPr marL="1371600" indent="0">
+              <a:buNone/>
+              <a:defRPr sz="900"/>
+            </a:lvl4pPr>
+            <a:lvl5pPr marL="1828800" indent="0">
+              <a:buNone/>
+              <a:defRPr sz="900"/>
+            </a:lvl5pPr>
+            <a:lvl6pPr marL="2286000" indent="0">
+              <a:buNone/>
+              <a:defRPr sz="900"/>
+            </a:lvl6pPr>
+            <a:lvl7pPr marL="2743200" indent="0">
+              <a:buNone/>
+              <a:defRPr sz="900"/>
+            </a:lvl7pPr>
+            <a:lvl8pPr marL="3200400" indent="0">
+              <a:buNone/>
+              <a:defRPr sz="900"/>
+            </a:lvl8pPr>
+            <a:lvl9pPr marL="3657600" indent="0">
+              <a:buNone/>
+              <a:defRPr sz="900"/>
+            </a:lvl9pPr>
+          </a:lstStyle>
+          <a:p>
+            <a:pPr lvl="0"/>
+            <a:r>
+              <a:rPr lang="es-ES" smtClean="0"/>
+              <a:t>Editar el estilo de texto del patrón</a:t>
+            </a:r>
+          </a:p>
+        </p:txBody>
+      </p:sp>
+      <p:sp>
+        <p:nvSpPr>
+          <p:cNvPr id="5" name="Text Placeholder 4"/>
+          <p:cNvSpPr>
+            <a:spLocks noGrp="1"/>
+          </p:cNvSpPr>
+          <p:nvPr>
+            <p:ph type="body" sz="quarter" idx="3"/>
+          </p:nvPr>
+        </p:nvSpPr>
+        <p:spPr>
+          <a:xfrm>
+            <a:off x="3883659" y="1981200"/>
+            <a:ext cx="2936241" cy="576262"/>
+          </a:xfrm>
+        </p:spPr>
+        <p:txBody>
+          <a:bodyPr anchor="b">
+            <a:noAutofit/>
+          </a:bodyPr>
+          <a:lstStyle>
+            <a:lvl1pPr marL="0" indent="0">
+              <a:buNone/>
+              <a:defRPr sz="2400" b="0">
+                <a:solidFill>
+                  <a:schemeClr val="bg2">
+                    <a:lumMod val="40000"/>
+                    <a:lumOff val="60000"/>
+                  </a:schemeClr>
+                </a:solidFill>
+              </a:defRPr>
+            </a:lvl1pPr>
+            <a:lvl2pPr marL="457200" indent="0">
+              <a:buNone/>
+              <a:defRPr sz="2000" b="1"/>
+            </a:lvl2pPr>
+            <a:lvl3pPr marL="914400" indent="0">
+              <a:buNone/>
+              <a:defRPr sz="1800" b="1"/>
+            </a:lvl3pPr>
+            <a:lvl4pPr marL="1371600" indent="0">
+              <a:buNone/>
+              <a:defRPr sz="1600" b="1"/>
+            </a:lvl4pPr>
+            <a:lvl5pPr marL="1828800" indent="0">
+              <a:buNone/>
+              <a:defRPr sz="1600" b="1"/>
+            </a:lvl5pPr>
+            <a:lvl6pPr marL="2286000" indent="0">
+              <a:buNone/>
+              <a:defRPr sz="1600" b="1"/>
+            </a:lvl6pPr>
+            <a:lvl7pPr marL="2743200" indent="0">
+              <a:buNone/>
+              <a:defRPr sz="1600" b="1"/>
+            </a:lvl7pPr>
+            <a:lvl8pPr marL="3200400" indent="0">
+              <a:buNone/>
+              <a:defRPr sz="1600" b="1"/>
+            </a:lvl8pPr>
+            <a:lvl9pPr marL="3657600" indent="0">
+              <a:buNone/>
+              <a:defRPr sz="1600" b="1"/>
+            </a:lvl9pPr>
+          </a:lstStyle>
+          <a:p>
+            <a:pPr lvl="0"/>
+            <a:r>
+              <a:rPr lang="es-ES" smtClean="0"/>
+              <a:t>Editar el estilo de texto del patrón</a:t>
+            </a:r>
+          </a:p>
+        </p:txBody>
+      </p:sp>
+      <p:sp>
+        <p:nvSpPr>
+          <p:cNvPr id="19" name="Text Placeholder 3"/>
+          <p:cNvSpPr>
+            <a:spLocks noGrp="1"/>
+          </p:cNvSpPr>
+          <p:nvPr>
+            <p:ph type="body" sz="half" idx="16"/>
+          </p:nvPr>
+        </p:nvSpPr>
+        <p:spPr>
+          <a:xfrm>
+            <a:off x="3873106" y="2667000"/>
+            <a:ext cx="2946794" cy="3589338"/>
+          </a:xfrm>
+        </p:spPr>
+        <p:txBody>
+          <a:bodyPr anchor="t">
+            <a:normAutofit/>
+          </a:bodyPr>
+          <a:lstStyle>
+            <a:lvl1pPr marL="0" indent="0">
+              <a:buNone/>
+              <a:defRPr sz="1400"/>
+            </a:lvl1pPr>
+            <a:lvl2pPr marL="457200" indent="0">
+              <a:buNone/>
+              <a:defRPr sz="1200"/>
+            </a:lvl2pPr>
+            <a:lvl3pPr marL="914400" indent="0">
+              <a:buNone/>
+              <a:defRPr sz="1000"/>
+            </a:lvl3pPr>
+            <a:lvl4pPr marL="1371600" indent="0">
+              <a:buNone/>
+              <a:defRPr sz="900"/>
+            </a:lvl4pPr>
+            <a:lvl5pPr marL="1828800" indent="0">
+              <a:buNone/>
+              <a:defRPr sz="900"/>
+            </a:lvl5pPr>
+            <a:lvl6pPr marL="2286000" indent="0">
+              <a:buNone/>
+              <a:defRPr sz="900"/>
+            </a:lvl6pPr>
+            <a:lvl7pPr marL="2743200" indent="0">
+              <a:buNone/>
+              <a:defRPr sz="900"/>
+            </a:lvl7pPr>
+            <a:lvl8pPr marL="3200400" indent="0">
+              <a:buNone/>
+              <a:defRPr sz="900"/>
+            </a:lvl8pPr>
+            <a:lvl9pPr marL="3657600" indent="0">
+              <a:buNone/>
+              <a:defRPr sz="900"/>
+            </a:lvl9pPr>
+          </a:lstStyle>
+          <a:p>
+            <a:pPr lvl="0"/>
+            <a:r>
+              <a:rPr lang="es-ES" smtClean="0"/>
+              <a:t>Editar el estilo de texto del patrón</a:t>
+            </a:r>
+          </a:p>
+        </p:txBody>
+      </p:sp>
+      <p:sp>
+        <p:nvSpPr>
+          <p:cNvPr id="14" name="Text Placeholder 4"/>
+          <p:cNvSpPr>
+            <a:spLocks noGrp="1"/>
+          </p:cNvSpPr>
+          <p:nvPr>
+            <p:ph type="body" sz="quarter" idx="13"/>
+          </p:nvPr>
+        </p:nvSpPr>
+        <p:spPr>
+          <a:xfrm>
+            <a:off x="7124700" y="1981200"/>
+            <a:ext cx="2932113" cy="576262"/>
+          </a:xfrm>
+        </p:spPr>
+        <p:txBody>
+          <a:bodyPr anchor="b">
+            <a:noAutofit/>
+          </a:bodyPr>
+          <a:lstStyle>
+            <a:lvl1pPr marL="0" indent="0">
+              <a:buNone/>
+              <a:defRPr sz="2400" b="0">
+                <a:solidFill>
+                  <a:schemeClr val="bg2">
+                    <a:lumMod val="40000"/>
+                    <a:lumOff val="60000"/>
+                  </a:schemeClr>
+                </a:solidFill>
+              </a:defRPr>
+            </a:lvl1pPr>
+            <a:lvl2pPr marL="457200" indent="0">
+              <a:buNone/>
+              <a:defRPr sz="2000" b="1"/>
+            </a:lvl2pPr>
+            <a:lvl3pPr marL="914400" indent="0">
+              <a:buNone/>
+              <a:defRPr sz="1800" b="1"/>
+            </a:lvl3pPr>
+            <a:lvl4pPr marL="1371600" indent="0">
+              <a:buNone/>
+              <a:defRPr sz="1600" b="1"/>
+            </a:lvl4pPr>
+            <a:lvl5pPr marL="1828800" indent="0">
+              <a:buNone/>
+              <a:defRPr sz="1600" b="1"/>
+            </a:lvl5pPr>
+            <a:lvl6pPr marL="2286000" indent="0">
+              <a:buNone/>
+              <a:defRPr sz="1600" b="1"/>
+            </a:lvl6pPr>
+            <a:lvl7pPr marL="2743200" indent="0">
+              <a:buNone/>
+              <a:defRPr sz="1600" b="1"/>
+            </a:lvl7pPr>
+            <a:lvl8pPr marL="3200400" indent="0">
+              <a:buNone/>
+              <a:defRPr sz="1600" b="1"/>
+            </a:lvl8pPr>
+            <a:lvl9pPr marL="3657600" indent="0">
+              <a:buNone/>
+              <a:defRPr sz="1600" b="1"/>
+            </a:lvl9pPr>
+          </a:lstStyle>
+          <a:p>
+            <a:pPr lvl="0"/>
+            <a:r>
+              <a:rPr lang="es-ES" smtClean="0"/>
+              <a:t>Editar el estilo de texto del patrón</a:t>
+            </a:r>
+          </a:p>
+        </p:txBody>
+      </p:sp>
+      <p:sp>
+        <p:nvSpPr>
+          <p:cNvPr id="20" name="Text Placeholder 3"/>
+          <p:cNvSpPr>
+            <a:spLocks noGrp="1"/>
+          </p:cNvSpPr>
+          <p:nvPr>
+            <p:ph type="body" sz="half" idx="17"/>
+          </p:nvPr>
+        </p:nvSpPr>
+        <p:spPr>
+          <a:xfrm>
+            <a:off x="7124700" y="2667000"/>
+            <a:ext cx="2932113" cy="3589338"/>
+          </a:xfrm>
+        </p:spPr>
+        <p:txBody>
+          <a:bodyPr anchor="t">
+            <a:normAutofit/>
+          </a:bodyPr>
+          <a:lstStyle>
+            <a:lvl1pPr marL="0" indent="0">
+              <a:buNone/>
+              <a:defRPr sz="1400"/>
+            </a:lvl1pPr>
+            <a:lvl2pPr marL="457200" indent="0">
+              <a:buNone/>
+              <a:defRPr sz="1200"/>
+            </a:lvl2pPr>
+            <a:lvl3pPr marL="914400" indent="0">
+              <a:buNone/>
+              <a:defRPr sz="1000"/>
+            </a:lvl3pPr>
+            <a:lvl4pPr marL="1371600" indent="0">
+              <a:buNone/>
+              <a:defRPr sz="900"/>
+            </a:lvl4pPr>
+            <a:lvl5pPr marL="1828800" indent="0">
+              <a:buNone/>
+              <a:defRPr sz="900"/>
+            </a:lvl5pPr>
+            <a:lvl6pPr marL="2286000" indent="0">
+              <a:buNone/>
+              <a:defRPr sz="900"/>
+            </a:lvl6pPr>
+            <a:lvl7pPr marL="2743200" indent="0">
+              <a:buNone/>
+              <a:defRPr sz="900"/>
+            </a:lvl7pPr>
+            <a:lvl8pPr marL="3200400" indent="0">
+              <a:buNone/>
+              <a:defRPr sz="900"/>
+            </a:lvl8pPr>
+            <a:lvl9pPr marL="3657600" indent="0">
+              <a:buNone/>
+              <a:defRPr sz="900"/>
+            </a:lvl9pPr>
+          </a:lstStyle>
+          <a:p>
+            <a:pPr lvl="0"/>
+            <a:r>
+              <a:rPr lang="es-ES" smtClean="0"/>
+              <a:t>Editar el estilo de texto del patrón</a:t>
+            </a:r>
+          </a:p>
+        </p:txBody>
+      </p:sp>
+      <p:cxnSp>
+        <p:nvCxnSpPr>
+          <p:cNvPr id="17" name="Straight Connector 16"/>
+          <p:cNvCxnSpPr/>
+          <p:nvPr/>
+        </p:nvCxnSpPr>
+        <p:spPr>
+          <a:xfrm>
+            <a:off x="3726142" y="2133600"/>
+            <a:ext cx="0" cy="3962400"/>
+          </a:xfrm>
+          <a:prstGeom prst="line">
+            <a:avLst/>
+          </a:prstGeom>
+          <a:ln w="12700" cmpd="sng">
+            <a:solidFill>
+              <a:schemeClr val="bg2">
+                <a:lumMod val="40000"/>
+                <a:lumOff val="60000"/>
+                <a:alpha val="40000"/>
+              </a:schemeClr>
+            </a:solidFill>
+          </a:ln>
+        </p:spPr>
+        <p:style>
+          <a:lnRef idx="2">
+            <a:schemeClr val="accent1"/>
+          </a:lnRef>
+          <a:fillRef idx="0">
+            <a:schemeClr val="accent1"/>
+          </a:fillRef>
+          <a:effectRef idx="1">
+            <a:schemeClr val="accent1"/>
+          </a:effectRef>
+          <a:fontRef idx="minor">
+            <a:schemeClr val="tx1"/>
+          </a:fontRef>
+        </p:style>
+      </p:cxnSp>
+      <p:cxnSp>
+        <p:nvCxnSpPr>
+          <p:cNvPr id="18" name="Straight Connector 17"/>
+          <p:cNvCxnSpPr/>
+          <p:nvPr/>
+        </p:nvCxnSpPr>
+        <p:spPr>
+          <a:xfrm>
+            <a:off x="6962227" y="2133600"/>
+            <a:ext cx="0" cy="3966882"/>
+          </a:xfrm>
+          <a:prstGeom prst="line">
+            <a:avLst/>
+          </a:prstGeom>
+          <a:ln w="12700" cmpd="sng">
+            <a:solidFill>
+              <a:schemeClr val="bg2">
+                <a:lumMod val="40000"/>
+                <a:lumOff val="60000"/>
+                <a:alpha val="40000"/>
+              </a:schemeClr>
+            </a:solidFill>
+          </a:ln>
+        </p:spPr>
+        <p:style>
+          <a:lnRef idx="2">
+            <a:schemeClr val="accent1"/>
+          </a:lnRef>
+          <a:fillRef idx="0">
+            <a:schemeClr val="accent1"/>
+          </a:fillRef>
+          <a:effectRef idx="1">
+            <a:schemeClr val="accent1"/>
+          </a:effectRef>
+          <a:fontRef idx="minor">
+            <a:schemeClr val="tx1"/>
+          </a:fontRef>
+        </p:style>
+      </p:cxnSp>
+      <p:sp>
+        <p:nvSpPr>
+          <p:cNvPr id="7" name="Date Placeholder 3"/>
+          <p:cNvSpPr>
+            <a:spLocks noGrp="1"/>
+          </p:cNvSpPr>
+          <p:nvPr>
+            <p:ph type="dt" sz="half" idx="10"/>
+          </p:nvPr>
+        </p:nvSpPr>
+        <p:spPr/>
+        <p:txBody>
+          <a:bodyPr/>
+          <a:lstStyle/>
+          <a:p>
+            <a:fld id="{EC70A81F-E6D7-467A-A9E0-F29B3B127B77}" type="datetimeFigureOut">
+              <a:rPr lang="es-MX" smtClean="0"/>
+              <a:t>18/02/2025</a:t>
+            </a:fld>
+            <a:endParaRPr lang="es-MX"/>
+          </a:p>
+        </p:txBody>
+      </p:sp>
+      <p:sp>
+        <p:nvSpPr>
+          <p:cNvPr id="4" name="Footer Placeholder 4"/>
+          <p:cNvSpPr>
+            <a:spLocks noGrp="1"/>
+          </p:cNvSpPr>
+          <p:nvPr>
+            <p:ph type="ftr" sz="quarter" idx="11"/>
+          </p:nvPr>
+        </p:nvSpPr>
+        <p:spPr/>
+        <p:txBody>
+          <a:bodyPr/>
+          <a:lstStyle/>
+          <a:p>
+            <a:endParaRPr lang="es-MX"/>
+          </a:p>
+        </p:txBody>
+      </p:sp>
+      <p:sp>
+        <p:nvSpPr>
+          <p:cNvPr id="6" name="Slide Number Placeholder 5"/>
+          <p:cNvSpPr>
+            <a:spLocks noGrp="1"/>
+          </p:cNvSpPr>
+          <p:nvPr>
+            <p:ph type="sldNum" sz="quarter" idx="12"/>
+          </p:nvPr>
+        </p:nvSpPr>
+        <p:spPr/>
+        <p:txBody>
+          <a:bodyPr/>
+          <a:lstStyle/>
+          <a:p>
+            <a:fld id="{A50B71C8-6F2D-4002-B99C-D82D44AAC21D}" type="slidenum">
+              <a:rPr lang="es-MX" smtClean="0"/>
+              <a:t>‹Nº›</a:t>
+            </a:fld>
+            <a:endParaRPr lang="es-MX"/>
+          </a:p>
+        </p:txBody>
+      </p:sp>
+    </p:spTree>
+    <p:extLst>
+      <p:ext uri="{BB962C8B-B14F-4D97-AF65-F5344CB8AC3E}">
+        <p14:creationId xmlns:p14="http://schemas.microsoft.com/office/powerpoint/2010/main" val="2151126300"/>
+      </p:ext>
+    </p:extLst>
+  </p:cSld>
+  <p:clrMapOvr>
+    <a:masterClrMapping/>
+  </p:clrMapOvr>
+</p:sldLayout>
+</file>
+
+<file path=ppt/slideLayouts/slideLayout15.xml><?xml version="1.0" encoding="utf-8"?>
+<p:sldLayout xmlns:a="http://schemas.openxmlformats.org/drawingml/2006/main" xmlns:r="http://schemas.openxmlformats.org/officeDocument/2006/relationships" xmlns:p="http://schemas.openxmlformats.org/presentationml/2006/main" preserve="1">
+  <p:cSld name="Columna de imagen 3">
+    <p:spTree>
+      <p:nvGrpSpPr>
+        <p:cNvPr id="1" name=""/>
+        <p:cNvGrpSpPr/>
+        <p:nvPr/>
+      </p:nvGrpSpPr>
+      <p:grpSpPr>
+        <a:xfrm>
+          <a:off x="0" y="0"/>
+          <a:ext cx="0" cy="0"/>
+          <a:chOff x="0" y="0"/>
+          <a:chExt cx="0" cy="0"/>
+        </a:xfrm>
+      </p:grpSpPr>
+      <p:sp>
+        <p:nvSpPr>
+          <p:cNvPr id="2" name="Title 1"/>
+          <p:cNvSpPr>
+            <a:spLocks noGrp="1"/>
+          </p:cNvSpPr>
+          <p:nvPr>
+            <p:ph type="title"/>
+          </p:nvPr>
+        </p:nvSpPr>
+        <p:spPr/>
+        <p:txBody>
+          <a:bodyPr/>
+          <a:lstStyle>
+            <a:lvl1pPr>
+              <a:defRPr sz="4200"/>
+            </a:lvl1pPr>
+          </a:lstStyle>
+          <a:p>
+            <a:r>
+              <a:rPr lang="es-ES" smtClean="0"/>
+              <a:t>Haga clic para modificar el estilo de título del patrón</a:t>
+            </a:r>
+            <a:endParaRPr lang="en-US" dirty="0"/>
+          </a:p>
+        </p:txBody>
+      </p:sp>
+      <p:sp>
+        <p:nvSpPr>
+          <p:cNvPr id="3" name="Text Placeholder 2"/>
+          <p:cNvSpPr>
+            <a:spLocks noGrp="1"/>
+          </p:cNvSpPr>
+          <p:nvPr>
+            <p:ph type="body" idx="1"/>
+          </p:nvPr>
+        </p:nvSpPr>
+        <p:spPr>
+          <a:xfrm>
+            <a:off x="652463" y="4250949"/>
+            <a:ext cx="2940050" cy="576262"/>
+          </a:xfrm>
+        </p:spPr>
+        <p:txBody>
+          <a:bodyPr anchor="b">
+            <a:noAutofit/>
+          </a:bodyPr>
+          <a:lstStyle>
+            <a:lvl1pPr marL="0" indent="0">
+              <a:buNone/>
+              <a:defRPr sz="2400" b="0">
+                <a:solidFill>
+                  <a:schemeClr val="bg2">
+                    <a:lumMod val="40000"/>
+                    <a:lumOff val="60000"/>
+                  </a:schemeClr>
+                </a:solidFill>
+              </a:defRPr>
+            </a:lvl1pPr>
+            <a:lvl2pPr marL="457200" indent="0">
+              <a:buNone/>
+              <a:defRPr sz="2000" b="1"/>
+            </a:lvl2pPr>
+            <a:lvl3pPr marL="914400" indent="0">
+              <a:buNone/>
+              <a:defRPr sz="1800" b="1"/>
+            </a:lvl3pPr>
+            <a:lvl4pPr marL="1371600" indent="0">
+              <a:buNone/>
+              <a:defRPr sz="1600" b="1"/>
+            </a:lvl4pPr>
+            <a:lvl5pPr marL="1828800" indent="0">
+              <a:buNone/>
+              <a:defRPr sz="1600" b="1"/>
+            </a:lvl5pPr>
+            <a:lvl6pPr marL="2286000" indent="0">
+              <a:buNone/>
+              <a:defRPr sz="1600" b="1"/>
+            </a:lvl6pPr>
+            <a:lvl7pPr marL="2743200" indent="0">
+              <a:buNone/>
+              <a:defRPr sz="1600" b="1"/>
+            </a:lvl7pPr>
+            <a:lvl8pPr marL="3200400" indent="0">
+              <a:buNone/>
+              <a:defRPr sz="1600" b="1"/>
+            </a:lvl8pPr>
+            <a:lvl9pPr marL="3657600" indent="0">
+              <a:buNone/>
+              <a:defRPr sz="1600" b="1"/>
+            </a:lvl9pPr>
+          </a:lstStyle>
+          <a:p>
+            <a:pPr lvl="0"/>
+            <a:r>
+              <a:rPr lang="es-ES" smtClean="0"/>
+              <a:t>Editar el estilo de texto del patrón</a:t>
+            </a:r>
+          </a:p>
+        </p:txBody>
+      </p:sp>
+      <p:sp>
+        <p:nvSpPr>
+          <p:cNvPr id="29" name="Picture Placeholder 2"/>
+          <p:cNvSpPr>
+            <a:spLocks noGrp="1" noChangeAspect="1"/>
+          </p:cNvSpPr>
+          <p:nvPr>
+            <p:ph type="pic" idx="15"/>
+          </p:nvPr>
+        </p:nvSpPr>
+        <p:spPr>
+          <a:xfrm>
+            <a:off x="652463" y="2209800"/>
+            <a:ext cx="2940050" cy="1524000"/>
+          </a:xfrm>
+          <a:prstGeom prst="roundRect">
+            <a:avLst>
+              <a:gd name="adj" fmla="val 1858"/>
+            </a:avLst>
+          </a:prstGeom>
+          <a:effectLst>
+            <a:outerShdw blurRad="50800" dist="50800" dir="5400000" algn="tl" rotWithShape="0">
+              <a:srgbClr val="000000">
+                <a:alpha val="43000"/>
+              </a:srgbClr>
+            </a:outerShdw>
+          </a:effectLst>
+        </p:spPr>
+        <p:txBody>
+          <a:bodyPr anchor="t">
+            <a:normAutofit/>
+          </a:bodyPr>
+          <a:lstStyle>
+            <a:lvl1pPr marL="0" indent="0" algn="ctr">
+              <a:buNone/>
+              <a:defRPr sz="1600"/>
+            </a:lvl1pPr>
+            <a:lvl2pPr marL="457200" indent="0">
+              <a:buNone/>
+              <a:defRPr sz="1600"/>
+            </a:lvl2pPr>
+            <a:lvl3pPr marL="914400" indent="0">
+              <a:buNone/>
+              <a:defRPr sz="1600"/>
+            </a:lvl3pPr>
+            <a:lvl4pPr marL="1371600" indent="0">
+              <a:buNone/>
+              <a:defRPr sz="1600"/>
+            </a:lvl4pPr>
+            <a:lvl5pPr marL="1828800" indent="0">
+              <a:buNone/>
+              <a:defRPr sz="1600"/>
+            </a:lvl5pPr>
+            <a:lvl6pPr marL="2286000" indent="0">
+              <a:buNone/>
+              <a:defRPr sz="1600"/>
+            </a:lvl6pPr>
+            <a:lvl7pPr marL="2743200" indent="0">
+              <a:buNone/>
+              <a:defRPr sz="1600"/>
+            </a:lvl7pPr>
+            <a:lvl8pPr marL="3200400" indent="0">
+              <a:buNone/>
+              <a:defRPr sz="1600"/>
+            </a:lvl8pPr>
+            <a:lvl9pPr marL="3657600" indent="0">
+              <a:buNone/>
+              <a:defRPr sz="1600"/>
+            </a:lvl9pPr>
+          </a:lstStyle>
+          <a:p>
+            <a:r>
+              <a:rPr lang="es-ES" smtClean="0"/>
+              <a:t>Haga clic en el icono para agregar una imagen</a:t>
+            </a:r>
+            <a:endParaRPr lang="en-US" dirty="0"/>
+          </a:p>
+        </p:txBody>
+      </p:sp>
+      <p:sp>
+        <p:nvSpPr>
+          <p:cNvPr id="22" name="Text Placeholder 3"/>
+          <p:cNvSpPr>
+            <a:spLocks noGrp="1"/>
+          </p:cNvSpPr>
+          <p:nvPr>
+            <p:ph type="body" sz="half" idx="18"/>
+          </p:nvPr>
+        </p:nvSpPr>
+        <p:spPr>
+          <a:xfrm>
+            <a:off x="652463" y="4827211"/>
+            <a:ext cx="2940050" cy="659189"/>
+          </a:xfrm>
+        </p:spPr>
+        <p:txBody>
+          <a:bodyPr anchor="t">
+            <a:normAutofit/>
+          </a:bodyPr>
+          <a:lstStyle>
+            <a:lvl1pPr marL="0" indent="0">
+              <a:buNone/>
+              <a:defRPr sz="1400"/>
+            </a:lvl1pPr>
+            <a:lvl2pPr marL="457200" indent="0">
+              <a:buNone/>
+              <a:defRPr sz="1200"/>
+            </a:lvl2pPr>
+            <a:lvl3pPr marL="914400" indent="0">
+              <a:buNone/>
+              <a:defRPr sz="1000"/>
+            </a:lvl3pPr>
+            <a:lvl4pPr marL="1371600" indent="0">
+              <a:buNone/>
+              <a:defRPr sz="900"/>
+            </a:lvl4pPr>
+            <a:lvl5pPr marL="1828800" indent="0">
+              <a:buNone/>
+              <a:defRPr sz="900"/>
+            </a:lvl5pPr>
+            <a:lvl6pPr marL="2286000" indent="0">
+              <a:buNone/>
+              <a:defRPr sz="900"/>
+            </a:lvl6pPr>
+            <a:lvl7pPr marL="2743200" indent="0">
+              <a:buNone/>
+              <a:defRPr sz="900"/>
+            </a:lvl7pPr>
+            <a:lvl8pPr marL="3200400" indent="0">
+              <a:buNone/>
+              <a:defRPr sz="900"/>
+            </a:lvl8pPr>
+            <a:lvl9pPr marL="3657600" indent="0">
+              <a:buNone/>
+              <a:defRPr sz="900"/>
+            </a:lvl9pPr>
+          </a:lstStyle>
+          <a:p>
+            <a:pPr lvl="0"/>
+            <a:r>
+              <a:rPr lang="es-ES" smtClean="0"/>
+              <a:t>Editar el estilo de texto del patrón</a:t>
+            </a:r>
+          </a:p>
+        </p:txBody>
+      </p:sp>
+      <p:sp>
+        <p:nvSpPr>
+          <p:cNvPr id="5" name="Text Placeholder 4"/>
+          <p:cNvSpPr>
+            <a:spLocks noGrp="1"/>
+          </p:cNvSpPr>
+          <p:nvPr>
+            <p:ph type="body" sz="quarter" idx="3"/>
+          </p:nvPr>
+        </p:nvSpPr>
+        <p:spPr>
+          <a:xfrm>
+            <a:off x="3889375" y="4250949"/>
+            <a:ext cx="2930525" cy="576262"/>
+          </a:xfrm>
+        </p:spPr>
+        <p:txBody>
+          <a:bodyPr anchor="b">
+            <a:noAutofit/>
+          </a:bodyPr>
+          <a:lstStyle>
+            <a:lvl1pPr marL="0" indent="0">
+              <a:buNone/>
+              <a:defRPr sz="2400" b="0">
+                <a:solidFill>
+                  <a:schemeClr val="bg2">
+                    <a:lumMod val="40000"/>
+                    <a:lumOff val="60000"/>
+                  </a:schemeClr>
+                </a:solidFill>
+              </a:defRPr>
+            </a:lvl1pPr>
+            <a:lvl2pPr marL="457200" indent="0">
+              <a:buNone/>
+              <a:defRPr sz="2000" b="1"/>
+            </a:lvl2pPr>
+            <a:lvl3pPr marL="914400" indent="0">
+              <a:buNone/>
+              <a:defRPr sz="1800" b="1"/>
+            </a:lvl3pPr>
+            <a:lvl4pPr marL="1371600" indent="0">
+              <a:buNone/>
+              <a:defRPr sz="1600" b="1"/>
+            </a:lvl4pPr>
+            <a:lvl5pPr marL="1828800" indent="0">
+              <a:buNone/>
+              <a:defRPr sz="1600" b="1"/>
+            </a:lvl5pPr>
+            <a:lvl6pPr marL="2286000" indent="0">
+              <a:buNone/>
+              <a:defRPr sz="1600" b="1"/>
+            </a:lvl6pPr>
+            <a:lvl7pPr marL="2743200" indent="0">
+              <a:buNone/>
+              <a:defRPr sz="1600" b="1"/>
+            </a:lvl7pPr>
+            <a:lvl8pPr marL="3200400" indent="0">
+              <a:buNone/>
+              <a:defRPr sz="1600" b="1"/>
+            </a:lvl8pPr>
+            <a:lvl9pPr marL="3657600" indent="0">
+              <a:buNone/>
+              <a:defRPr sz="1600" b="1"/>
+            </a:lvl9pPr>
+          </a:lstStyle>
+          <a:p>
+            <a:pPr lvl="0"/>
+            <a:r>
+              <a:rPr lang="es-ES" smtClean="0"/>
+              <a:t>Editar el estilo de texto del patrón</a:t>
+            </a:r>
+          </a:p>
+        </p:txBody>
+      </p:sp>
+      <p:sp>
+        <p:nvSpPr>
+          <p:cNvPr id="30" name="Picture Placeholder 2"/>
+          <p:cNvSpPr>
+            <a:spLocks noGrp="1" noChangeAspect="1"/>
+          </p:cNvSpPr>
+          <p:nvPr>
+            <p:ph type="pic" idx="21"/>
+          </p:nvPr>
+        </p:nvSpPr>
+        <p:spPr>
+          <a:xfrm>
+            <a:off x="3889374" y="2209800"/>
+            <a:ext cx="2930525" cy="1524000"/>
+          </a:xfrm>
+          <a:prstGeom prst="roundRect">
+            <a:avLst>
+              <a:gd name="adj" fmla="val 1858"/>
+            </a:avLst>
+          </a:prstGeom>
+          <a:effectLst>
+            <a:outerShdw blurRad="50800" dist="50800" dir="5400000" algn="tl" rotWithShape="0">
+              <a:srgbClr val="000000">
+                <a:alpha val="43000"/>
+              </a:srgbClr>
+            </a:outerShdw>
+          </a:effectLst>
+        </p:spPr>
+        <p:txBody>
+          <a:bodyPr anchor="t">
+            <a:normAutofit/>
+          </a:bodyPr>
+          <a:lstStyle>
+            <a:lvl1pPr marL="0" indent="0" algn="ctr">
+              <a:buNone/>
+              <a:defRPr sz="1600"/>
+            </a:lvl1pPr>
+            <a:lvl2pPr marL="457200" indent="0">
+              <a:buNone/>
+              <a:defRPr sz="1600"/>
+            </a:lvl2pPr>
+            <a:lvl3pPr marL="914400" indent="0">
+              <a:buNone/>
+              <a:defRPr sz="1600"/>
+            </a:lvl3pPr>
+            <a:lvl4pPr marL="1371600" indent="0">
+              <a:buNone/>
+              <a:defRPr sz="1600"/>
+            </a:lvl4pPr>
+            <a:lvl5pPr marL="1828800" indent="0">
+              <a:buNone/>
+              <a:defRPr sz="1600"/>
+            </a:lvl5pPr>
+            <a:lvl6pPr marL="2286000" indent="0">
+              <a:buNone/>
+              <a:defRPr sz="1600"/>
+            </a:lvl6pPr>
+            <a:lvl7pPr marL="2743200" indent="0">
+              <a:buNone/>
+              <a:defRPr sz="1600"/>
+            </a:lvl7pPr>
+            <a:lvl8pPr marL="3200400" indent="0">
+              <a:buNone/>
+              <a:defRPr sz="1600"/>
+            </a:lvl8pPr>
+            <a:lvl9pPr marL="3657600" indent="0">
+              <a:buNone/>
+              <a:defRPr sz="1600"/>
+            </a:lvl9pPr>
+          </a:lstStyle>
+          <a:p>
+            <a:r>
+              <a:rPr lang="es-ES" smtClean="0"/>
+              <a:t>Haga clic en el icono para agregar una imagen</a:t>
+            </a:r>
+            <a:endParaRPr lang="en-US" dirty="0"/>
+          </a:p>
+        </p:txBody>
+      </p:sp>
+      <p:sp>
+        <p:nvSpPr>
+          <p:cNvPr id="23" name="Text Placeholder 3"/>
+          <p:cNvSpPr>
+            <a:spLocks noGrp="1"/>
+          </p:cNvSpPr>
+          <p:nvPr>
+            <p:ph type="body" sz="half" idx="19"/>
+          </p:nvPr>
+        </p:nvSpPr>
+        <p:spPr>
+          <a:xfrm>
+            <a:off x="3888022" y="4827210"/>
+            <a:ext cx="2934406" cy="659189"/>
+          </a:xfrm>
+        </p:spPr>
+        <p:txBody>
+          <a:bodyPr anchor="t">
+            <a:normAutofit/>
+          </a:bodyPr>
+          <a:lstStyle>
+            <a:lvl1pPr marL="0" indent="0">
+              <a:buNone/>
+              <a:defRPr sz="1400"/>
+            </a:lvl1pPr>
+            <a:lvl2pPr marL="457200" indent="0">
+              <a:buNone/>
+              <a:defRPr sz="1200"/>
+            </a:lvl2pPr>
+            <a:lvl3pPr marL="914400" indent="0">
+              <a:buNone/>
+              <a:defRPr sz="1000"/>
+            </a:lvl3pPr>
+            <a:lvl4pPr marL="1371600" indent="0">
+              <a:buNone/>
+              <a:defRPr sz="900"/>
+            </a:lvl4pPr>
+            <a:lvl5pPr marL="1828800" indent="0">
+              <a:buNone/>
+              <a:defRPr sz="900"/>
+            </a:lvl5pPr>
+            <a:lvl6pPr marL="2286000" indent="0">
+              <a:buNone/>
+              <a:defRPr sz="900"/>
+            </a:lvl6pPr>
+            <a:lvl7pPr marL="2743200" indent="0">
+              <a:buNone/>
+              <a:defRPr sz="900"/>
+            </a:lvl7pPr>
+            <a:lvl8pPr marL="3200400" indent="0">
+              <a:buNone/>
+              <a:defRPr sz="900"/>
+            </a:lvl8pPr>
+            <a:lvl9pPr marL="3657600" indent="0">
+              <a:buNone/>
+              <a:defRPr sz="900"/>
+            </a:lvl9pPr>
+          </a:lstStyle>
+          <a:p>
+            <a:pPr lvl="0"/>
+            <a:r>
+              <a:rPr lang="es-ES" smtClean="0"/>
+              <a:t>Editar el estilo de texto del patrón</a:t>
+            </a:r>
+          </a:p>
+        </p:txBody>
+      </p:sp>
+      <p:sp>
+        <p:nvSpPr>
+          <p:cNvPr id="14" name="Text Placeholder 4"/>
+          <p:cNvSpPr>
+            <a:spLocks noGrp="1"/>
+          </p:cNvSpPr>
+          <p:nvPr>
+            <p:ph type="body" sz="quarter" idx="13"/>
+          </p:nvPr>
+        </p:nvSpPr>
+        <p:spPr>
+          <a:xfrm>
+            <a:off x="7124700" y="4250949"/>
+            <a:ext cx="2932113" cy="576262"/>
+          </a:xfrm>
+        </p:spPr>
+        <p:txBody>
+          <a:bodyPr anchor="b">
+            <a:noAutofit/>
+          </a:bodyPr>
+          <a:lstStyle>
+            <a:lvl1pPr marL="0" indent="0">
+              <a:buNone/>
+              <a:defRPr sz="2400" b="0">
+                <a:solidFill>
+                  <a:schemeClr val="bg2">
+                    <a:lumMod val="40000"/>
+                    <a:lumOff val="60000"/>
+                  </a:schemeClr>
+                </a:solidFill>
+              </a:defRPr>
+            </a:lvl1pPr>
+            <a:lvl2pPr marL="457200" indent="0">
+              <a:buNone/>
+              <a:defRPr sz="2000" b="1"/>
+            </a:lvl2pPr>
+            <a:lvl3pPr marL="914400" indent="0">
+              <a:buNone/>
+              <a:defRPr sz="1800" b="1"/>
+            </a:lvl3pPr>
+            <a:lvl4pPr marL="1371600" indent="0">
+              <a:buNone/>
+              <a:defRPr sz="1600" b="1"/>
+            </a:lvl4pPr>
+            <a:lvl5pPr marL="1828800" indent="0">
+              <a:buNone/>
+              <a:defRPr sz="1600" b="1"/>
+            </a:lvl5pPr>
+            <a:lvl6pPr marL="2286000" indent="0">
+              <a:buNone/>
+              <a:defRPr sz="1600" b="1"/>
+            </a:lvl6pPr>
+            <a:lvl7pPr marL="2743200" indent="0">
+              <a:buNone/>
+              <a:defRPr sz="1600" b="1"/>
+            </a:lvl7pPr>
+            <a:lvl8pPr marL="3200400" indent="0">
+              <a:buNone/>
+              <a:defRPr sz="1600" b="1"/>
+            </a:lvl8pPr>
+            <a:lvl9pPr marL="3657600" indent="0">
+              <a:buNone/>
+              <a:defRPr sz="1600" b="1"/>
+            </a:lvl9pPr>
+          </a:lstStyle>
+          <a:p>
+            <a:pPr lvl="0"/>
+            <a:r>
+              <a:rPr lang="es-ES" smtClean="0"/>
+              <a:t>Editar el estilo de texto del patrón</a:t>
+            </a:r>
+          </a:p>
+        </p:txBody>
+      </p:sp>
+      <p:sp>
+        <p:nvSpPr>
+          <p:cNvPr id="31" name="Picture Placeholder 2"/>
+          <p:cNvSpPr>
+            <a:spLocks noGrp="1" noChangeAspect="1"/>
+          </p:cNvSpPr>
+          <p:nvPr>
+            <p:ph type="pic" idx="22"/>
+          </p:nvPr>
+        </p:nvSpPr>
+        <p:spPr>
+          <a:xfrm>
+            <a:off x="7124699" y="2209800"/>
+            <a:ext cx="2932113" cy="1524000"/>
+          </a:xfrm>
+          <a:prstGeom prst="roundRect">
+            <a:avLst>
+              <a:gd name="adj" fmla="val 1858"/>
+            </a:avLst>
+          </a:prstGeom>
+          <a:effectLst>
+            <a:outerShdw blurRad="50800" dist="50800" dir="5400000" algn="tl" rotWithShape="0">
+              <a:srgbClr val="000000">
+                <a:alpha val="43000"/>
+              </a:srgbClr>
+            </a:outerShdw>
+          </a:effectLst>
+        </p:spPr>
+        <p:txBody>
+          <a:bodyPr anchor="t">
+            <a:normAutofit/>
+          </a:bodyPr>
+          <a:lstStyle>
+            <a:lvl1pPr marL="0" indent="0" algn="ctr">
+              <a:buNone/>
+              <a:defRPr sz="1600"/>
+            </a:lvl1pPr>
+            <a:lvl2pPr marL="457200" indent="0">
+              <a:buNone/>
+              <a:defRPr sz="1600"/>
+            </a:lvl2pPr>
+            <a:lvl3pPr marL="914400" indent="0">
+              <a:buNone/>
+              <a:defRPr sz="1600"/>
+            </a:lvl3pPr>
+            <a:lvl4pPr marL="1371600" indent="0">
+              <a:buNone/>
+              <a:defRPr sz="1600"/>
+            </a:lvl4pPr>
+            <a:lvl5pPr marL="1828800" indent="0">
+              <a:buNone/>
+              <a:defRPr sz="1600"/>
+            </a:lvl5pPr>
+            <a:lvl6pPr marL="2286000" indent="0">
+              <a:buNone/>
+              <a:defRPr sz="1600"/>
+            </a:lvl6pPr>
+            <a:lvl7pPr marL="2743200" indent="0">
+              <a:buNone/>
+              <a:defRPr sz="1600"/>
+            </a:lvl7pPr>
+            <a:lvl8pPr marL="3200400" indent="0">
+              <a:buNone/>
+              <a:defRPr sz="1600"/>
+            </a:lvl8pPr>
+            <a:lvl9pPr marL="3657600" indent="0">
+              <a:buNone/>
+              <a:defRPr sz="1600"/>
+            </a:lvl9pPr>
+          </a:lstStyle>
+          <a:p>
+            <a:r>
+              <a:rPr lang="es-ES" smtClean="0"/>
+              <a:t>Haga clic en el icono para agregar una imagen</a:t>
+            </a:r>
+            <a:endParaRPr lang="en-US" dirty="0"/>
+          </a:p>
+        </p:txBody>
+      </p:sp>
+      <p:sp>
+        <p:nvSpPr>
+          <p:cNvPr id="24" name="Text Placeholder 3"/>
+          <p:cNvSpPr>
+            <a:spLocks noGrp="1"/>
+          </p:cNvSpPr>
+          <p:nvPr>
+            <p:ph type="body" sz="half" idx="20"/>
+          </p:nvPr>
+        </p:nvSpPr>
+        <p:spPr>
+          <a:xfrm>
+            <a:off x="7124575" y="4827208"/>
+            <a:ext cx="2935997" cy="659189"/>
+          </a:xfrm>
+        </p:spPr>
+        <p:txBody>
+          <a:bodyPr anchor="t">
+            <a:normAutofit/>
+          </a:bodyPr>
+          <a:lstStyle>
+            <a:lvl1pPr marL="0" indent="0">
+              <a:buNone/>
+              <a:defRPr sz="1400"/>
+            </a:lvl1pPr>
+            <a:lvl2pPr marL="457200" indent="0">
+              <a:buNone/>
+              <a:defRPr sz="1200"/>
+            </a:lvl2pPr>
+            <a:lvl3pPr marL="914400" indent="0">
+              <a:buNone/>
+              <a:defRPr sz="1000"/>
+            </a:lvl3pPr>
+            <a:lvl4pPr marL="1371600" indent="0">
+              <a:buNone/>
+              <a:defRPr sz="900"/>
+            </a:lvl4pPr>
+            <a:lvl5pPr marL="1828800" indent="0">
+              <a:buNone/>
+              <a:defRPr sz="900"/>
+            </a:lvl5pPr>
+            <a:lvl6pPr marL="2286000" indent="0">
+              <a:buNone/>
+              <a:defRPr sz="900"/>
+            </a:lvl6pPr>
+            <a:lvl7pPr marL="2743200" indent="0">
+              <a:buNone/>
+              <a:defRPr sz="900"/>
+            </a:lvl7pPr>
+            <a:lvl8pPr marL="3200400" indent="0">
+              <a:buNone/>
+              <a:defRPr sz="900"/>
+            </a:lvl8pPr>
+            <a:lvl9pPr marL="3657600" indent="0">
+              <a:buNone/>
+              <a:defRPr sz="900"/>
+            </a:lvl9pPr>
+          </a:lstStyle>
+          <a:p>
+            <a:pPr lvl="0"/>
+            <a:r>
+              <a:rPr lang="es-ES" smtClean="0"/>
+              <a:t>Editar el estilo de texto del patrón</a:t>
+            </a:r>
+          </a:p>
+        </p:txBody>
+      </p:sp>
+      <p:cxnSp>
+        <p:nvCxnSpPr>
+          <p:cNvPr id="19" name="Straight Connector 18"/>
+          <p:cNvCxnSpPr/>
+          <p:nvPr/>
+        </p:nvCxnSpPr>
+        <p:spPr>
+          <a:xfrm>
+            <a:off x="3726142" y="2133600"/>
+            <a:ext cx="0" cy="3962400"/>
+          </a:xfrm>
+          <a:prstGeom prst="line">
+            <a:avLst/>
+          </a:prstGeom>
+          <a:ln w="12700" cmpd="sng">
+            <a:solidFill>
+              <a:schemeClr val="bg2">
+                <a:lumMod val="40000"/>
+                <a:lumOff val="60000"/>
+                <a:alpha val="40000"/>
+              </a:schemeClr>
+            </a:solidFill>
+          </a:ln>
+        </p:spPr>
+        <p:style>
+          <a:lnRef idx="2">
+            <a:schemeClr val="accent1"/>
+          </a:lnRef>
+          <a:fillRef idx="0">
+            <a:schemeClr val="accent1"/>
+          </a:fillRef>
+          <a:effectRef idx="1">
+            <a:schemeClr val="accent1"/>
+          </a:effectRef>
+          <a:fontRef idx="minor">
+            <a:schemeClr val="tx1"/>
+          </a:fontRef>
+        </p:style>
+      </p:cxnSp>
+      <p:cxnSp>
+        <p:nvCxnSpPr>
+          <p:cNvPr id="20" name="Straight Connector 19"/>
+          <p:cNvCxnSpPr/>
+          <p:nvPr/>
+        </p:nvCxnSpPr>
+        <p:spPr>
+          <a:xfrm>
+            <a:off x="6962227" y="2133600"/>
+            <a:ext cx="0" cy="3966882"/>
+          </a:xfrm>
+          <a:prstGeom prst="line">
+            <a:avLst/>
+          </a:prstGeom>
+          <a:ln w="12700" cmpd="sng">
+            <a:solidFill>
+              <a:schemeClr val="bg2">
+                <a:lumMod val="40000"/>
+                <a:lumOff val="60000"/>
+                <a:alpha val="40000"/>
+              </a:schemeClr>
+            </a:solidFill>
+          </a:ln>
+        </p:spPr>
+        <p:style>
+          <a:lnRef idx="2">
+            <a:schemeClr val="accent1"/>
+          </a:lnRef>
+          <a:fillRef idx="0">
+            <a:schemeClr val="accent1"/>
+          </a:fillRef>
+          <a:effectRef idx="1">
+            <a:schemeClr val="accent1"/>
+          </a:effectRef>
+          <a:fontRef idx="minor">
+            <a:schemeClr val="tx1"/>
+          </a:fontRef>
+        </p:style>
+      </p:cxnSp>
+      <p:sp>
+        <p:nvSpPr>
+          <p:cNvPr id="7" name="Date Placeholder 3"/>
+          <p:cNvSpPr>
+            <a:spLocks noGrp="1"/>
+          </p:cNvSpPr>
+          <p:nvPr>
+            <p:ph type="dt" sz="half" idx="10"/>
+          </p:nvPr>
+        </p:nvSpPr>
+        <p:spPr/>
+        <p:txBody>
+          <a:bodyPr/>
+          <a:lstStyle/>
+          <a:p>
+            <a:fld id="{EC70A81F-E6D7-467A-A9E0-F29B3B127B77}" type="datetimeFigureOut">
+              <a:rPr lang="es-MX" smtClean="0"/>
+              <a:t>18/02/2025</a:t>
+            </a:fld>
+            <a:endParaRPr lang="es-MX"/>
+          </a:p>
+        </p:txBody>
+      </p:sp>
+      <p:sp>
+        <p:nvSpPr>
+          <p:cNvPr id="4" name="Footer Placeholder 4"/>
+          <p:cNvSpPr>
+            <a:spLocks noGrp="1"/>
+          </p:cNvSpPr>
+          <p:nvPr>
+            <p:ph type="ftr" sz="quarter" idx="11"/>
+          </p:nvPr>
+        </p:nvSpPr>
+        <p:spPr/>
+        <p:txBody>
+          <a:bodyPr/>
+          <a:lstStyle/>
+          <a:p>
+            <a:endParaRPr lang="es-MX"/>
+          </a:p>
+        </p:txBody>
+      </p:sp>
+      <p:sp>
+        <p:nvSpPr>
+          <p:cNvPr id="6" name="Slide Number Placeholder 5"/>
+          <p:cNvSpPr>
+            <a:spLocks noGrp="1"/>
+          </p:cNvSpPr>
+          <p:nvPr>
+            <p:ph type="sldNum" sz="quarter" idx="12"/>
+          </p:nvPr>
+        </p:nvSpPr>
+        <p:spPr/>
+        <p:txBody>
+          <a:bodyPr/>
+          <a:lstStyle/>
+          <a:p>
+            <a:fld id="{A50B71C8-6F2D-4002-B99C-D82D44AAC21D}" type="slidenum">
+              <a:rPr lang="es-MX" smtClean="0"/>
+              <a:t>‹Nº›</a:t>
+            </a:fld>
+            <a:endParaRPr lang="es-MX"/>
+          </a:p>
+        </p:txBody>
+      </p:sp>
+    </p:spTree>
+    <p:extLst>
+      <p:ext uri="{BB962C8B-B14F-4D97-AF65-F5344CB8AC3E}">
+        <p14:creationId xmlns:p14="http://schemas.microsoft.com/office/powerpoint/2010/main" val="616157659"/>
+      </p:ext>
+    </p:extLst>
+  </p:cSld>
+  <p:clrMapOvr>
+    <a:masterClrMapping/>
+  </p:clrMapOvr>
+</p:sldLayout>
+</file>
+
+<file path=ppt/slideLayouts/slideLayout16.xml><?xml version="1.0" encoding="utf-8"?>
 <p:sldLayout xmlns:a="http://schemas.openxmlformats.org/drawingml/2006/main" xmlns:r="http://schemas.openxmlformats.org/officeDocument/2006/relationships" xmlns:p="http://schemas.openxmlformats.org/presentationml/2006/main" type="vertTx" preserve="1">
   <p:cSld name="Título y texto vertical">
     <p:spTree>
@@ -318,7 +2944,7 @@
       </p:grpSpPr>
       <p:sp>
         <p:nvSpPr>
-          <p:cNvPr id="2" name="Título 1"/>
+          <p:cNvPr id="2" name="Title 1"/>
           <p:cNvSpPr>
             <a:spLocks noGrp="1"/>
           </p:cNvSpPr>
@@ -335,13 +2961,13 @@
               <a:rPr lang="es-ES" smtClean="0"/>
               <a:t>Haga clic para modificar el estilo de título del patrón</a:t>
             </a:r>
-            <a:endParaRPr lang="es-MX"/>
-          </a:p>
-        </p:txBody>
-      </p:sp>
-      <p:sp>
-        <p:nvSpPr>
-          <p:cNvPr id="3" name="Marcador de texto vertical 2"/>
+            <a:endParaRPr lang="en-US" dirty="0"/>
+          </a:p>
+        </p:txBody>
+      </p:sp>
+      <p:sp>
+        <p:nvSpPr>
+          <p:cNvPr id="3" name="Vertical Text Placeholder 2"/>
           <p:cNvSpPr>
             <a:spLocks noGrp="1"/>
           </p:cNvSpPr>
@@ -351,7 +2977,7 @@
         </p:nvSpPr>
         <p:spPr/>
         <p:txBody>
-          <a:bodyPr vert="eaVert"/>
+          <a:bodyPr vert="eaVert" anchor="t" anchorCtr="0"/>
           <a:lstStyle/>
           <a:p>
             <a:pPr lvl="0"/>
@@ -387,13 +3013,13 @@
               <a:rPr lang="es-ES" smtClean="0"/>
               <a:t>Quinto nivel</a:t>
             </a:r>
-            <a:endParaRPr lang="es-MX"/>
-          </a:p>
-        </p:txBody>
-      </p:sp>
-      <p:sp>
-        <p:nvSpPr>
-          <p:cNvPr id="4" name="Marcador de fecha 3"/>
+            <a:endParaRPr lang="en-US" dirty="0"/>
+          </a:p>
+        </p:txBody>
+      </p:sp>
+      <p:sp>
+        <p:nvSpPr>
+          <p:cNvPr id="4" name="Date Placeholder 3"/>
           <p:cNvSpPr>
             <a:spLocks noGrp="1"/>
           </p:cNvSpPr>
@@ -408,7 +3034,7 @@
           <a:p>
             <a:fld id="{EC70A81F-E6D7-467A-A9E0-F29B3B127B77}" type="datetimeFigureOut">
               <a:rPr lang="es-MX" smtClean="0"/>
-              <a:t>13/02/2025</a:t>
+              <a:t>18/02/2025</a:t>
             </a:fld>
             <a:endParaRPr lang="es-MX"/>
           </a:p>
@@ -416,7 +3042,7 @@
       </p:sp>
       <p:sp>
         <p:nvSpPr>
-          <p:cNvPr id="5" name="Marcador de pie de página 4"/>
+          <p:cNvPr id="5" name="Footer Placeholder 4"/>
           <p:cNvSpPr>
             <a:spLocks noGrp="1"/>
           </p:cNvSpPr>
@@ -435,7 +3061,7 @@
       </p:sp>
       <p:sp>
         <p:nvSpPr>
-          <p:cNvPr id="6" name="Marcador de número de diapositiva 5"/>
+          <p:cNvPr id="6" name="Slide Number Placeholder 5"/>
           <p:cNvSpPr>
             <a:spLocks noGrp="1"/>
           </p:cNvSpPr>
@@ -459,7 +3085,7 @@
     </p:spTree>
     <p:extLst>
       <p:ext uri="{BB962C8B-B14F-4D97-AF65-F5344CB8AC3E}">
-        <p14:creationId xmlns:p14="http://schemas.microsoft.com/office/powerpoint/2010/main" val="1477581171"/>
+        <p14:creationId xmlns:p14="http://schemas.microsoft.com/office/powerpoint/2010/main" val="3583872018"/>
       </p:ext>
     </p:extLst>
   </p:cSld>
@@ -469,7 +3095,7 @@
 </p:sldLayout>
 </file>
 
-<file path=ppt/slideLayouts/slideLayout11.xml><?xml version="1.0" encoding="utf-8"?>
+<file path=ppt/slideLayouts/slideLayout17.xml><?xml version="1.0" encoding="utf-8"?>
 <p:sldLayout xmlns:a="http://schemas.openxmlformats.org/drawingml/2006/main" xmlns:r="http://schemas.openxmlformats.org/officeDocument/2006/relationships" xmlns:p="http://schemas.openxmlformats.org/presentationml/2006/main" type="vertTitleAndTx" preserve="1">
   <p:cSld name="Título vertical y texto">
     <p:spTree>
@@ -488,7 +3114,7 @@
       </p:grpSpPr>
       <p:sp>
         <p:nvSpPr>
-          <p:cNvPr id="2" name="Título vertical 1"/>
+          <p:cNvPr id="2" name="Vertical Title 1"/>
           <p:cNvSpPr>
             <a:spLocks noGrp="1"/>
           </p:cNvSpPr>
@@ -498,42 +3124,42 @@
         </p:nvSpPr>
         <p:spPr>
           <a:xfrm>
-            <a:off x="8724900" y="365125"/>
-            <a:ext cx="2628900" cy="5811838"/>
+            <a:off x="8304212" y="430213"/>
+            <a:ext cx="1752601" cy="5826125"/>
           </a:xfrm>
         </p:spPr>
         <p:txBody>
+          <a:bodyPr vert="eaVert" anchor="b" anchorCtr="0"/>
+          <a:lstStyle/>
+          <a:p>
+            <a:r>
+              <a:rPr lang="es-ES" smtClean="0"/>
+              <a:t>Haga clic para modificar el estilo de título del patrón</a:t>
+            </a:r>
+            <a:endParaRPr lang="en-US" dirty="0"/>
+          </a:p>
+        </p:txBody>
+      </p:sp>
+      <p:sp>
+        <p:nvSpPr>
+          <p:cNvPr id="3" name="Vertical Text Placeholder 2"/>
+          <p:cNvSpPr>
+            <a:spLocks noGrp="1"/>
+          </p:cNvSpPr>
+          <p:nvPr>
+            <p:ph type="body" orient="vert" idx="1"/>
+          </p:nvPr>
+        </p:nvSpPr>
+        <p:spPr>
+          <a:xfrm>
+            <a:off x="652463" y="887414"/>
+            <a:ext cx="7423149" cy="5368924"/>
+          </a:xfrm>
+        </p:spPr>
+        <p:txBody>
           <a:bodyPr vert="eaVert"/>
           <a:lstStyle/>
           <a:p>
-            <a:r>
-              <a:rPr lang="es-ES" smtClean="0"/>
-              <a:t>Haga clic para modificar el estilo de título del patrón</a:t>
-            </a:r>
-            <a:endParaRPr lang="es-MX"/>
-          </a:p>
-        </p:txBody>
-      </p:sp>
-      <p:sp>
-        <p:nvSpPr>
-          <p:cNvPr id="3" name="Marcador de texto vertical 2"/>
-          <p:cNvSpPr>
-            <a:spLocks noGrp="1"/>
-          </p:cNvSpPr>
-          <p:nvPr>
-            <p:ph type="body" orient="vert" idx="1"/>
-          </p:nvPr>
-        </p:nvSpPr>
-        <p:spPr>
-          <a:xfrm>
-            <a:off x="838200" y="365125"/>
-            <a:ext cx="7734300" cy="5811838"/>
-          </a:xfrm>
-        </p:spPr>
-        <p:txBody>
-          <a:bodyPr vert="eaVert"/>
-          <a:lstStyle/>
-          <a:p>
             <a:pPr lvl="0"/>
             <a:r>
               <a:rPr lang="es-ES" smtClean="0"/>
@@ -567,13 +3193,13 @@
               <a:rPr lang="es-ES" smtClean="0"/>
               <a:t>Quinto nivel</a:t>
             </a:r>
-            <a:endParaRPr lang="es-MX"/>
-          </a:p>
-        </p:txBody>
-      </p:sp>
-      <p:sp>
-        <p:nvSpPr>
-          <p:cNvPr id="4" name="Marcador de fecha 3"/>
+            <a:endParaRPr lang="en-US" dirty="0"/>
+          </a:p>
+        </p:txBody>
+      </p:sp>
+      <p:sp>
+        <p:nvSpPr>
+          <p:cNvPr id="4" name="Date Placeholder 3"/>
           <p:cNvSpPr>
             <a:spLocks noGrp="1"/>
           </p:cNvSpPr>
@@ -588,7 +3214,7 @@
           <a:p>
             <a:fld id="{EC70A81F-E6D7-467A-A9E0-F29B3B127B77}" type="datetimeFigureOut">
               <a:rPr lang="es-MX" smtClean="0"/>
-              <a:t>13/02/2025</a:t>
+              <a:t>18/02/2025</a:t>
             </a:fld>
             <a:endParaRPr lang="es-MX"/>
           </a:p>
@@ -596,7 +3222,7 @@
       </p:sp>
       <p:sp>
         <p:nvSpPr>
-          <p:cNvPr id="5" name="Marcador de pie de página 4"/>
+          <p:cNvPr id="5" name="Footer Placeholder 4"/>
           <p:cNvSpPr>
             <a:spLocks noGrp="1"/>
           </p:cNvSpPr>
@@ -615,7 +3241,7 @@
       </p:sp>
       <p:sp>
         <p:nvSpPr>
-          <p:cNvPr id="6" name="Marcador de número de diapositiva 5"/>
+          <p:cNvPr id="6" name="Slide Number Placeholder 5"/>
           <p:cNvSpPr>
             <a:spLocks noGrp="1"/>
           </p:cNvSpPr>
@@ -639,7 +3265,7 @@
     </p:spTree>
     <p:extLst>
       <p:ext uri="{BB962C8B-B14F-4D97-AF65-F5344CB8AC3E}">
-        <p14:creationId xmlns:p14="http://schemas.microsoft.com/office/powerpoint/2010/main" val="402342570"/>
+        <p14:creationId xmlns:p14="http://schemas.microsoft.com/office/powerpoint/2010/main" val="1073666697"/>
       </p:ext>
     </p:extLst>
   </p:cSld>
@@ -668,7 +3294,7 @@
       </p:grpSpPr>
       <p:sp>
         <p:nvSpPr>
-          <p:cNvPr id="2" name="Título 1"/>
+          <p:cNvPr id="2" name="Title 1"/>
           <p:cNvSpPr>
             <a:spLocks noGrp="1"/>
           </p:cNvSpPr>
@@ -685,13 +3311,13 @@
               <a:rPr lang="es-ES" smtClean="0"/>
               <a:t>Haga clic para modificar el estilo de título del patrón</a:t>
             </a:r>
-            <a:endParaRPr lang="es-MX"/>
-          </a:p>
-        </p:txBody>
-      </p:sp>
-      <p:sp>
-        <p:nvSpPr>
-          <p:cNvPr id="3" name="Marcador de contenido 2"/>
+            <a:endParaRPr lang="en-US" dirty="0"/>
+          </a:p>
+        </p:txBody>
+      </p:sp>
+      <p:sp>
+        <p:nvSpPr>
+          <p:cNvPr id="3" name="Content Placeholder 2"/>
           <p:cNvSpPr>
             <a:spLocks noGrp="1"/>
           </p:cNvSpPr>
@@ -737,13 +3363,13 @@
               <a:rPr lang="es-ES" smtClean="0"/>
               <a:t>Quinto nivel</a:t>
             </a:r>
-            <a:endParaRPr lang="es-MX"/>
-          </a:p>
-        </p:txBody>
-      </p:sp>
-      <p:sp>
-        <p:nvSpPr>
-          <p:cNvPr id="4" name="Marcador de fecha 3"/>
+            <a:endParaRPr lang="en-US" dirty="0"/>
+          </a:p>
+        </p:txBody>
+      </p:sp>
+      <p:sp>
+        <p:nvSpPr>
+          <p:cNvPr id="7" name="Date Placeholder 3"/>
           <p:cNvSpPr>
             <a:spLocks noGrp="1"/>
           </p:cNvSpPr>
@@ -758,7 +3384,7 @@
           <a:p>
             <a:fld id="{EC70A81F-E6D7-467A-A9E0-F29B3B127B77}" type="datetimeFigureOut">
               <a:rPr lang="es-MX" smtClean="0"/>
-              <a:t>13/02/2025</a:t>
+              <a:t>18/02/2025</a:t>
             </a:fld>
             <a:endParaRPr lang="es-MX"/>
           </a:p>
@@ -766,7 +3392,7 @@
       </p:sp>
       <p:sp>
         <p:nvSpPr>
-          <p:cNvPr id="5" name="Marcador de pie de página 4"/>
+          <p:cNvPr id="5" name="Footer Placeholder 4"/>
           <p:cNvSpPr>
             <a:spLocks noGrp="1"/>
           </p:cNvSpPr>
@@ -785,7 +3411,7 @@
       </p:sp>
       <p:sp>
         <p:nvSpPr>
-          <p:cNvPr id="6" name="Marcador de número de diapositiva 5"/>
+          <p:cNvPr id="6" name="Slide Number Placeholder 5"/>
           <p:cNvSpPr>
             <a:spLocks noGrp="1"/>
           </p:cNvSpPr>
@@ -809,7 +3435,7 @@
     </p:spTree>
     <p:extLst>
       <p:ext uri="{BB962C8B-B14F-4D97-AF65-F5344CB8AC3E}">
-        <p14:creationId xmlns:p14="http://schemas.microsoft.com/office/powerpoint/2010/main" val="543032308"/>
+        <p14:creationId xmlns:p14="http://schemas.microsoft.com/office/powerpoint/2010/main" val="195581543"/>
       </p:ext>
     </p:extLst>
   </p:cSld>
@@ -838,7 +3464,7 @@
       </p:grpSpPr>
       <p:sp>
         <p:nvSpPr>
-          <p:cNvPr id="2" name="Título 1"/>
+          <p:cNvPr id="2" name="Title 1"/>
           <p:cNvSpPr>
             <a:spLocks noGrp="1"/>
           </p:cNvSpPr>
@@ -848,15 +3474,15 @@
         </p:nvSpPr>
         <p:spPr>
           <a:xfrm>
-            <a:off x="831850" y="1709738"/>
-            <a:ext cx="10515600" cy="2852737"/>
+            <a:off x="1154956" y="2861733"/>
+            <a:ext cx="8825657" cy="1915647"/>
           </a:xfrm>
         </p:spPr>
         <p:txBody>
           <a:bodyPr anchor="b"/>
           <a:lstStyle>
-            <a:lvl1pPr>
-              <a:defRPr sz="6000"/>
+            <a:lvl1pPr algn="l">
+              <a:defRPr sz="4000" b="0" cap="none"/>
             </a:lvl1pPr>
           </a:lstStyle>
           <a:p>
@@ -864,13 +3490,13 @@
               <a:rPr lang="es-ES" smtClean="0"/>
               <a:t>Haga clic para modificar el estilo de título del patrón</a:t>
             </a:r>
-            <a:endParaRPr lang="es-MX"/>
-          </a:p>
-        </p:txBody>
-      </p:sp>
-      <p:sp>
-        <p:nvSpPr>
-          <p:cNvPr id="3" name="Marcador de texto 2"/>
+            <a:endParaRPr lang="en-US" dirty="0"/>
+          </a:p>
+        </p:txBody>
+      </p:sp>
+      <p:sp>
+        <p:nvSpPr>
+          <p:cNvPr id="3" name="Text Placeholder 2"/>
           <p:cNvSpPr>
             <a:spLocks noGrp="1"/>
           </p:cNvSpPr>
@@ -880,26 +3506,27 @@
         </p:nvSpPr>
         <p:spPr>
           <a:xfrm>
-            <a:off x="831850" y="4589463"/>
-            <a:ext cx="10515600" cy="1500187"/>
+            <a:off x="1154955" y="4777381"/>
+            <a:ext cx="8825658" cy="860400"/>
           </a:xfrm>
         </p:spPr>
         <p:txBody>
-          <a:bodyPr/>
+          <a:bodyPr anchor="t"/>
           <a:lstStyle>
-            <a:lvl1pPr marL="0" indent="0">
-              <a:buNone/>
-              <a:defRPr sz="2400">
+            <a:lvl1pPr marL="0" indent="0" algn="l">
+              <a:buNone/>
+              <a:defRPr sz="2000" cap="all">
                 <a:solidFill>
-                  <a:schemeClr val="tx1">
-                    <a:tint val="75000"/>
+                  <a:schemeClr val="bg2">
+                    <a:lumMod val="40000"/>
+                    <a:lumOff val="60000"/>
                   </a:schemeClr>
                 </a:solidFill>
               </a:defRPr>
             </a:lvl1pPr>
             <a:lvl2pPr marL="457200" indent="0">
               <a:buNone/>
-              <a:defRPr sz="2000">
+              <a:defRPr sz="1800">
                 <a:solidFill>
                   <a:schemeClr val="tx1">
                     <a:tint val="75000"/>
@@ -909,7 +3536,7 @@
             </a:lvl2pPr>
             <a:lvl3pPr marL="914400" indent="0">
               <a:buNone/>
-              <a:defRPr sz="1800">
+              <a:defRPr sz="1600">
                 <a:solidFill>
                   <a:schemeClr val="tx1">
                     <a:tint val="75000"/>
@@ -919,7 +3546,7 @@
             </a:lvl3pPr>
             <a:lvl4pPr marL="1371600" indent="0">
               <a:buNone/>
-              <a:defRPr sz="1600">
+              <a:defRPr sz="1400">
                 <a:solidFill>
                   <a:schemeClr val="tx1">
                     <a:tint val="75000"/>
@@ -929,7 +3556,7 @@
             </a:lvl4pPr>
             <a:lvl5pPr marL="1828800" indent="0">
               <a:buNone/>
-              <a:defRPr sz="1600">
+              <a:defRPr sz="1400">
                 <a:solidFill>
                   <a:schemeClr val="tx1">
                     <a:tint val="75000"/>
@@ -939,7 +3566,7 @@
             </a:lvl5pPr>
             <a:lvl6pPr marL="2286000" indent="0">
               <a:buNone/>
-              <a:defRPr sz="1600">
+              <a:defRPr sz="1400">
                 <a:solidFill>
                   <a:schemeClr val="tx1">
                     <a:tint val="75000"/>
@@ -949,7 +3576,7 @@
             </a:lvl6pPr>
             <a:lvl7pPr marL="2743200" indent="0">
               <a:buNone/>
-              <a:defRPr sz="1600">
+              <a:defRPr sz="1400">
                 <a:solidFill>
                   <a:schemeClr val="tx1">
                     <a:tint val="75000"/>
@@ -959,7 +3586,7 @@
             </a:lvl7pPr>
             <a:lvl8pPr marL="3200400" indent="0">
               <a:buNone/>
-              <a:defRPr sz="1600">
+              <a:defRPr sz="1400">
                 <a:solidFill>
                   <a:schemeClr val="tx1">
                     <a:tint val="75000"/>
@@ -969,7 +3596,7 @@
             </a:lvl8pPr>
             <a:lvl9pPr marL="3657600" indent="0">
               <a:buNone/>
-              <a:defRPr sz="1600">
+              <a:defRPr sz="1400">
                 <a:solidFill>
                   <a:schemeClr val="tx1">
                     <a:tint val="75000"/>
@@ -989,7 +3616,7 @@
       </p:sp>
       <p:sp>
         <p:nvSpPr>
-          <p:cNvPr id="4" name="Marcador de fecha 3"/>
+          <p:cNvPr id="4" name="Date Placeholder 3"/>
           <p:cNvSpPr>
             <a:spLocks noGrp="1"/>
           </p:cNvSpPr>
@@ -1004,7 +3631,7 @@
           <a:p>
             <a:fld id="{EC70A81F-E6D7-467A-A9E0-F29B3B127B77}" type="datetimeFigureOut">
               <a:rPr lang="es-MX" smtClean="0"/>
-              <a:t>13/02/2025</a:t>
+              <a:t>18/02/2025</a:t>
             </a:fld>
             <a:endParaRPr lang="es-MX"/>
           </a:p>
@@ -1012,7 +3639,7 @@
       </p:sp>
       <p:sp>
         <p:nvSpPr>
-          <p:cNvPr id="5" name="Marcador de pie de página 4"/>
+          <p:cNvPr id="5" name="Footer Placeholder 4"/>
           <p:cNvSpPr>
             <a:spLocks noGrp="1"/>
           </p:cNvSpPr>
@@ -1031,7 +3658,7 @@
       </p:sp>
       <p:sp>
         <p:nvSpPr>
-          <p:cNvPr id="6" name="Marcador de número de diapositiva 5"/>
+          <p:cNvPr id="6" name="Slide Number Placeholder 5"/>
           <p:cNvSpPr>
             <a:spLocks noGrp="1"/>
           </p:cNvSpPr>
@@ -1055,7 +3682,7 @@
     </p:spTree>
     <p:extLst>
       <p:ext uri="{BB962C8B-B14F-4D97-AF65-F5344CB8AC3E}">
-        <p14:creationId xmlns:p14="http://schemas.microsoft.com/office/powerpoint/2010/main" val="1941281491"/>
+        <p14:creationId xmlns:p14="http://schemas.microsoft.com/office/powerpoint/2010/main" val="2733734940"/>
       </p:ext>
     </p:extLst>
   </p:cSld>
@@ -1084,7 +3711,7 @@
       </p:grpSpPr>
       <p:sp>
         <p:nvSpPr>
-          <p:cNvPr id="2" name="Título 1"/>
+          <p:cNvPr id="2" name="Title 1"/>
           <p:cNvSpPr>
             <a:spLocks noGrp="1"/>
           </p:cNvSpPr>
@@ -1101,13 +3728,13 @@
               <a:rPr lang="es-ES" smtClean="0"/>
               <a:t>Haga clic para modificar el estilo de título del patrón</a:t>
             </a:r>
-            <a:endParaRPr lang="es-MX"/>
-          </a:p>
-        </p:txBody>
-      </p:sp>
-      <p:sp>
-        <p:nvSpPr>
-          <p:cNvPr id="3" name="Marcador de contenido 2"/>
+            <a:endParaRPr lang="en-US" dirty="0"/>
+          </a:p>
+        </p:txBody>
+      </p:sp>
+      <p:sp>
+        <p:nvSpPr>
+          <p:cNvPr id="3" name="Content Placeholder 2"/>
           <p:cNvSpPr>
             <a:spLocks noGrp="1"/>
           </p:cNvSpPr>
@@ -1117,153 +3744,213 @@
         </p:nvSpPr>
         <p:spPr>
           <a:xfrm>
-            <a:off x="838200" y="1825625"/>
-            <a:ext cx="5181600" cy="4351338"/>
+            <a:off x="1103312" y="2060575"/>
+            <a:ext cx="4396339" cy="4195763"/>
           </a:xfrm>
         </p:spPr>
         <p:txBody>
+          <a:bodyPr>
+            <a:normAutofit/>
+          </a:bodyPr>
+          <a:lstStyle>
+            <a:lvl1pPr>
+              <a:defRPr sz="1800"/>
+            </a:lvl1pPr>
+            <a:lvl2pPr>
+              <a:defRPr sz="1600"/>
+            </a:lvl2pPr>
+            <a:lvl3pPr>
+              <a:defRPr sz="1400"/>
+            </a:lvl3pPr>
+            <a:lvl4pPr>
+              <a:defRPr sz="1200"/>
+            </a:lvl4pPr>
+            <a:lvl5pPr>
+              <a:defRPr sz="1200"/>
+            </a:lvl5pPr>
+            <a:lvl6pPr>
+              <a:defRPr sz="1200"/>
+            </a:lvl6pPr>
+            <a:lvl7pPr>
+              <a:defRPr sz="1200"/>
+            </a:lvl7pPr>
+            <a:lvl8pPr>
+              <a:defRPr sz="1200"/>
+            </a:lvl8pPr>
+            <a:lvl9pPr>
+              <a:defRPr sz="1200"/>
+            </a:lvl9pPr>
+          </a:lstStyle>
+          <a:p>
+            <a:pPr lvl="0"/>
+            <a:r>
+              <a:rPr lang="es-ES" smtClean="0"/>
+              <a:t>Editar el estilo de texto del patrón</a:t>
+            </a:r>
+          </a:p>
+          <a:p>
+            <a:pPr lvl="1"/>
+            <a:r>
+              <a:rPr lang="es-ES" smtClean="0"/>
+              <a:t>Segundo nivel</a:t>
+            </a:r>
+          </a:p>
+          <a:p>
+            <a:pPr lvl="2"/>
+            <a:r>
+              <a:rPr lang="es-ES" smtClean="0"/>
+              <a:t>Tercer nivel</a:t>
+            </a:r>
+          </a:p>
+          <a:p>
+            <a:pPr lvl="3"/>
+            <a:r>
+              <a:rPr lang="es-ES" smtClean="0"/>
+              <a:t>Cuarto nivel</a:t>
+            </a:r>
+          </a:p>
+          <a:p>
+            <a:pPr lvl="4"/>
+            <a:r>
+              <a:rPr lang="es-ES" smtClean="0"/>
+              <a:t>Quinto nivel</a:t>
+            </a:r>
+            <a:endParaRPr lang="en-US" dirty="0"/>
+          </a:p>
+        </p:txBody>
+      </p:sp>
+      <p:sp>
+        <p:nvSpPr>
+          <p:cNvPr id="4" name="Content Placeholder 3"/>
+          <p:cNvSpPr>
+            <a:spLocks noGrp="1"/>
+          </p:cNvSpPr>
+          <p:nvPr>
+            <p:ph sz="half" idx="2"/>
+          </p:nvPr>
+        </p:nvSpPr>
+        <p:spPr>
+          <a:xfrm>
+            <a:off x="5654493" y="2056092"/>
+            <a:ext cx="4396341" cy="4200245"/>
+          </a:xfrm>
+        </p:spPr>
+        <p:txBody>
+          <a:bodyPr>
+            <a:normAutofit/>
+          </a:bodyPr>
+          <a:lstStyle>
+            <a:lvl1pPr>
+              <a:defRPr sz="1800"/>
+            </a:lvl1pPr>
+            <a:lvl2pPr>
+              <a:defRPr sz="1600"/>
+            </a:lvl2pPr>
+            <a:lvl3pPr>
+              <a:defRPr sz="1400"/>
+            </a:lvl3pPr>
+            <a:lvl4pPr>
+              <a:defRPr sz="1200"/>
+            </a:lvl4pPr>
+            <a:lvl5pPr>
+              <a:defRPr sz="1200"/>
+            </a:lvl5pPr>
+            <a:lvl6pPr>
+              <a:defRPr sz="1200"/>
+            </a:lvl6pPr>
+            <a:lvl7pPr>
+              <a:defRPr sz="1200"/>
+            </a:lvl7pPr>
+            <a:lvl8pPr>
+              <a:defRPr sz="1200"/>
+            </a:lvl8pPr>
+            <a:lvl9pPr>
+              <a:defRPr sz="1200"/>
+            </a:lvl9pPr>
+          </a:lstStyle>
+          <a:p>
+            <a:pPr lvl="0"/>
+            <a:r>
+              <a:rPr lang="es-ES" smtClean="0"/>
+              <a:t>Editar el estilo de texto del patrón</a:t>
+            </a:r>
+          </a:p>
+          <a:p>
+            <a:pPr lvl="1"/>
+            <a:r>
+              <a:rPr lang="es-ES" smtClean="0"/>
+              <a:t>Segundo nivel</a:t>
+            </a:r>
+          </a:p>
+          <a:p>
+            <a:pPr lvl="2"/>
+            <a:r>
+              <a:rPr lang="es-ES" smtClean="0"/>
+              <a:t>Tercer nivel</a:t>
+            </a:r>
+          </a:p>
+          <a:p>
+            <a:pPr lvl="3"/>
+            <a:r>
+              <a:rPr lang="es-ES" smtClean="0"/>
+              <a:t>Cuarto nivel</a:t>
+            </a:r>
+          </a:p>
+          <a:p>
+            <a:pPr lvl="4"/>
+            <a:r>
+              <a:rPr lang="es-ES" smtClean="0"/>
+              <a:t>Quinto nivel</a:t>
+            </a:r>
+            <a:endParaRPr lang="en-US" dirty="0"/>
+          </a:p>
+        </p:txBody>
+      </p:sp>
+      <p:sp>
+        <p:nvSpPr>
+          <p:cNvPr id="5" name="Date Placeholder 4"/>
+          <p:cNvSpPr>
+            <a:spLocks noGrp="1"/>
+          </p:cNvSpPr>
+          <p:nvPr>
+            <p:ph type="dt" sz="half" idx="10"/>
+          </p:nvPr>
+        </p:nvSpPr>
+        <p:spPr/>
+        <p:txBody>
           <a:bodyPr/>
           <a:lstStyle/>
           <a:p>
-            <a:pPr lvl="0"/>
-            <a:r>
-              <a:rPr lang="es-ES" smtClean="0"/>
-              <a:t>Editar el estilo de texto del patrón</a:t>
-            </a:r>
-          </a:p>
-          <a:p>
-            <a:pPr lvl="1"/>
-            <a:r>
-              <a:rPr lang="es-ES" smtClean="0"/>
-              <a:t>Segundo nivel</a:t>
-            </a:r>
-          </a:p>
-          <a:p>
-            <a:pPr lvl="2"/>
-            <a:r>
-              <a:rPr lang="es-ES" smtClean="0"/>
-              <a:t>Tercer nivel</a:t>
-            </a:r>
-          </a:p>
-          <a:p>
-            <a:pPr lvl="3"/>
-            <a:r>
-              <a:rPr lang="es-ES" smtClean="0"/>
-              <a:t>Cuarto nivel</a:t>
-            </a:r>
-          </a:p>
-          <a:p>
-            <a:pPr lvl="4"/>
-            <a:r>
-              <a:rPr lang="es-ES" smtClean="0"/>
-              <a:t>Quinto nivel</a:t>
-            </a:r>
+            <a:fld id="{EC70A81F-E6D7-467A-A9E0-F29B3B127B77}" type="datetimeFigureOut">
+              <a:rPr lang="es-MX" smtClean="0"/>
+              <a:t>18/02/2025</a:t>
+            </a:fld>
             <a:endParaRPr lang="es-MX"/>
           </a:p>
         </p:txBody>
       </p:sp>
       <p:sp>
         <p:nvSpPr>
-          <p:cNvPr id="4" name="Marcador de contenido 3"/>
-          <p:cNvSpPr>
-            <a:spLocks noGrp="1"/>
-          </p:cNvSpPr>
-          <p:nvPr>
-            <p:ph sz="half" idx="2"/>
-          </p:nvPr>
-        </p:nvSpPr>
-        <p:spPr>
-          <a:xfrm>
-            <a:off x="6172200" y="1825625"/>
-            <a:ext cx="5181600" cy="4351338"/>
-          </a:xfrm>
-        </p:spPr>
+          <p:cNvPr id="6" name="Footer Placeholder 5"/>
+          <p:cNvSpPr>
+            <a:spLocks noGrp="1"/>
+          </p:cNvSpPr>
+          <p:nvPr>
+            <p:ph type="ftr" sz="quarter" idx="11"/>
+          </p:nvPr>
+        </p:nvSpPr>
+        <p:spPr/>
         <p:txBody>
           <a:bodyPr/>
           <a:lstStyle/>
           <a:p>
-            <a:pPr lvl="0"/>
-            <a:r>
-              <a:rPr lang="es-ES" smtClean="0"/>
-              <a:t>Editar el estilo de texto del patrón</a:t>
-            </a:r>
-          </a:p>
-          <a:p>
-            <a:pPr lvl="1"/>
-            <a:r>
-              <a:rPr lang="es-ES" smtClean="0"/>
-              <a:t>Segundo nivel</a:t>
-            </a:r>
-          </a:p>
-          <a:p>
-            <a:pPr lvl="2"/>
-            <a:r>
-              <a:rPr lang="es-ES" smtClean="0"/>
-              <a:t>Tercer nivel</a:t>
-            </a:r>
-          </a:p>
-          <a:p>
-            <a:pPr lvl="3"/>
-            <a:r>
-              <a:rPr lang="es-ES" smtClean="0"/>
-              <a:t>Cuarto nivel</a:t>
-            </a:r>
-          </a:p>
-          <a:p>
-            <a:pPr lvl="4"/>
-            <a:r>
-              <a:rPr lang="es-ES" smtClean="0"/>
-              <a:t>Quinto nivel</a:t>
-            </a:r>
             <a:endParaRPr lang="es-MX"/>
           </a:p>
         </p:txBody>
       </p:sp>
       <p:sp>
         <p:nvSpPr>
-          <p:cNvPr id="5" name="Marcador de fecha 4"/>
-          <p:cNvSpPr>
-            <a:spLocks noGrp="1"/>
-          </p:cNvSpPr>
-          <p:nvPr>
-            <p:ph type="dt" sz="half" idx="10"/>
-          </p:nvPr>
-        </p:nvSpPr>
-        <p:spPr/>
-        <p:txBody>
-          <a:bodyPr/>
-          <a:lstStyle/>
-          <a:p>
-            <a:fld id="{EC70A81F-E6D7-467A-A9E0-F29B3B127B77}" type="datetimeFigureOut">
-              <a:rPr lang="es-MX" smtClean="0"/>
-              <a:t>13/02/2025</a:t>
-            </a:fld>
-            <a:endParaRPr lang="es-MX"/>
-          </a:p>
-        </p:txBody>
-      </p:sp>
-      <p:sp>
-        <p:nvSpPr>
-          <p:cNvPr id="6" name="Marcador de pie de página 5"/>
-          <p:cNvSpPr>
-            <a:spLocks noGrp="1"/>
-          </p:cNvSpPr>
-          <p:nvPr>
-            <p:ph type="ftr" sz="quarter" idx="11"/>
-          </p:nvPr>
-        </p:nvSpPr>
-        <p:spPr/>
-        <p:txBody>
-          <a:bodyPr/>
-          <a:lstStyle/>
-          <a:p>
-            <a:endParaRPr lang="es-MX"/>
-          </a:p>
-        </p:txBody>
-      </p:sp>
-      <p:sp>
-        <p:nvSpPr>
-          <p:cNvPr id="7" name="Marcador de número de diapositiva 6"/>
+          <p:cNvPr id="7" name="Slide Number Placeholder 6"/>
           <p:cNvSpPr>
             <a:spLocks noGrp="1"/>
           </p:cNvSpPr>
@@ -1287,7 +3974,7 @@
     </p:spTree>
     <p:extLst>
       <p:ext uri="{BB962C8B-B14F-4D97-AF65-F5344CB8AC3E}">
-        <p14:creationId xmlns:p14="http://schemas.microsoft.com/office/powerpoint/2010/main" val="2653894095"/>
+        <p14:creationId xmlns:p14="http://schemas.microsoft.com/office/powerpoint/2010/main" val="3934419348"/>
       </p:ext>
     </p:extLst>
   </p:cSld>
@@ -1316,54 +4003,62 @@
       </p:grpSpPr>
       <p:sp>
         <p:nvSpPr>
-          <p:cNvPr id="2" name="Título 1"/>
+          <p:cNvPr id="2" name="Title 1"/>
           <p:cNvSpPr>
             <a:spLocks noGrp="1"/>
           </p:cNvSpPr>
           <p:nvPr>
             <p:ph type="title"/>
+          </p:nvPr>
+        </p:nvSpPr>
+        <p:spPr/>
+        <p:txBody>
+          <a:bodyPr/>
+          <a:lstStyle>
+            <a:lvl1pPr>
+              <a:defRPr/>
+            </a:lvl1pPr>
+          </a:lstStyle>
+          <a:p>
+            <a:r>
+              <a:rPr lang="es-ES" smtClean="0"/>
+              <a:t>Haga clic para modificar el estilo de título del patrón</a:t>
+            </a:r>
+            <a:endParaRPr lang="en-US" dirty="0"/>
+          </a:p>
+        </p:txBody>
+      </p:sp>
+      <p:sp>
+        <p:nvSpPr>
+          <p:cNvPr id="3" name="Text Placeholder 2"/>
+          <p:cNvSpPr>
+            <a:spLocks noGrp="1"/>
+          </p:cNvSpPr>
+          <p:nvPr>
+            <p:ph type="body" idx="1"/>
           </p:nvPr>
         </p:nvSpPr>
         <p:spPr>
           <a:xfrm>
-            <a:off x="839788" y="365125"/>
-            <a:ext cx="10515600" cy="1325563"/>
+            <a:off x="1103313" y="1905000"/>
+            <a:ext cx="4396338" cy="576262"/>
           </a:xfrm>
         </p:spPr>
         <p:txBody>
-          <a:bodyPr/>
-          <a:lstStyle/>
-          <a:p>
-            <a:r>
-              <a:rPr lang="es-ES" smtClean="0"/>
-              <a:t>Haga clic para modificar el estilo de título del patrón</a:t>
-            </a:r>
-            <a:endParaRPr lang="es-MX"/>
-          </a:p>
-        </p:txBody>
-      </p:sp>
-      <p:sp>
-        <p:nvSpPr>
-          <p:cNvPr id="3" name="Marcador de texto 2"/>
-          <p:cNvSpPr>
-            <a:spLocks noGrp="1"/>
-          </p:cNvSpPr>
-          <p:nvPr>
-            <p:ph type="body" idx="1"/>
-          </p:nvPr>
-        </p:nvSpPr>
-        <p:spPr>
-          <a:xfrm>
-            <a:off x="839788" y="1681163"/>
-            <a:ext cx="5157787" cy="823912"/>
-          </a:xfrm>
-        </p:spPr>
-        <p:txBody>
-          <a:bodyPr anchor="b"/>
+          <a:bodyPr anchor="b">
+            <a:noAutofit/>
+          </a:bodyPr>
           <a:lstStyle>
             <a:lvl1pPr marL="0" indent="0">
               <a:buNone/>
-              <a:defRPr sz="2400" b="1"/>
+              <a:defRPr sz="2400" b="0">
+                <a:solidFill>
+                  <a:schemeClr val="bg2">
+                    <a:lumMod val="40000"/>
+                    <a:lumOff val="60000"/>
+                  </a:schemeClr>
+                </a:solidFill>
+              </a:defRPr>
             </a:lvl1pPr>
             <a:lvl2pPr marL="457200" indent="0">
               <a:buNone/>
@@ -1409,7 +4104,7 @@
       </p:sp>
       <p:sp>
         <p:nvSpPr>
-          <p:cNvPr id="4" name="Marcador de contenido 3"/>
+          <p:cNvPr id="4" name="Content Placeholder 3"/>
           <p:cNvSpPr>
             <a:spLocks noGrp="1"/>
           </p:cNvSpPr>
@@ -1419,13 +4114,43 @@
         </p:nvSpPr>
         <p:spPr>
           <a:xfrm>
-            <a:off x="839788" y="2505075"/>
-            <a:ext cx="5157787" cy="3684588"/>
+            <a:off x="1103312" y="2514600"/>
+            <a:ext cx="4396339" cy="3741738"/>
           </a:xfrm>
         </p:spPr>
         <p:txBody>
-          <a:bodyPr/>
-          <a:lstStyle/>
+          <a:bodyPr>
+            <a:normAutofit/>
+          </a:bodyPr>
+          <a:lstStyle>
+            <a:lvl1pPr>
+              <a:defRPr sz="1800"/>
+            </a:lvl1pPr>
+            <a:lvl2pPr>
+              <a:defRPr sz="1600"/>
+            </a:lvl2pPr>
+            <a:lvl3pPr>
+              <a:defRPr sz="1400"/>
+            </a:lvl3pPr>
+            <a:lvl4pPr>
+              <a:defRPr sz="1200"/>
+            </a:lvl4pPr>
+            <a:lvl5pPr>
+              <a:defRPr sz="1200"/>
+            </a:lvl5pPr>
+            <a:lvl6pPr>
+              <a:defRPr sz="1200"/>
+            </a:lvl6pPr>
+            <a:lvl7pPr>
+              <a:defRPr sz="1200"/>
+            </a:lvl7pPr>
+            <a:lvl8pPr>
+              <a:defRPr sz="1200"/>
+            </a:lvl8pPr>
+            <a:lvl9pPr>
+              <a:defRPr sz="1200"/>
+            </a:lvl9pPr>
+          </a:lstStyle>
           <a:p>
             <a:pPr lvl="0"/>
             <a:r>
@@ -1460,13 +4185,13 @@
               <a:rPr lang="es-ES" smtClean="0"/>
               <a:t>Quinto nivel</a:t>
             </a:r>
-            <a:endParaRPr lang="es-MX"/>
-          </a:p>
-        </p:txBody>
-      </p:sp>
-      <p:sp>
-        <p:nvSpPr>
-          <p:cNvPr id="5" name="Marcador de texto 4"/>
+            <a:endParaRPr lang="en-US" dirty="0"/>
+          </a:p>
+        </p:txBody>
+      </p:sp>
+      <p:sp>
+        <p:nvSpPr>
+          <p:cNvPr id="5" name="Text Placeholder 4"/>
           <p:cNvSpPr>
             <a:spLocks noGrp="1"/>
           </p:cNvSpPr>
@@ -1476,16 +4201,25 @@
         </p:nvSpPr>
         <p:spPr>
           <a:xfrm>
-            <a:off x="6172200" y="1681163"/>
-            <a:ext cx="5183188" cy="823912"/>
+            <a:off x="5654495" y="1905000"/>
+            <a:ext cx="4396339" cy="576262"/>
           </a:xfrm>
         </p:spPr>
         <p:txBody>
-          <a:bodyPr anchor="b"/>
+          <a:bodyPr anchor="b">
+            <a:noAutofit/>
+          </a:bodyPr>
           <a:lstStyle>
             <a:lvl1pPr marL="0" indent="0">
               <a:buNone/>
-              <a:defRPr sz="2400" b="1"/>
+              <a:defRPr sz="2400" b="0">
+                <a:solidFill>
+                  <a:schemeClr val="bg2">
+                    <a:lumMod val="40000"/>
+                    <a:lumOff val="60000"/>
+                  </a:schemeClr>
+                </a:solidFill>
+              </a:defRPr>
             </a:lvl1pPr>
             <a:lvl2pPr marL="457200" indent="0">
               <a:buNone/>
@@ -1531,7 +4265,7 @@
       </p:sp>
       <p:sp>
         <p:nvSpPr>
-          <p:cNvPr id="6" name="Marcador de contenido 5"/>
+          <p:cNvPr id="6" name="Content Placeholder 5"/>
           <p:cNvSpPr>
             <a:spLocks noGrp="1"/>
           </p:cNvSpPr>
@@ -1541,59 +4275,112 @@
         </p:nvSpPr>
         <p:spPr>
           <a:xfrm>
-            <a:off x="6172200" y="2505075"/>
-            <a:ext cx="5183188" cy="3684588"/>
+            <a:off x="5654495" y="2514600"/>
+            <a:ext cx="4396339" cy="3741738"/>
           </a:xfrm>
         </p:spPr>
         <p:txBody>
+          <a:bodyPr>
+            <a:normAutofit/>
+          </a:bodyPr>
+          <a:lstStyle>
+            <a:lvl1pPr>
+              <a:defRPr sz="1800"/>
+            </a:lvl1pPr>
+            <a:lvl2pPr>
+              <a:defRPr sz="1600"/>
+            </a:lvl2pPr>
+            <a:lvl3pPr>
+              <a:defRPr sz="1400"/>
+            </a:lvl3pPr>
+            <a:lvl4pPr>
+              <a:defRPr sz="1200"/>
+            </a:lvl4pPr>
+            <a:lvl5pPr>
+              <a:defRPr sz="1200"/>
+            </a:lvl5pPr>
+            <a:lvl6pPr>
+              <a:defRPr sz="1200"/>
+            </a:lvl6pPr>
+            <a:lvl7pPr>
+              <a:defRPr sz="1200"/>
+            </a:lvl7pPr>
+            <a:lvl8pPr>
+              <a:defRPr sz="1200"/>
+            </a:lvl8pPr>
+            <a:lvl9pPr>
+              <a:defRPr sz="1200"/>
+            </a:lvl9pPr>
+          </a:lstStyle>
+          <a:p>
+            <a:pPr lvl="0"/>
+            <a:r>
+              <a:rPr lang="es-ES" smtClean="0"/>
+              <a:t>Editar el estilo de texto del patrón</a:t>
+            </a:r>
+          </a:p>
+          <a:p>
+            <a:pPr lvl="1"/>
+            <a:r>
+              <a:rPr lang="es-ES" smtClean="0"/>
+              <a:t>Segundo nivel</a:t>
+            </a:r>
+          </a:p>
+          <a:p>
+            <a:pPr lvl="2"/>
+            <a:r>
+              <a:rPr lang="es-ES" smtClean="0"/>
+              <a:t>Tercer nivel</a:t>
+            </a:r>
+          </a:p>
+          <a:p>
+            <a:pPr lvl="3"/>
+            <a:r>
+              <a:rPr lang="es-ES" smtClean="0"/>
+              <a:t>Cuarto nivel</a:t>
+            </a:r>
+          </a:p>
+          <a:p>
+            <a:pPr lvl="4"/>
+            <a:r>
+              <a:rPr lang="es-ES" smtClean="0"/>
+              <a:t>Quinto nivel</a:t>
+            </a:r>
+            <a:endParaRPr lang="en-US" dirty="0"/>
+          </a:p>
+        </p:txBody>
+      </p:sp>
+      <p:sp>
+        <p:nvSpPr>
+          <p:cNvPr id="7" name="Date Placeholder 6"/>
+          <p:cNvSpPr>
+            <a:spLocks noGrp="1"/>
+          </p:cNvSpPr>
+          <p:nvPr>
+            <p:ph type="dt" sz="half" idx="10"/>
+          </p:nvPr>
+        </p:nvSpPr>
+        <p:spPr/>
+        <p:txBody>
           <a:bodyPr/>
           <a:lstStyle/>
           <a:p>
-            <a:pPr lvl="0"/>
-            <a:r>
-              <a:rPr lang="es-ES" smtClean="0"/>
-              <a:t>Editar el estilo de texto del patrón</a:t>
-            </a:r>
-          </a:p>
-          <a:p>
-            <a:pPr lvl="1"/>
-            <a:r>
-              <a:rPr lang="es-ES" smtClean="0"/>
-              <a:t>Segundo nivel</a:t>
-            </a:r>
-          </a:p>
-          <a:p>
-            <a:pPr lvl="2"/>
-            <a:r>
-              <a:rPr lang="es-ES" smtClean="0"/>
-              <a:t>Tercer nivel</a:t>
-            </a:r>
-          </a:p>
-          <a:p>
-            <a:pPr lvl="3"/>
-            <a:r>
-              <a:rPr lang="es-ES" smtClean="0"/>
-              <a:t>Cuarto nivel</a:t>
-            </a:r>
-          </a:p>
-          <a:p>
-            <a:pPr lvl="4"/>
-            <a:r>
-              <a:rPr lang="es-ES" smtClean="0"/>
-              <a:t>Quinto nivel</a:t>
-            </a:r>
+            <a:fld id="{EC70A81F-E6D7-467A-A9E0-F29B3B127B77}" type="datetimeFigureOut">
+              <a:rPr lang="es-MX" smtClean="0"/>
+              <a:t>18/02/2025</a:t>
+            </a:fld>
             <a:endParaRPr lang="es-MX"/>
           </a:p>
         </p:txBody>
       </p:sp>
       <p:sp>
         <p:nvSpPr>
-          <p:cNvPr id="7" name="Marcador de fecha 6"/>
-          <p:cNvSpPr>
-            <a:spLocks noGrp="1"/>
-          </p:cNvSpPr>
-          <p:nvPr>
-            <p:ph type="dt" sz="half" idx="10"/>
+          <p:cNvPr id="8" name="Footer Placeholder 7"/>
+          <p:cNvSpPr>
+            <a:spLocks noGrp="1"/>
+          </p:cNvSpPr>
+          <p:nvPr>
+            <p:ph type="ftr" sz="quarter" idx="11"/>
           </p:nvPr>
         </p:nvSpPr>
         <p:spPr/>
@@ -1601,36 +4388,13 @@
           <a:bodyPr/>
           <a:lstStyle/>
           <a:p>
-            <a:fld id="{EC70A81F-E6D7-467A-A9E0-F29B3B127B77}" type="datetimeFigureOut">
-              <a:rPr lang="es-MX" smtClean="0"/>
-              <a:t>13/02/2025</a:t>
-            </a:fld>
             <a:endParaRPr lang="es-MX"/>
           </a:p>
         </p:txBody>
       </p:sp>
       <p:sp>
         <p:nvSpPr>
-          <p:cNvPr id="8" name="Marcador de pie de página 7"/>
-          <p:cNvSpPr>
-            <a:spLocks noGrp="1"/>
-          </p:cNvSpPr>
-          <p:nvPr>
-            <p:ph type="ftr" sz="quarter" idx="11"/>
-          </p:nvPr>
-        </p:nvSpPr>
-        <p:spPr/>
-        <p:txBody>
-          <a:bodyPr/>
-          <a:lstStyle/>
-          <a:p>
-            <a:endParaRPr lang="es-MX"/>
-          </a:p>
-        </p:txBody>
-      </p:sp>
-      <p:sp>
-        <p:nvSpPr>
-          <p:cNvPr id="9" name="Marcador de número de diapositiva 8"/>
+          <p:cNvPr id="9" name="Slide Number Placeholder 8"/>
           <p:cNvSpPr>
             <a:spLocks noGrp="1"/>
           </p:cNvSpPr>
@@ -1654,7 +4418,7 @@
     </p:spTree>
     <p:extLst>
       <p:ext uri="{BB962C8B-B14F-4D97-AF65-F5344CB8AC3E}">
-        <p14:creationId xmlns:p14="http://schemas.microsoft.com/office/powerpoint/2010/main" val="2252598930"/>
+        <p14:creationId xmlns:p14="http://schemas.microsoft.com/office/powerpoint/2010/main" val="1910936065"/>
       </p:ext>
     </p:extLst>
   </p:cSld>
@@ -1683,7 +4447,7 @@
       </p:grpSpPr>
       <p:sp>
         <p:nvSpPr>
-          <p:cNvPr id="2" name="Título 1"/>
+          <p:cNvPr id="2" name="Title 1"/>
           <p:cNvSpPr>
             <a:spLocks noGrp="1"/>
           </p:cNvSpPr>
@@ -1700,13 +4464,13 @@
               <a:rPr lang="es-ES" smtClean="0"/>
               <a:t>Haga clic para modificar el estilo de título del patrón</a:t>
             </a:r>
-            <a:endParaRPr lang="es-MX"/>
-          </a:p>
-        </p:txBody>
-      </p:sp>
-      <p:sp>
-        <p:nvSpPr>
-          <p:cNvPr id="3" name="Marcador de fecha 2"/>
+            <a:endParaRPr lang="en-US" dirty="0"/>
+          </a:p>
+        </p:txBody>
+      </p:sp>
+      <p:sp>
+        <p:nvSpPr>
+          <p:cNvPr id="7" name="Date Placeholder 2"/>
           <p:cNvSpPr>
             <a:spLocks noGrp="1"/>
           </p:cNvSpPr>
@@ -1721,7 +4485,7 @@
           <a:p>
             <a:fld id="{EC70A81F-E6D7-467A-A9E0-F29B3B127B77}" type="datetimeFigureOut">
               <a:rPr lang="es-MX" smtClean="0"/>
-              <a:t>13/02/2025</a:t>
+              <a:t>18/02/2025</a:t>
             </a:fld>
             <a:endParaRPr lang="es-MX"/>
           </a:p>
@@ -1729,7 +4493,7 @@
       </p:sp>
       <p:sp>
         <p:nvSpPr>
-          <p:cNvPr id="4" name="Marcador de pie de página 3"/>
+          <p:cNvPr id="5" name="Footer Placeholder 3"/>
           <p:cNvSpPr>
             <a:spLocks noGrp="1"/>
           </p:cNvSpPr>
@@ -1748,7 +4512,7 @@
       </p:sp>
       <p:sp>
         <p:nvSpPr>
-          <p:cNvPr id="5" name="Marcador de número de diapositiva 4"/>
+          <p:cNvPr id="6" name="Slide Number Placeholder 4"/>
           <p:cNvSpPr>
             <a:spLocks noGrp="1"/>
           </p:cNvSpPr>
@@ -1772,7 +4536,7 @@
     </p:spTree>
     <p:extLst>
       <p:ext uri="{BB962C8B-B14F-4D97-AF65-F5344CB8AC3E}">
-        <p14:creationId xmlns:p14="http://schemas.microsoft.com/office/powerpoint/2010/main" val="2963191343"/>
+        <p14:creationId xmlns:p14="http://schemas.microsoft.com/office/powerpoint/2010/main" val="4191125261"/>
       </p:ext>
     </p:extLst>
   </p:cSld>
@@ -1801,7 +4565,7 @@
       </p:grpSpPr>
       <p:sp>
         <p:nvSpPr>
-          <p:cNvPr id="2" name="Marcador de fecha 1"/>
+          <p:cNvPr id="7" name="Date Placeholder 1"/>
           <p:cNvSpPr>
             <a:spLocks noGrp="1"/>
           </p:cNvSpPr>
@@ -1816,7 +4580,7 @@
           <a:p>
             <a:fld id="{EC70A81F-E6D7-467A-A9E0-F29B3B127B77}" type="datetimeFigureOut">
               <a:rPr lang="es-MX" smtClean="0"/>
-              <a:t>13/02/2025</a:t>
+              <a:t>18/02/2025</a:t>
             </a:fld>
             <a:endParaRPr lang="es-MX"/>
           </a:p>
@@ -1824,7 +4588,7 @@
       </p:sp>
       <p:sp>
         <p:nvSpPr>
-          <p:cNvPr id="3" name="Marcador de pie de página 2"/>
+          <p:cNvPr id="5" name="Footer Placeholder 2"/>
           <p:cNvSpPr>
             <a:spLocks noGrp="1"/>
           </p:cNvSpPr>
@@ -1843,7 +4607,7 @@
       </p:sp>
       <p:sp>
         <p:nvSpPr>
-          <p:cNvPr id="4" name="Marcador de número de diapositiva 3"/>
+          <p:cNvPr id="6" name="Slide Number Placeholder 3"/>
           <p:cNvSpPr>
             <a:spLocks noGrp="1"/>
           </p:cNvSpPr>
@@ -1867,7 +4631,7 @@
     </p:spTree>
     <p:extLst>
       <p:ext uri="{BB962C8B-B14F-4D97-AF65-F5344CB8AC3E}">
-        <p14:creationId xmlns:p14="http://schemas.microsoft.com/office/powerpoint/2010/main" val="2958120108"/>
+        <p14:creationId xmlns:p14="http://schemas.microsoft.com/office/powerpoint/2010/main" val="408827679"/>
       </p:ext>
     </p:extLst>
   </p:cSld>
@@ -1896,7 +4660,7 @@
       </p:grpSpPr>
       <p:sp>
         <p:nvSpPr>
-          <p:cNvPr id="2" name="Título 1"/>
+          <p:cNvPr id="2" name="Title 1"/>
           <p:cNvSpPr>
             <a:spLocks noGrp="1"/>
           </p:cNvSpPr>
@@ -1906,15 +4670,15 @@
         </p:nvSpPr>
         <p:spPr>
           <a:xfrm>
-            <a:off x="839788" y="457200"/>
-            <a:ext cx="3932237" cy="1600200"/>
+            <a:off x="1154953" y="1447800"/>
+            <a:ext cx="3401064" cy="1447800"/>
           </a:xfrm>
         </p:spPr>
         <p:txBody>
           <a:bodyPr anchor="b"/>
           <a:lstStyle>
-            <a:lvl1pPr>
-              <a:defRPr sz="3200"/>
+            <a:lvl1pPr algn="l">
+              <a:defRPr sz="2400" b="0"/>
             </a:lvl1pPr>
           </a:lstStyle>
           <a:p>
@@ -1922,13 +4686,13 @@
               <a:rPr lang="es-ES" smtClean="0"/>
               <a:t>Haga clic para modificar el estilo de título del patrón</a:t>
             </a:r>
-            <a:endParaRPr lang="es-MX"/>
-          </a:p>
-        </p:txBody>
-      </p:sp>
-      <p:sp>
-        <p:nvSpPr>
-          <p:cNvPr id="3" name="Marcador de contenido 2"/>
+            <a:endParaRPr lang="en-US" dirty="0"/>
+          </a:p>
+        </p:txBody>
+      </p:sp>
+      <p:sp>
+        <p:nvSpPr>
+          <p:cNvPr id="3" name="Content Placeholder 2"/>
           <p:cNvSpPr>
             <a:spLocks noGrp="1"/>
           </p:cNvSpPr>
@@ -1938,39 +4702,41 @@
         </p:nvSpPr>
         <p:spPr>
           <a:xfrm>
-            <a:off x="5183188" y="987425"/>
-            <a:ext cx="6172200" cy="4873625"/>
+            <a:off x="4784616" y="1447800"/>
+            <a:ext cx="5195997" cy="4572000"/>
           </a:xfrm>
         </p:spPr>
         <p:txBody>
-          <a:bodyPr/>
+          <a:bodyPr anchor="ctr">
+            <a:normAutofit/>
+          </a:bodyPr>
           <a:lstStyle>
             <a:lvl1pPr>
-              <a:defRPr sz="3200"/>
+              <a:defRPr sz="2000"/>
             </a:lvl1pPr>
             <a:lvl2pPr>
-              <a:defRPr sz="2800"/>
+              <a:defRPr sz="1800"/>
             </a:lvl2pPr>
             <a:lvl3pPr>
-              <a:defRPr sz="2400"/>
+              <a:defRPr sz="1600"/>
             </a:lvl3pPr>
             <a:lvl4pPr>
-              <a:defRPr sz="2000"/>
+              <a:defRPr sz="1400"/>
             </a:lvl4pPr>
             <a:lvl5pPr>
-              <a:defRPr sz="2000"/>
+              <a:defRPr sz="1400"/>
             </a:lvl5pPr>
             <a:lvl6pPr>
-              <a:defRPr sz="2000"/>
+              <a:defRPr sz="1400"/>
             </a:lvl6pPr>
             <a:lvl7pPr>
-              <a:defRPr sz="2000"/>
+              <a:defRPr sz="1400"/>
             </a:lvl7pPr>
             <a:lvl8pPr>
-              <a:defRPr sz="2000"/>
+              <a:defRPr sz="1400"/>
             </a:lvl8pPr>
             <a:lvl9pPr>
-              <a:defRPr sz="2000"/>
+              <a:defRPr sz="1400"/>
             </a:lvl9pPr>
           </a:lstStyle>
           <a:p>
@@ -2007,13 +4773,13 @@
               <a:rPr lang="es-ES" smtClean="0"/>
               <a:t>Quinto nivel</a:t>
             </a:r>
-            <a:endParaRPr lang="es-MX"/>
-          </a:p>
-        </p:txBody>
-      </p:sp>
-      <p:sp>
-        <p:nvSpPr>
-          <p:cNvPr id="4" name="Marcador de texto 3"/>
+            <a:endParaRPr lang="en-US" dirty="0"/>
+          </a:p>
+        </p:txBody>
+      </p:sp>
+      <p:sp>
+        <p:nvSpPr>
+          <p:cNvPr id="4" name="Text Placeholder 3"/>
           <p:cNvSpPr>
             <a:spLocks noGrp="1"/>
           </p:cNvSpPr>
@@ -2023,8 +4789,8 @@
         </p:nvSpPr>
         <p:spPr>
           <a:xfrm>
-            <a:off x="839788" y="2057400"/>
-            <a:ext cx="3932237" cy="3811588"/>
+            <a:off x="1154953" y="3129280"/>
+            <a:ext cx="3401063" cy="2895599"/>
           </a:xfrm>
         </p:spPr>
         <p:txBody>
@@ -2032,39 +4798,39 @@
           <a:lstStyle>
             <a:lvl1pPr marL="0" indent="0">
               <a:buNone/>
-              <a:defRPr sz="1600"/>
+              <a:defRPr sz="1400"/>
             </a:lvl1pPr>
             <a:lvl2pPr marL="457200" indent="0">
               <a:buNone/>
-              <a:defRPr sz="1400"/>
+              <a:defRPr sz="1200"/>
             </a:lvl2pPr>
             <a:lvl3pPr marL="914400" indent="0">
               <a:buNone/>
-              <a:defRPr sz="1200"/>
+              <a:defRPr sz="1000"/>
             </a:lvl3pPr>
             <a:lvl4pPr marL="1371600" indent="0">
               <a:buNone/>
-              <a:defRPr sz="1000"/>
+              <a:defRPr sz="900"/>
             </a:lvl4pPr>
             <a:lvl5pPr marL="1828800" indent="0">
               <a:buNone/>
-              <a:defRPr sz="1000"/>
+              <a:defRPr sz="900"/>
             </a:lvl5pPr>
             <a:lvl6pPr marL="2286000" indent="0">
               <a:buNone/>
-              <a:defRPr sz="1000"/>
+              <a:defRPr sz="900"/>
             </a:lvl6pPr>
             <a:lvl7pPr marL="2743200" indent="0">
               <a:buNone/>
-              <a:defRPr sz="1000"/>
+              <a:defRPr sz="900"/>
             </a:lvl7pPr>
             <a:lvl8pPr marL="3200400" indent="0">
               <a:buNone/>
-              <a:defRPr sz="1000"/>
+              <a:defRPr sz="900"/>
             </a:lvl8pPr>
             <a:lvl9pPr marL="3657600" indent="0">
               <a:buNone/>
-              <a:defRPr sz="1000"/>
+              <a:defRPr sz="900"/>
             </a:lvl9pPr>
           </a:lstStyle>
           <a:p>
@@ -2078,7 +4844,7 @@
       </p:sp>
       <p:sp>
         <p:nvSpPr>
-          <p:cNvPr id="5" name="Marcador de fecha 4"/>
+          <p:cNvPr id="7" name="Date Placeholder 4"/>
           <p:cNvSpPr>
             <a:spLocks noGrp="1"/>
           </p:cNvSpPr>
@@ -2093,7 +4859,7 @@
           <a:p>
             <a:fld id="{EC70A81F-E6D7-467A-A9E0-F29B3B127B77}" type="datetimeFigureOut">
               <a:rPr lang="es-MX" smtClean="0"/>
-              <a:t>13/02/2025</a:t>
+              <a:t>18/02/2025</a:t>
             </a:fld>
             <a:endParaRPr lang="es-MX"/>
           </a:p>
@@ -2101,7 +4867,7 @@
       </p:sp>
       <p:sp>
         <p:nvSpPr>
-          <p:cNvPr id="6" name="Marcador de pie de página 5"/>
+          <p:cNvPr id="5" name="Footer Placeholder 5"/>
           <p:cNvSpPr>
             <a:spLocks noGrp="1"/>
           </p:cNvSpPr>
@@ -2120,7 +4886,7 @@
       </p:sp>
       <p:sp>
         <p:nvSpPr>
-          <p:cNvPr id="7" name="Marcador de número de diapositiva 6"/>
+          <p:cNvPr id="6" name="Slide Number Placeholder 6"/>
           <p:cNvSpPr>
             <a:spLocks noGrp="1"/>
           </p:cNvSpPr>
@@ -2144,7 +4910,7 @@
     </p:spTree>
     <p:extLst>
       <p:ext uri="{BB962C8B-B14F-4D97-AF65-F5344CB8AC3E}">
-        <p14:creationId xmlns:p14="http://schemas.microsoft.com/office/powerpoint/2010/main" val="3229173406"/>
+        <p14:creationId xmlns:p14="http://schemas.microsoft.com/office/powerpoint/2010/main" val="3441973310"/>
       </p:ext>
     </p:extLst>
   </p:cSld>
@@ -2173,7 +4939,7 @@
       </p:grpSpPr>
       <p:sp>
         <p:nvSpPr>
-          <p:cNvPr id="2" name="Título 1"/>
+          <p:cNvPr id="2" name="Title 1"/>
           <p:cNvSpPr>
             <a:spLocks noGrp="1"/>
           </p:cNvSpPr>
@@ -2183,15 +4949,17 @@
         </p:nvSpPr>
         <p:spPr>
           <a:xfrm>
-            <a:off x="839788" y="457200"/>
-            <a:ext cx="3932237" cy="1600200"/>
+            <a:off x="1153907" y="1854192"/>
+            <a:ext cx="5092906" cy="1574808"/>
           </a:xfrm>
         </p:spPr>
         <p:txBody>
-          <a:bodyPr anchor="b"/>
+          <a:bodyPr anchor="b">
+            <a:normAutofit/>
+          </a:bodyPr>
           <a:lstStyle>
-            <a:lvl1pPr>
-              <a:defRPr sz="3200"/>
+            <a:lvl1pPr algn="l">
+              <a:defRPr sz="3600" b="0"/>
             </a:lvl1pPr>
           </a:lstStyle>
           <a:p>
@@ -2199,15 +4967,15 @@
               <a:rPr lang="es-ES" smtClean="0"/>
               <a:t>Haga clic para modificar el estilo de título del patrón</a:t>
             </a:r>
-            <a:endParaRPr lang="es-MX"/>
-          </a:p>
-        </p:txBody>
-      </p:sp>
-      <p:sp>
-        <p:nvSpPr>
-          <p:cNvPr id="3" name="Marcador de posición de imagen 2"/>
-          <p:cNvSpPr>
-            <a:spLocks noGrp="1"/>
+            <a:endParaRPr lang="en-US" dirty="0"/>
+          </a:p>
+        </p:txBody>
+      </p:sp>
+      <p:sp>
+        <p:nvSpPr>
+          <p:cNvPr id="3" name="Picture Placeholder 2"/>
+          <p:cNvSpPr>
+            <a:spLocks noGrp="1" noChangeAspect="1"/>
           </p:cNvSpPr>
           <p:nvPr>
             <p:ph type="pic" idx="1"/>
@@ -2215,112 +4983,132 @@
         </p:nvSpPr>
         <p:spPr>
           <a:xfrm>
-            <a:off x="5183188" y="987425"/>
-            <a:ext cx="6172200" cy="4873625"/>
+            <a:off x="6949546" y="1143000"/>
+            <a:ext cx="3200400" cy="4572000"/>
           </a:xfrm>
+          <a:prstGeom prst="roundRect">
+            <a:avLst>
+              <a:gd name="adj" fmla="val 1858"/>
+            </a:avLst>
+          </a:prstGeom>
+          <a:effectLst>
+            <a:outerShdw blurRad="50800" dist="50800" dir="5400000" algn="tl" rotWithShape="0">
+              <a:srgbClr val="000000">
+                <a:alpha val="43000"/>
+              </a:srgbClr>
+            </a:outerShdw>
+          </a:effectLst>
         </p:spPr>
         <p:txBody>
-          <a:bodyPr/>
+          <a:bodyPr anchor="t">
+            <a:normAutofit/>
+          </a:bodyPr>
           <a:lstStyle>
-            <a:lvl1pPr marL="0" indent="0">
-              <a:buNone/>
-              <a:defRPr sz="3200"/>
-            </a:lvl1pPr>
-            <a:lvl2pPr marL="457200" indent="0">
-              <a:buNone/>
-              <a:defRPr sz="2800"/>
-            </a:lvl2pPr>
-            <a:lvl3pPr marL="914400" indent="0">
-              <a:buNone/>
-              <a:defRPr sz="2400"/>
-            </a:lvl3pPr>
-            <a:lvl4pPr marL="1371600" indent="0">
-              <a:buNone/>
-              <a:defRPr sz="2000"/>
-            </a:lvl4pPr>
-            <a:lvl5pPr marL="1828800" indent="0">
-              <a:buNone/>
-              <a:defRPr sz="2000"/>
-            </a:lvl5pPr>
-            <a:lvl6pPr marL="2286000" indent="0">
-              <a:buNone/>
-              <a:defRPr sz="2000"/>
-            </a:lvl6pPr>
-            <a:lvl7pPr marL="2743200" indent="0">
-              <a:buNone/>
-              <a:defRPr sz="2000"/>
-            </a:lvl7pPr>
-            <a:lvl8pPr marL="3200400" indent="0">
-              <a:buNone/>
-              <a:defRPr sz="2000"/>
-            </a:lvl8pPr>
-            <a:lvl9pPr marL="3657600" indent="0">
-              <a:buNone/>
-              <a:defRPr sz="2000"/>
-            </a:lvl9pPr>
-          </a:lstStyle>
-          <a:p>
-            <a:endParaRPr lang="es-MX"/>
-          </a:p>
-        </p:txBody>
-      </p:sp>
-      <p:sp>
-        <p:nvSpPr>
-          <p:cNvPr id="4" name="Marcador de texto 3"/>
-          <p:cNvSpPr>
-            <a:spLocks noGrp="1"/>
-          </p:cNvSpPr>
-          <p:nvPr>
-            <p:ph type="body" sz="half" idx="2"/>
-          </p:nvPr>
-        </p:nvSpPr>
-        <p:spPr>
-          <a:xfrm>
-            <a:off x="839788" y="2057400"/>
-            <a:ext cx="3932237" cy="3811588"/>
-          </a:xfrm>
-        </p:spPr>
-        <p:txBody>
-          <a:bodyPr/>
-          <a:lstStyle>
-            <a:lvl1pPr marL="0" indent="0">
+            <a:lvl1pPr marL="0" indent="0" algn="ctr">
               <a:buNone/>
               <a:defRPr sz="1600"/>
             </a:lvl1pPr>
             <a:lvl2pPr marL="457200" indent="0">
               <a:buNone/>
-              <a:defRPr sz="1400"/>
+              <a:defRPr sz="1600"/>
             </a:lvl2pPr>
             <a:lvl3pPr marL="914400" indent="0">
               <a:buNone/>
-              <a:defRPr sz="1200"/>
+              <a:defRPr sz="1600"/>
             </a:lvl3pPr>
             <a:lvl4pPr marL="1371600" indent="0">
               <a:buNone/>
-              <a:defRPr sz="1000"/>
+              <a:defRPr sz="1600"/>
             </a:lvl4pPr>
             <a:lvl5pPr marL="1828800" indent="0">
               <a:buNone/>
-              <a:defRPr sz="1000"/>
+              <a:defRPr sz="1600"/>
             </a:lvl5pPr>
             <a:lvl6pPr marL="2286000" indent="0">
               <a:buNone/>
-              <a:defRPr sz="1000"/>
+              <a:defRPr sz="1600"/>
             </a:lvl6pPr>
             <a:lvl7pPr marL="2743200" indent="0">
               <a:buNone/>
-              <a:defRPr sz="1000"/>
+              <a:defRPr sz="1600"/>
             </a:lvl7pPr>
             <a:lvl8pPr marL="3200400" indent="0">
               <a:buNone/>
-              <a:defRPr sz="1000"/>
+              <a:defRPr sz="1600"/>
             </a:lvl8pPr>
             <a:lvl9pPr marL="3657600" indent="0">
               <a:buNone/>
-              <a:defRPr sz="1000"/>
+              <a:defRPr sz="1600"/>
             </a:lvl9pPr>
           </a:lstStyle>
           <a:p>
+            <a:r>
+              <a:rPr lang="es-ES" smtClean="0"/>
+              <a:t>Haga clic en el icono para agregar una imagen</a:t>
+            </a:r>
+            <a:endParaRPr lang="en-US" dirty="0"/>
+          </a:p>
+        </p:txBody>
+      </p:sp>
+      <p:sp>
+        <p:nvSpPr>
+          <p:cNvPr id="4" name="Text Placeholder 3"/>
+          <p:cNvSpPr>
+            <a:spLocks noGrp="1"/>
+          </p:cNvSpPr>
+          <p:nvPr>
+            <p:ph type="body" sz="half" idx="2"/>
+          </p:nvPr>
+        </p:nvSpPr>
+        <p:spPr>
+          <a:xfrm>
+            <a:off x="1154954" y="3657600"/>
+            <a:ext cx="5084979" cy="1371600"/>
+          </a:xfrm>
+        </p:spPr>
+        <p:txBody>
+          <a:bodyPr>
+            <a:normAutofit/>
+          </a:bodyPr>
+          <a:lstStyle>
+            <a:lvl1pPr marL="0" indent="0">
+              <a:buNone/>
+              <a:defRPr sz="1400"/>
+            </a:lvl1pPr>
+            <a:lvl2pPr marL="457200" indent="0">
+              <a:buNone/>
+              <a:defRPr sz="1200"/>
+            </a:lvl2pPr>
+            <a:lvl3pPr marL="914400" indent="0">
+              <a:buNone/>
+              <a:defRPr sz="1000"/>
+            </a:lvl3pPr>
+            <a:lvl4pPr marL="1371600" indent="0">
+              <a:buNone/>
+              <a:defRPr sz="900"/>
+            </a:lvl4pPr>
+            <a:lvl5pPr marL="1828800" indent="0">
+              <a:buNone/>
+              <a:defRPr sz="900"/>
+            </a:lvl5pPr>
+            <a:lvl6pPr marL="2286000" indent="0">
+              <a:buNone/>
+              <a:defRPr sz="900"/>
+            </a:lvl6pPr>
+            <a:lvl7pPr marL="2743200" indent="0">
+              <a:buNone/>
+              <a:defRPr sz="900"/>
+            </a:lvl7pPr>
+            <a:lvl8pPr marL="3200400" indent="0">
+              <a:buNone/>
+              <a:defRPr sz="900"/>
+            </a:lvl8pPr>
+            <a:lvl9pPr marL="3657600" indent="0">
+              <a:buNone/>
+              <a:defRPr sz="900"/>
+            </a:lvl9pPr>
+          </a:lstStyle>
+          <a:p>
             <a:pPr lvl="0"/>
             <a:r>
               <a:rPr lang="es-ES" smtClean="0"/>
@@ -2331,7 +5119,7 @@
       </p:sp>
       <p:sp>
         <p:nvSpPr>
-          <p:cNvPr id="5" name="Marcador de fecha 4"/>
+          <p:cNvPr id="5" name="Date Placeholder 4"/>
           <p:cNvSpPr>
             <a:spLocks noGrp="1"/>
           </p:cNvSpPr>
@@ -2346,7 +5134,7 @@
           <a:p>
             <a:fld id="{EC70A81F-E6D7-467A-A9E0-F29B3B127B77}" type="datetimeFigureOut">
               <a:rPr lang="es-MX" smtClean="0"/>
-              <a:t>13/02/2025</a:t>
+              <a:t>18/02/2025</a:t>
             </a:fld>
             <a:endParaRPr lang="es-MX"/>
           </a:p>
@@ -2354,7 +5142,7 @@
       </p:sp>
       <p:sp>
         <p:nvSpPr>
-          <p:cNvPr id="6" name="Marcador de pie de página 5"/>
+          <p:cNvPr id="6" name="Footer Placeholder 5"/>
           <p:cNvSpPr>
             <a:spLocks noGrp="1"/>
           </p:cNvSpPr>
@@ -2373,7 +5161,7 @@
       </p:sp>
       <p:sp>
         <p:nvSpPr>
-          <p:cNvPr id="7" name="Marcador de número de diapositiva 6"/>
+          <p:cNvPr id="7" name="Slide Number Placeholder 6"/>
           <p:cNvSpPr>
             <a:spLocks noGrp="1"/>
           </p:cNvSpPr>
@@ -2397,7 +5185,7 @@
     </p:spTree>
     <p:extLst>
       <p:ext uri="{BB962C8B-B14F-4D97-AF65-F5344CB8AC3E}">
-        <p14:creationId xmlns:p14="http://schemas.microsoft.com/office/powerpoint/2010/main" val="4132199167"/>
+        <p14:creationId xmlns:p14="http://schemas.microsoft.com/office/powerpoint/2010/main" val="2823282062"/>
       </p:ext>
     </p:extLst>
   </p:cSld>
@@ -2411,8 +5199,8 @@
 <p:sldMaster xmlns:a="http://schemas.openxmlformats.org/drawingml/2006/main" xmlns:r="http://schemas.openxmlformats.org/officeDocument/2006/relationships" xmlns:p="http://schemas.openxmlformats.org/presentationml/2006/main">
   <p:cSld>
     <p:bg>
-      <p:bgRef idx="1001">
-        <a:schemeClr val="bg1"/>
+      <p:bgRef idx="1003">
+        <a:schemeClr val="bg2"/>
       </p:bgRef>
     </p:bg>
     <p:spTree>
@@ -2429,125 +5217,420 @@
           <a:chExt cx="0" cy="0"/>
         </a:xfrm>
       </p:grpSpPr>
-      <p:sp>
-        <p:nvSpPr>
-          <p:cNvPr id="2" name="Marcador de título 1"/>
-          <p:cNvSpPr>
-            <a:spLocks noGrp="1"/>
-          </p:cNvSpPr>
-          <p:nvPr>
-            <p:ph type="title"/>
-          </p:nvPr>
-        </p:nvSpPr>
+      <p:pic>
+        <p:nvPicPr>
+          <p:cNvPr id="8" name="Picture 7"/>
+          <p:cNvPicPr>
+            <a:picLocks noChangeAspect="1"/>
+          </p:cNvPicPr>
+          <p:nvPr/>
+        </p:nvPicPr>
+        <p:blipFill rotWithShape="1">
+          <a:blip r:embed="rId19">
+            <a:extLst>
+              <a:ext uri="{28A0092B-C50C-407E-A947-70E740481C1C}">
+                <a14:useLocalDpi xmlns:a14="http://schemas.microsoft.com/office/drawing/2010/main" val="0"/>
+              </a:ext>
+            </a:extLst>
+          </a:blip>
+          <a:srcRect l="3613"/>
+          <a:stretch/>
+        </p:blipFill>
         <p:spPr>
           <a:xfrm>
-            <a:off x="838200" y="365125"/>
-            <a:ext cx="10515600" cy="1325563"/>
+            <a:off x="0" y="2669685"/>
+            <a:ext cx="4037012" cy="4188315"/>
           </a:xfrm>
           <a:prstGeom prst="rect">
             <a:avLst/>
           </a:prstGeom>
         </p:spPr>
-        <p:txBody>
-          <a:bodyPr vert="horz" lIns="91440" tIns="45720" rIns="91440" bIns="45720" rtlCol="0" anchor="ctr">
-            <a:normAutofit/>
-          </a:bodyPr>
-          <a:lstStyle/>
-          <a:p>
-            <a:r>
-              <a:rPr lang="es-ES" smtClean="0"/>
-              <a:t>Haga clic para modificar el estilo de título del patrón</a:t>
-            </a:r>
-            <a:endParaRPr lang="es-MX"/>
-          </a:p>
-        </p:txBody>
-      </p:sp>
-      <p:sp>
-        <p:nvSpPr>
-          <p:cNvPr id="3" name="Marcador de texto 2"/>
-          <p:cNvSpPr>
-            <a:spLocks noGrp="1"/>
-          </p:cNvSpPr>
-          <p:nvPr>
-            <p:ph type="body" idx="1"/>
-          </p:nvPr>
-        </p:nvSpPr>
+      </p:pic>
+      <p:pic>
+        <p:nvPicPr>
+          <p:cNvPr id="7" name="Picture 6"/>
+          <p:cNvPicPr>
+            <a:picLocks noChangeAspect="1"/>
+          </p:cNvPicPr>
+          <p:nvPr/>
+        </p:nvPicPr>
+        <p:blipFill rotWithShape="1">
+          <a:blip r:embed="rId20">
+            <a:extLst>
+              <a:ext uri="{28A0092B-C50C-407E-A947-70E740481C1C}">
+                <a14:useLocalDpi xmlns:a14="http://schemas.microsoft.com/office/drawing/2010/main" val="0"/>
+              </a:ext>
+            </a:extLst>
+          </a:blip>
+          <a:srcRect l="35640"/>
+          <a:stretch/>
+        </p:blipFill>
         <p:spPr>
           <a:xfrm>
-            <a:off x="838200" y="1825625"/>
-            <a:ext cx="10515600" cy="4351338"/>
+            <a:off x="0" y="2892347"/>
+            <a:ext cx="1522412" cy="2365453"/>
           </a:xfrm>
           <a:prstGeom prst="rect">
             <a:avLst/>
           </a:prstGeom>
         </p:spPr>
-        <p:txBody>
-          <a:bodyPr vert="horz" lIns="91440" tIns="45720" rIns="91440" bIns="45720" rtlCol="0">
-            <a:normAutofit/>
-          </a:bodyPr>
-          <a:lstStyle/>
-          <a:p>
-            <a:pPr lvl="0"/>
-            <a:r>
-              <a:rPr lang="es-ES" smtClean="0"/>
-              <a:t>Editar el estilo de texto del patrón</a:t>
-            </a:r>
-          </a:p>
-          <a:p>
-            <a:pPr lvl="1"/>
-            <a:r>
-              <a:rPr lang="es-ES" smtClean="0"/>
-              <a:t>Segundo nivel</a:t>
-            </a:r>
-          </a:p>
-          <a:p>
-            <a:pPr lvl="2"/>
-            <a:r>
-              <a:rPr lang="es-ES" smtClean="0"/>
-              <a:t>Tercer nivel</a:t>
-            </a:r>
-          </a:p>
-          <a:p>
-            <a:pPr lvl="3"/>
-            <a:r>
-              <a:rPr lang="es-ES" smtClean="0"/>
-              <a:t>Cuarto nivel</a:t>
-            </a:r>
-          </a:p>
-          <a:p>
-            <a:pPr lvl="4"/>
-            <a:r>
-              <a:rPr lang="es-ES" smtClean="0"/>
-              <a:t>Quinto nivel</a:t>
-            </a:r>
-            <a:endParaRPr lang="es-MX"/>
-          </a:p>
-        </p:txBody>
-      </p:sp>
-      <p:sp>
-        <p:nvSpPr>
-          <p:cNvPr id="4" name="Marcador de fecha 3"/>
-          <p:cNvSpPr>
-            <a:spLocks noGrp="1"/>
-          </p:cNvSpPr>
-          <p:nvPr>
-            <p:ph type="dt" sz="half" idx="2"/>
-          </p:nvPr>
+      </p:pic>
+      <p:sp>
+        <p:nvSpPr>
+          <p:cNvPr id="16" name="Oval 15"/>
+          <p:cNvSpPr/>
+          <p:nvPr/>
         </p:nvSpPr>
         <p:spPr>
           <a:xfrm>
-            <a:off x="838200" y="6356350"/>
-            <a:ext cx="2743200" cy="365125"/>
+            <a:off x="8609012" y="1676400"/>
+            <a:ext cx="2819400" cy="2819400"/>
+          </a:xfrm>
+          <a:prstGeom prst="ellipse">
+            <a:avLst/>
+          </a:prstGeom>
+          <a:gradFill flip="none" rotWithShape="1">
+            <a:gsLst>
+              <a:gs pos="0">
+                <a:schemeClr val="bg2">
+                  <a:lumMod val="60000"/>
+                  <a:lumOff val="40000"/>
+                  <a:alpha val="7000"/>
+                </a:schemeClr>
+              </a:gs>
+              <a:gs pos="69000">
+                <a:schemeClr val="bg2">
+                  <a:lumMod val="60000"/>
+                  <a:lumOff val="40000"/>
+                  <a:alpha val="0"/>
+                </a:schemeClr>
+              </a:gs>
+              <a:gs pos="36000">
+                <a:schemeClr val="bg2">
+                  <a:lumMod val="60000"/>
+                  <a:lumOff val="40000"/>
+                  <a:alpha val="6000"/>
+                </a:schemeClr>
+              </a:gs>
+            </a:gsLst>
+            <a:path path="circle">
+              <a:fillToRect l="50000" t="50000" r="50000" b="50000"/>
+            </a:path>
+            <a:tileRect/>
+          </a:gradFill>
+          <a:ln>
+            <a:noFill/>
+          </a:ln>
+          <a:effectLst/>
+        </p:spPr>
+        <p:style>
+          <a:lnRef idx="1">
+            <a:schemeClr val="accent1"/>
+          </a:lnRef>
+          <a:fillRef idx="3">
+            <a:schemeClr val="accent1"/>
+          </a:fillRef>
+          <a:effectRef idx="2">
+            <a:schemeClr val="accent1"/>
+          </a:effectRef>
+          <a:fontRef idx="minor">
+            <a:schemeClr val="lt1"/>
+          </a:fontRef>
+        </p:style>
+      </p:sp>
+      <p:pic>
+        <p:nvPicPr>
+          <p:cNvPr id="9" name="Picture 8"/>
+          <p:cNvPicPr>
+            <a:picLocks noChangeAspect="1"/>
+          </p:cNvPicPr>
+          <p:nvPr/>
+        </p:nvPicPr>
+        <p:blipFill rotWithShape="1">
+          <a:blip r:embed="rId21">
+            <a:extLst>
+              <a:ext uri="{28A0092B-C50C-407E-A947-70E740481C1C}">
+                <a14:useLocalDpi xmlns:a14="http://schemas.microsoft.com/office/drawing/2010/main" val="0"/>
+              </a:ext>
+            </a:extLst>
+          </a:blip>
+          <a:srcRect t="28813"/>
+          <a:stretch/>
+        </p:blipFill>
+        <p:spPr>
+          <a:xfrm>
+            <a:off x="7999412" y="0"/>
+            <a:ext cx="1603387" cy="1141407"/>
           </a:xfrm>
           <a:prstGeom prst="rect">
             <a:avLst/>
           </a:prstGeom>
         </p:spPr>
-        <p:txBody>
-          <a:bodyPr vert="horz" lIns="91440" tIns="45720" rIns="91440" bIns="45720" rtlCol="0" anchor="ctr"/>
+      </p:pic>
+      <p:pic>
+        <p:nvPicPr>
+          <p:cNvPr id="10" name="Picture 9"/>
+          <p:cNvPicPr>
+            <a:picLocks noChangeAspect="1"/>
+          </p:cNvPicPr>
+          <p:nvPr/>
+        </p:nvPicPr>
+        <p:blipFill rotWithShape="1">
+          <a:blip r:embed="rId22">
+            <a:extLst>
+              <a:ext uri="{28A0092B-C50C-407E-A947-70E740481C1C}">
+                <a14:useLocalDpi xmlns:a14="http://schemas.microsoft.com/office/drawing/2010/main" val="0"/>
+              </a:ext>
+            </a:extLst>
+          </a:blip>
+          <a:srcRect b="23320"/>
+          <a:stretch/>
+        </p:blipFill>
+        <p:spPr>
+          <a:xfrm>
+            <a:off x="8605878" y="6096000"/>
+            <a:ext cx="993734" cy="762000"/>
+          </a:xfrm>
+          <a:prstGeom prst="rect">
+            <a:avLst/>
+          </a:prstGeom>
+        </p:spPr>
+      </p:pic>
+      <p:sp>
+        <p:nvSpPr>
+          <p:cNvPr id="14" name="Rectangle 13"/>
+          <p:cNvSpPr/>
+          <p:nvPr/>
+        </p:nvSpPr>
+        <p:spPr>
+          <a:xfrm>
+            <a:off x="10437812" y="0"/>
+            <a:ext cx="685800" cy="1143000"/>
+          </a:xfrm>
+          <a:prstGeom prst="rect">
+            <a:avLst/>
+          </a:prstGeom>
+          <a:solidFill>
+            <a:schemeClr val="accent1"/>
+          </a:solidFill>
+          <a:ln>
+            <a:noFill/>
+          </a:ln>
+        </p:spPr>
+        <p:style>
+          <a:lnRef idx="1">
+            <a:schemeClr val="accent1"/>
+          </a:lnRef>
+          <a:fillRef idx="3">
+            <a:schemeClr val="accent1"/>
+          </a:fillRef>
+          <a:effectRef idx="2">
+            <a:schemeClr val="accent1"/>
+          </a:effectRef>
+          <a:fontRef idx="minor">
+            <a:schemeClr val="lt1"/>
+          </a:fontRef>
+        </p:style>
+      </p:sp>
+      <p:sp>
+        <p:nvSpPr>
+          <p:cNvPr id="2" name="Title Placeholder 1"/>
+          <p:cNvSpPr>
+            <a:spLocks noGrp="1"/>
+          </p:cNvSpPr>
+          <p:nvPr>
+            <p:ph type="title"/>
+          </p:nvPr>
+        </p:nvSpPr>
+        <p:spPr>
+          <a:xfrm>
+            <a:off x="646111" y="452718"/>
+            <a:ext cx="9404723" cy="1400530"/>
+          </a:xfrm>
+          <a:prstGeom prst="rect">
+            <a:avLst/>
+          </a:prstGeom>
+        </p:spPr>
+        <p:txBody>
+          <a:bodyPr vert="horz" lIns="91440" tIns="45720" rIns="91440" bIns="45720" rtlCol="0" anchor="t">
+            <a:noAutofit/>
+          </a:bodyPr>
+          <a:lstStyle/>
+          <a:p>
+            <a:r>
+              <a:rPr lang="es-ES" smtClean="0"/>
+              <a:t>Haga clic para modificar el estilo de título del patrón</a:t>
+            </a:r>
+            <a:endParaRPr lang="en-US" dirty="0"/>
+          </a:p>
+        </p:txBody>
+      </p:sp>
+      <p:sp>
+        <p:nvSpPr>
+          <p:cNvPr id="3" name="Text Placeholder 2"/>
+          <p:cNvSpPr>
+            <a:spLocks noGrp="1"/>
+          </p:cNvSpPr>
+          <p:nvPr>
+            <p:ph type="body" idx="1"/>
+          </p:nvPr>
+        </p:nvSpPr>
+        <p:spPr>
+          <a:xfrm>
+            <a:off x="1103312" y="2052918"/>
+            <a:ext cx="8946541" cy="4195481"/>
+          </a:xfrm>
+          <a:prstGeom prst="rect">
+            <a:avLst/>
+          </a:prstGeom>
+        </p:spPr>
+        <p:txBody>
+          <a:bodyPr vert="horz" lIns="91440" tIns="45720" rIns="91440" bIns="45720" rtlCol="0">
+            <a:normAutofit/>
+          </a:bodyPr>
+          <a:lstStyle/>
+          <a:p>
+            <a:pPr lvl="0"/>
+            <a:r>
+              <a:rPr lang="es-ES" smtClean="0"/>
+              <a:t>Editar el estilo de texto del patrón</a:t>
+            </a:r>
+          </a:p>
+          <a:p>
+            <a:pPr lvl="1"/>
+            <a:r>
+              <a:rPr lang="es-ES" smtClean="0"/>
+              <a:t>Segundo nivel</a:t>
+            </a:r>
+          </a:p>
+          <a:p>
+            <a:pPr lvl="2"/>
+            <a:r>
+              <a:rPr lang="es-ES" smtClean="0"/>
+              <a:t>Tercer nivel</a:t>
+            </a:r>
+          </a:p>
+          <a:p>
+            <a:pPr lvl="3"/>
+            <a:r>
+              <a:rPr lang="es-ES" smtClean="0"/>
+              <a:t>Cuarto nivel</a:t>
+            </a:r>
+          </a:p>
+          <a:p>
+            <a:pPr lvl="4"/>
+            <a:r>
+              <a:rPr lang="es-ES" smtClean="0"/>
+              <a:t>Quinto nivel</a:t>
+            </a:r>
+            <a:endParaRPr lang="en-US" dirty="0"/>
+          </a:p>
+        </p:txBody>
+      </p:sp>
+      <p:sp>
+        <p:nvSpPr>
+          <p:cNvPr id="4" name="Date Placeholder 3"/>
+          <p:cNvSpPr>
+            <a:spLocks noGrp="1"/>
+          </p:cNvSpPr>
+          <p:nvPr>
+            <p:ph type="dt" sz="half" idx="2"/>
+          </p:nvPr>
+        </p:nvSpPr>
+        <p:spPr>
+          <a:xfrm rot="5400000">
+            <a:off x="10155639" y="1790701"/>
+            <a:ext cx="990599" cy="304799"/>
+          </a:xfrm>
+          <a:prstGeom prst="rect">
+            <a:avLst/>
+          </a:prstGeom>
+        </p:spPr>
+        <p:txBody>
+          <a:bodyPr vert="horz" lIns="91440" tIns="45720" rIns="91440" bIns="45720" rtlCol="0" anchor="t"/>
           <a:lstStyle>
             <a:lvl1pPr algn="l">
-              <a:defRPr sz="1200">
+              <a:defRPr sz="1100" b="0" i="0">
+                <a:solidFill>
+                  <a:schemeClr val="tx1">
+                    <a:tint val="75000"/>
+                    <a:alpha val="60000"/>
+                  </a:schemeClr>
+                </a:solidFill>
+              </a:defRPr>
+            </a:lvl1pPr>
+          </a:lstStyle>
+          <a:p>
+            <a:fld id="{EC70A81F-E6D7-467A-A9E0-F29B3B127B77}" type="datetimeFigureOut">
+              <a:rPr lang="es-MX" smtClean="0"/>
+              <a:t>18/02/2025</a:t>
+            </a:fld>
+            <a:endParaRPr lang="es-MX"/>
+          </a:p>
+        </p:txBody>
+      </p:sp>
+      <p:sp>
+        <p:nvSpPr>
+          <p:cNvPr id="5" name="Footer Placeholder 4"/>
+          <p:cNvSpPr>
+            <a:spLocks noGrp="1"/>
+          </p:cNvSpPr>
+          <p:nvPr>
+            <p:ph type="ftr" sz="quarter" idx="3"/>
+          </p:nvPr>
+        </p:nvSpPr>
+        <p:spPr>
+          <a:xfrm rot="5400000">
+            <a:off x="8951573" y="3225297"/>
+            <a:ext cx="3859795" cy="304801"/>
+          </a:xfrm>
+          <a:prstGeom prst="rect">
+            <a:avLst/>
+          </a:prstGeom>
+        </p:spPr>
+        <p:txBody>
+          <a:bodyPr vert="horz" lIns="91440" tIns="45720" rIns="91440" bIns="45720" rtlCol="0" anchor="b"/>
+          <a:lstStyle>
+            <a:lvl1pPr algn="l">
+              <a:defRPr sz="1100" b="0" i="0">
+                <a:solidFill>
+                  <a:schemeClr val="tx1">
+                    <a:tint val="75000"/>
+                    <a:alpha val="60000"/>
+                  </a:schemeClr>
+                </a:solidFill>
+              </a:defRPr>
+            </a:lvl1pPr>
+          </a:lstStyle>
+          <a:p>
+            <a:endParaRPr lang="es-MX"/>
+          </a:p>
+        </p:txBody>
+      </p:sp>
+      <p:sp>
+        <p:nvSpPr>
+          <p:cNvPr id="6" name="Slide Number Placeholder 5"/>
+          <p:cNvSpPr>
+            <a:spLocks noGrp="1"/>
+          </p:cNvSpPr>
+          <p:nvPr>
+            <p:ph type="sldNum" sz="quarter" idx="4"/>
+          </p:nvPr>
+        </p:nvSpPr>
+        <p:spPr bwMode="gray">
+          <a:xfrm>
+            <a:off x="10352540" y="295729"/>
+            <a:ext cx="838199" cy="767687"/>
+          </a:xfrm>
+          <a:prstGeom prst="rect">
+            <a:avLst/>
+          </a:prstGeom>
+        </p:spPr>
+        <p:txBody>
+          <a:bodyPr vert="horz" lIns="91440" tIns="45720" rIns="91440" bIns="45720" rtlCol="0" anchor="b"/>
+          <a:lstStyle>
+            <a:lvl1pPr algn="ctr">
+              <a:defRPr sz="2800" b="0" i="0">
                 <a:solidFill>
                   <a:schemeClr val="tx1">
                     <a:tint val="75000"/>
@@ -2557,84 +5640,6 @@
             </a:lvl1pPr>
           </a:lstStyle>
           <a:p>
-            <a:fld id="{EC70A81F-E6D7-467A-A9E0-F29B3B127B77}" type="datetimeFigureOut">
-              <a:rPr lang="es-MX" smtClean="0"/>
-              <a:t>13/02/2025</a:t>
-            </a:fld>
-            <a:endParaRPr lang="es-MX"/>
-          </a:p>
-        </p:txBody>
-      </p:sp>
-      <p:sp>
-        <p:nvSpPr>
-          <p:cNvPr id="5" name="Marcador de pie de página 4"/>
-          <p:cNvSpPr>
-            <a:spLocks noGrp="1"/>
-          </p:cNvSpPr>
-          <p:nvPr>
-            <p:ph type="ftr" sz="quarter" idx="3"/>
-          </p:nvPr>
-        </p:nvSpPr>
-        <p:spPr>
-          <a:xfrm>
-            <a:off x="4038600" y="6356350"/>
-            <a:ext cx="4114800" cy="365125"/>
-          </a:xfrm>
-          <a:prstGeom prst="rect">
-            <a:avLst/>
-          </a:prstGeom>
-        </p:spPr>
-        <p:txBody>
-          <a:bodyPr vert="horz" lIns="91440" tIns="45720" rIns="91440" bIns="45720" rtlCol="0" anchor="ctr"/>
-          <a:lstStyle>
-            <a:lvl1pPr algn="ctr">
-              <a:defRPr sz="1200">
-                <a:solidFill>
-                  <a:schemeClr val="tx1">
-                    <a:tint val="75000"/>
-                  </a:schemeClr>
-                </a:solidFill>
-              </a:defRPr>
-            </a:lvl1pPr>
-          </a:lstStyle>
-          <a:p>
-            <a:endParaRPr lang="es-MX"/>
-          </a:p>
-        </p:txBody>
-      </p:sp>
-      <p:sp>
-        <p:nvSpPr>
-          <p:cNvPr id="6" name="Marcador de número de diapositiva 5"/>
-          <p:cNvSpPr>
-            <a:spLocks noGrp="1"/>
-          </p:cNvSpPr>
-          <p:nvPr>
-            <p:ph type="sldNum" sz="quarter" idx="4"/>
-          </p:nvPr>
-        </p:nvSpPr>
-        <p:spPr>
-          <a:xfrm>
-            <a:off x="8610600" y="6356350"/>
-            <a:ext cx="2743200" cy="365125"/>
-          </a:xfrm>
-          <a:prstGeom prst="rect">
-            <a:avLst/>
-          </a:prstGeom>
-        </p:spPr>
-        <p:txBody>
-          <a:bodyPr vert="horz" lIns="91440" tIns="45720" rIns="91440" bIns="45720" rtlCol="0" anchor="ctr"/>
-          <a:lstStyle>
-            <a:lvl1pPr algn="r">
-              <a:defRPr sz="1200">
-                <a:solidFill>
-                  <a:schemeClr val="tx1">
-                    <a:tint val="75000"/>
-                  </a:schemeClr>
-                </a:solidFill>
-              </a:defRPr>
-            </a:lvl1pPr>
-          </a:lstStyle>
-          <a:p>
             <a:fld id="{A50B71C8-6F2D-4002-B99C-D82D44AAC21D}" type="slidenum">
               <a:rPr lang="es-MX" smtClean="0"/>
               <a:t>‹Nº›</a:t>
@@ -2646,35 +5651,121 @@
     </p:spTree>
     <p:extLst>
       <p:ext uri="{BB962C8B-B14F-4D97-AF65-F5344CB8AC3E}">
-        <p14:creationId xmlns:p14="http://schemas.microsoft.com/office/powerpoint/2010/main" val="803885165"/>
+        <p14:creationId xmlns:p14="http://schemas.microsoft.com/office/powerpoint/2010/main" val="3923130355"/>
       </p:ext>
     </p:extLst>
   </p:cSld>
-  <p:clrMap bg1="lt1" tx1="dk1" bg2="lt2" tx2="dk2" accent1="accent1" accent2="accent2" accent3="accent3" accent4="accent4" accent5="accent5" accent6="accent6" hlink="hlink" folHlink="folHlink"/>
+  <p:clrMap bg1="dk1" tx1="lt1" bg2="dk2" tx2="lt2" accent1="accent1" accent2="accent2" accent3="accent3" accent4="accent4" accent5="accent5" accent6="accent6" hlink="hlink" folHlink="folHlink"/>
   <p:sldLayoutIdLst>
-    <p:sldLayoutId id="2147483649" r:id="rId1"/>
-    <p:sldLayoutId id="2147483650" r:id="rId2"/>
-    <p:sldLayoutId id="2147483651" r:id="rId3"/>
-    <p:sldLayoutId id="2147483652" r:id="rId4"/>
-    <p:sldLayoutId id="2147483653" r:id="rId5"/>
-    <p:sldLayoutId id="2147483654" r:id="rId6"/>
-    <p:sldLayoutId id="2147483655" r:id="rId7"/>
-    <p:sldLayoutId id="2147483656" r:id="rId8"/>
-    <p:sldLayoutId id="2147483657" r:id="rId9"/>
-    <p:sldLayoutId id="2147483658" r:id="rId10"/>
-    <p:sldLayoutId id="2147483659" r:id="rId11"/>
+    <p:sldLayoutId id="2147483661" r:id="rId1"/>
+    <p:sldLayoutId id="2147483662" r:id="rId2"/>
+    <p:sldLayoutId id="2147483663" r:id="rId3"/>
+    <p:sldLayoutId id="2147483664" r:id="rId4"/>
+    <p:sldLayoutId id="2147483665" r:id="rId5"/>
+    <p:sldLayoutId id="2147483666" r:id="rId6"/>
+    <p:sldLayoutId id="2147483667" r:id="rId7"/>
+    <p:sldLayoutId id="2147483668" r:id="rId8"/>
+    <p:sldLayoutId id="2147483669" r:id="rId9"/>
+    <p:sldLayoutId id="2147483670" r:id="rId10"/>
+    <p:sldLayoutId id="2147483671" r:id="rId11"/>
+    <p:sldLayoutId id="2147483672" r:id="rId12"/>
+    <p:sldLayoutId id="2147483673" r:id="rId13"/>
+    <p:sldLayoutId id="2147483674" r:id="rId14"/>
+    <p:sldLayoutId id="2147483675" r:id="rId15"/>
+    <p:sldLayoutId id="2147483676" r:id="rId16"/>
+    <p:sldLayoutId id="2147483677" r:id="rId17"/>
   </p:sldLayoutIdLst>
   <p:txStyles>
     <p:titleStyle>
-      <a:lvl1pPr algn="l" defTabSz="914400" rtl="0" eaLnBrk="1" latinLnBrk="0" hangingPunct="1">
-        <a:lnSpc>
-          <a:spcPct val="90000"/>
-        </a:lnSpc>
+      <a:lvl1pPr algn="l" defTabSz="457200" rtl="0" eaLnBrk="1" latinLnBrk="0" hangingPunct="1">
         <a:spcBef>
           <a:spcPct val="0"/>
         </a:spcBef>
         <a:buNone/>
-        <a:defRPr sz="4400" kern="1200">
+        <a:defRPr sz="4200" b="0" i="0" kern="1200">
+          <a:solidFill>
+            <a:schemeClr val="tx2"/>
+          </a:solidFill>
+          <a:latin typeface="+mj-lt"/>
+          <a:ea typeface="+mj-ea"/>
+          <a:cs typeface="+mj-cs"/>
+        </a:defRPr>
+      </a:lvl1pPr>
+      <a:lvl2pPr eaLnBrk="1" hangingPunct="1">
+        <a:defRPr>
+          <a:solidFill>
+            <a:schemeClr val="tx2"/>
+          </a:solidFill>
+        </a:defRPr>
+      </a:lvl2pPr>
+      <a:lvl3pPr eaLnBrk="1" hangingPunct="1">
+        <a:defRPr>
+          <a:solidFill>
+            <a:schemeClr val="tx2"/>
+          </a:solidFill>
+        </a:defRPr>
+      </a:lvl3pPr>
+      <a:lvl4pPr eaLnBrk="1" hangingPunct="1">
+        <a:defRPr>
+          <a:solidFill>
+            <a:schemeClr val="tx2"/>
+          </a:solidFill>
+        </a:defRPr>
+      </a:lvl4pPr>
+      <a:lvl5pPr eaLnBrk="1" hangingPunct="1">
+        <a:defRPr>
+          <a:solidFill>
+            <a:schemeClr val="tx2"/>
+          </a:solidFill>
+        </a:defRPr>
+      </a:lvl5pPr>
+      <a:lvl6pPr eaLnBrk="1" hangingPunct="1">
+        <a:defRPr>
+          <a:solidFill>
+            <a:schemeClr val="tx2"/>
+          </a:solidFill>
+        </a:defRPr>
+      </a:lvl6pPr>
+      <a:lvl7pPr eaLnBrk="1" hangingPunct="1">
+        <a:defRPr>
+          <a:solidFill>
+            <a:schemeClr val="tx2"/>
+          </a:solidFill>
+        </a:defRPr>
+      </a:lvl7pPr>
+      <a:lvl8pPr eaLnBrk="1" hangingPunct="1">
+        <a:defRPr>
+          <a:solidFill>
+            <a:schemeClr val="tx2"/>
+          </a:solidFill>
+        </a:defRPr>
+      </a:lvl8pPr>
+      <a:lvl9pPr eaLnBrk="1" hangingPunct="1">
+        <a:defRPr>
+          <a:solidFill>
+            <a:schemeClr val="tx2"/>
+          </a:solidFill>
+        </a:defRPr>
+      </a:lvl9pPr>
+    </p:titleStyle>
+    <p:bodyStyle>
+      <a:lvl1pPr marL="342900" indent="-342900" algn="l" defTabSz="457200" rtl="0" eaLnBrk="1" latinLnBrk="0" hangingPunct="1">
+        <a:spcBef>
+          <a:spcPts val="1000"/>
+        </a:spcBef>
+        <a:spcAft>
+          <a:spcPts val="0"/>
+        </a:spcAft>
+        <a:buClr>
+          <a:schemeClr val="bg2">
+            <a:lumMod val="40000"/>
+            <a:lumOff val="60000"/>
+          </a:schemeClr>
+        </a:buClr>
+        <a:buSzPct val="80000"/>
+        <a:buFont typeface="Wingdings 3" charset="2"/>
+        <a:buChar char=""/>
+        <a:defRPr sz="2000" b="0" i="0" kern="1200">
           <a:solidFill>
             <a:schemeClr val="tx1"/>
           </a:solidFill>
@@ -2683,18 +5774,213 @@
           <a:cs typeface="+mj-cs"/>
         </a:defRPr>
       </a:lvl1pPr>
-    </p:titleStyle>
-    <p:bodyStyle>
-      <a:lvl1pPr marL="228600" indent="-228600" algn="l" defTabSz="914400" rtl="0" eaLnBrk="1" latinLnBrk="0" hangingPunct="1">
-        <a:lnSpc>
-          <a:spcPct val="90000"/>
-        </a:lnSpc>
+      <a:lvl2pPr marL="742950" indent="-285750" algn="l" defTabSz="457200" rtl="0" eaLnBrk="1" latinLnBrk="0" hangingPunct="1">
         <a:spcBef>
           <a:spcPts val="1000"/>
         </a:spcBef>
-        <a:buFont typeface="Arial" panose="020B0604020202020204" pitchFamily="34" charset="0"/>
-        <a:buChar char="•"/>
-        <a:defRPr sz="2800" kern="1200">
+        <a:spcAft>
+          <a:spcPts val="0"/>
+        </a:spcAft>
+        <a:buClr>
+          <a:schemeClr val="bg2">
+            <a:lumMod val="40000"/>
+            <a:lumOff val="60000"/>
+          </a:schemeClr>
+        </a:buClr>
+        <a:buSzPct val="80000"/>
+        <a:buFont typeface="Wingdings 3" charset="2"/>
+        <a:buChar char=""/>
+        <a:defRPr sz="1800" b="0" i="0" kern="1200">
+          <a:solidFill>
+            <a:schemeClr val="tx1"/>
+          </a:solidFill>
+          <a:latin typeface="+mj-lt"/>
+          <a:ea typeface="+mj-ea"/>
+          <a:cs typeface="+mj-cs"/>
+        </a:defRPr>
+      </a:lvl2pPr>
+      <a:lvl3pPr marL="1143000" indent="-228600" algn="l" defTabSz="457200" rtl="0" eaLnBrk="1" latinLnBrk="0" hangingPunct="1">
+        <a:spcBef>
+          <a:spcPts val="1000"/>
+        </a:spcBef>
+        <a:spcAft>
+          <a:spcPts val="0"/>
+        </a:spcAft>
+        <a:buClr>
+          <a:schemeClr val="bg2">
+            <a:lumMod val="40000"/>
+            <a:lumOff val="60000"/>
+          </a:schemeClr>
+        </a:buClr>
+        <a:buSzPct val="80000"/>
+        <a:buFont typeface="Wingdings 3" charset="2"/>
+        <a:buChar char=""/>
+        <a:defRPr sz="1600" b="0" i="0" kern="1200">
+          <a:solidFill>
+            <a:schemeClr val="tx1"/>
+          </a:solidFill>
+          <a:latin typeface="+mj-lt"/>
+          <a:ea typeface="+mj-ea"/>
+          <a:cs typeface="+mj-cs"/>
+        </a:defRPr>
+      </a:lvl3pPr>
+      <a:lvl4pPr marL="1600200" indent="-228600" algn="l" defTabSz="457200" rtl="0" eaLnBrk="1" latinLnBrk="0" hangingPunct="1">
+        <a:spcBef>
+          <a:spcPts val="1000"/>
+        </a:spcBef>
+        <a:spcAft>
+          <a:spcPts val="0"/>
+        </a:spcAft>
+        <a:buClr>
+          <a:schemeClr val="bg2">
+            <a:lumMod val="40000"/>
+            <a:lumOff val="60000"/>
+          </a:schemeClr>
+        </a:buClr>
+        <a:buSzPct val="80000"/>
+        <a:buFont typeface="Wingdings 3" charset="2"/>
+        <a:buChar char=""/>
+        <a:defRPr sz="1400" b="0" i="0" kern="1200">
+          <a:solidFill>
+            <a:schemeClr val="tx1"/>
+          </a:solidFill>
+          <a:latin typeface="+mj-lt"/>
+          <a:ea typeface="+mj-ea"/>
+          <a:cs typeface="+mj-cs"/>
+        </a:defRPr>
+      </a:lvl4pPr>
+      <a:lvl5pPr marL="2057400" indent="-228600" algn="l" defTabSz="457200" rtl="0" eaLnBrk="1" latinLnBrk="0" hangingPunct="1">
+        <a:spcBef>
+          <a:spcPts val="1000"/>
+        </a:spcBef>
+        <a:spcAft>
+          <a:spcPts val="0"/>
+        </a:spcAft>
+        <a:buClr>
+          <a:schemeClr val="bg2">
+            <a:lumMod val="40000"/>
+            <a:lumOff val="60000"/>
+          </a:schemeClr>
+        </a:buClr>
+        <a:buSzPct val="80000"/>
+        <a:buFont typeface="Wingdings 3" charset="2"/>
+        <a:buChar char=""/>
+        <a:defRPr sz="1400" b="0" i="0" kern="1200">
+          <a:solidFill>
+            <a:schemeClr val="tx1"/>
+          </a:solidFill>
+          <a:latin typeface="+mj-lt"/>
+          <a:ea typeface="+mj-ea"/>
+          <a:cs typeface="+mj-cs"/>
+        </a:defRPr>
+      </a:lvl5pPr>
+      <a:lvl6pPr marL="2506000" indent="-228600" algn="l" defTabSz="457200" rtl="0" eaLnBrk="1" latinLnBrk="0" hangingPunct="1">
+        <a:spcBef>
+          <a:spcPts val="1000"/>
+        </a:spcBef>
+        <a:spcAft>
+          <a:spcPts val="0"/>
+        </a:spcAft>
+        <a:buClr>
+          <a:schemeClr val="bg2">
+            <a:lumMod val="40000"/>
+            <a:lumOff val="60000"/>
+          </a:schemeClr>
+        </a:buClr>
+        <a:buSzPct val="80000"/>
+        <a:buFont typeface="Wingdings 3" charset="2"/>
+        <a:buChar char=""/>
+        <a:defRPr sz="1400" b="0" i="0" kern="1200">
+          <a:solidFill>
+            <a:schemeClr val="tx1"/>
+          </a:solidFill>
+          <a:latin typeface="+mj-lt"/>
+          <a:ea typeface="+mj-ea"/>
+          <a:cs typeface="+mj-cs"/>
+        </a:defRPr>
+      </a:lvl6pPr>
+      <a:lvl7pPr marL="2971800" indent="-228600" algn="l" defTabSz="457200" rtl="0" eaLnBrk="1" latinLnBrk="0" hangingPunct="1">
+        <a:spcBef>
+          <a:spcPts val="1000"/>
+        </a:spcBef>
+        <a:spcAft>
+          <a:spcPts val="0"/>
+        </a:spcAft>
+        <a:buClr>
+          <a:schemeClr val="bg2">
+            <a:lumMod val="40000"/>
+            <a:lumOff val="60000"/>
+          </a:schemeClr>
+        </a:buClr>
+        <a:buSzPct val="80000"/>
+        <a:buFont typeface="Wingdings 3" charset="2"/>
+        <a:buChar char=""/>
+        <a:defRPr sz="1400" b="0" i="0" kern="1200">
+          <a:solidFill>
+            <a:schemeClr val="tx1"/>
+          </a:solidFill>
+          <a:latin typeface="+mj-lt"/>
+          <a:ea typeface="+mj-ea"/>
+          <a:cs typeface="+mj-cs"/>
+        </a:defRPr>
+      </a:lvl7pPr>
+      <a:lvl8pPr marL="3429000" indent="-228600" algn="l" defTabSz="457200" rtl="0" eaLnBrk="1" latinLnBrk="0" hangingPunct="1">
+        <a:spcBef>
+          <a:spcPts val="1000"/>
+        </a:spcBef>
+        <a:spcAft>
+          <a:spcPts val="0"/>
+        </a:spcAft>
+        <a:buClr>
+          <a:schemeClr val="bg2">
+            <a:lumMod val="40000"/>
+            <a:lumOff val="60000"/>
+          </a:schemeClr>
+        </a:buClr>
+        <a:buSzPct val="80000"/>
+        <a:buFont typeface="Wingdings 3" charset="2"/>
+        <a:buChar char=""/>
+        <a:defRPr sz="1400" b="0" i="0" kern="1200">
+          <a:solidFill>
+            <a:schemeClr val="tx1"/>
+          </a:solidFill>
+          <a:latin typeface="+mj-lt"/>
+          <a:ea typeface="+mj-ea"/>
+          <a:cs typeface="+mj-cs"/>
+        </a:defRPr>
+      </a:lvl8pPr>
+      <a:lvl9pPr marL="3886200" indent="-228600" algn="l" defTabSz="457200" rtl="0" eaLnBrk="1" latinLnBrk="0" hangingPunct="1">
+        <a:spcBef>
+          <a:spcPts val="1000"/>
+        </a:spcBef>
+        <a:spcAft>
+          <a:spcPts val="0"/>
+        </a:spcAft>
+        <a:buClr>
+          <a:schemeClr val="bg2">
+            <a:lumMod val="40000"/>
+            <a:lumOff val="60000"/>
+          </a:schemeClr>
+        </a:buClr>
+        <a:buSzPct val="80000"/>
+        <a:buFont typeface="Wingdings 3" charset="2"/>
+        <a:buChar char=""/>
+        <a:defRPr sz="1400" b="0" i="0" kern="1200">
+          <a:solidFill>
+            <a:schemeClr val="tx1"/>
+          </a:solidFill>
+          <a:latin typeface="+mj-lt"/>
+          <a:ea typeface="+mj-ea"/>
+          <a:cs typeface="+mj-cs"/>
+        </a:defRPr>
+      </a:lvl9pPr>
+    </p:bodyStyle>
+    <p:otherStyle>
+      <a:defPPr>
+        <a:defRPr lang="en-US"/>
+      </a:defPPr>
+      <a:lvl1pPr marL="0" algn="l" defTabSz="457200" rtl="0" eaLnBrk="1" latinLnBrk="0" hangingPunct="1">
+        <a:defRPr sz="1800" kern="1200">
           <a:solidFill>
             <a:schemeClr val="tx1"/>
           </a:solidFill>
@@ -2703,16 +5989,8 @@
           <a:cs typeface="+mn-cs"/>
         </a:defRPr>
       </a:lvl1pPr>
-      <a:lvl2pPr marL="685800" indent="-228600" algn="l" defTabSz="914400" rtl="0" eaLnBrk="1" latinLnBrk="0" hangingPunct="1">
-        <a:lnSpc>
-          <a:spcPct val="90000"/>
-        </a:lnSpc>
-        <a:spcBef>
-          <a:spcPts val="500"/>
-        </a:spcBef>
-        <a:buFont typeface="Arial" panose="020B0604020202020204" pitchFamily="34" charset="0"/>
-        <a:buChar char="•"/>
-        <a:defRPr sz="2400" kern="1200">
+      <a:lvl2pPr marL="457200" algn="l" defTabSz="457200" rtl="0" eaLnBrk="1" latinLnBrk="0" hangingPunct="1">
+        <a:defRPr sz="1800" kern="1200">
           <a:solidFill>
             <a:schemeClr val="tx1"/>
           </a:solidFill>
@@ -2721,16 +5999,8 @@
           <a:cs typeface="+mn-cs"/>
         </a:defRPr>
       </a:lvl2pPr>
-      <a:lvl3pPr marL="1143000" indent="-228600" algn="l" defTabSz="914400" rtl="0" eaLnBrk="1" latinLnBrk="0" hangingPunct="1">
-        <a:lnSpc>
-          <a:spcPct val="90000"/>
-        </a:lnSpc>
-        <a:spcBef>
-          <a:spcPts val="500"/>
-        </a:spcBef>
-        <a:buFont typeface="Arial" panose="020B0604020202020204" pitchFamily="34" charset="0"/>
-        <a:buChar char="•"/>
-        <a:defRPr sz="2000" kern="1200">
+      <a:lvl3pPr marL="914400" algn="l" defTabSz="457200" rtl="0" eaLnBrk="1" latinLnBrk="0" hangingPunct="1">
+        <a:defRPr sz="1800" kern="1200">
           <a:solidFill>
             <a:schemeClr val="tx1"/>
           </a:solidFill>
@@ -2739,15 +6009,7 @@
           <a:cs typeface="+mn-cs"/>
         </a:defRPr>
       </a:lvl3pPr>
-      <a:lvl4pPr marL="1600200" indent="-228600" algn="l" defTabSz="914400" rtl="0" eaLnBrk="1" latinLnBrk="0" hangingPunct="1">
-        <a:lnSpc>
-          <a:spcPct val="90000"/>
-        </a:lnSpc>
-        <a:spcBef>
-          <a:spcPts val="500"/>
-        </a:spcBef>
-        <a:buFont typeface="Arial" panose="020B0604020202020204" pitchFamily="34" charset="0"/>
-        <a:buChar char="•"/>
+      <a:lvl4pPr marL="1371600" algn="l" defTabSz="457200" rtl="0" eaLnBrk="1" latinLnBrk="0" hangingPunct="1">
         <a:defRPr sz="1800" kern="1200">
           <a:solidFill>
             <a:schemeClr val="tx1"/>
@@ -2757,15 +6019,7 @@
           <a:cs typeface="+mn-cs"/>
         </a:defRPr>
       </a:lvl4pPr>
-      <a:lvl5pPr marL="2057400" indent="-228600" algn="l" defTabSz="914400" rtl="0" eaLnBrk="1" latinLnBrk="0" hangingPunct="1">
-        <a:lnSpc>
-          <a:spcPct val="90000"/>
-        </a:lnSpc>
-        <a:spcBef>
-          <a:spcPts val="500"/>
-        </a:spcBef>
-        <a:buFont typeface="Arial" panose="020B0604020202020204" pitchFamily="34" charset="0"/>
-        <a:buChar char="•"/>
+      <a:lvl5pPr marL="1828800" algn="l" defTabSz="457200" rtl="0" eaLnBrk="1" latinLnBrk="0" hangingPunct="1">
         <a:defRPr sz="1800" kern="1200">
           <a:solidFill>
             <a:schemeClr val="tx1"/>
@@ -2775,15 +6029,7 @@
           <a:cs typeface="+mn-cs"/>
         </a:defRPr>
       </a:lvl5pPr>
-      <a:lvl6pPr marL="2514600" indent="-228600" algn="l" defTabSz="914400" rtl="0" eaLnBrk="1" latinLnBrk="0" hangingPunct="1">
-        <a:lnSpc>
-          <a:spcPct val="90000"/>
-        </a:lnSpc>
-        <a:spcBef>
-          <a:spcPts val="500"/>
-        </a:spcBef>
-        <a:buFont typeface="Arial" panose="020B0604020202020204" pitchFamily="34" charset="0"/>
-        <a:buChar char="•"/>
+      <a:lvl6pPr marL="2286000" algn="l" defTabSz="457200" rtl="0" eaLnBrk="1" latinLnBrk="0" hangingPunct="1">
         <a:defRPr sz="1800" kern="1200">
           <a:solidFill>
             <a:schemeClr val="tx1"/>
@@ -2793,15 +6039,7 @@
           <a:cs typeface="+mn-cs"/>
         </a:defRPr>
       </a:lvl6pPr>
-      <a:lvl7pPr marL="2971800" indent="-228600" algn="l" defTabSz="914400" rtl="0" eaLnBrk="1" latinLnBrk="0" hangingPunct="1">
-        <a:lnSpc>
-          <a:spcPct val="90000"/>
-        </a:lnSpc>
-        <a:spcBef>
-          <a:spcPts val="500"/>
-        </a:spcBef>
-        <a:buFont typeface="Arial" panose="020B0604020202020204" pitchFamily="34" charset="0"/>
-        <a:buChar char="•"/>
+      <a:lvl7pPr marL="2743200" algn="l" defTabSz="457200" rtl="0" eaLnBrk="1" latinLnBrk="0" hangingPunct="1">
         <a:defRPr sz="1800" kern="1200">
           <a:solidFill>
             <a:schemeClr val="tx1"/>
@@ -2811,15 +6049,7 @@
           <a:cs typeface="+mn-cs"/>
         </a:defRPr>
       </a:lvl7pPr>
-      <a:lvl8pPr marL="3429000" indent="-228600" algn="l" defTabSz="914400" rtl="0" eaLnBrk="1" latinLnBrk="0" hangingPunct="1">
-        <a:lnSpc>
-          <a:spcPct val="90000"/>
-        </a:lnSpc>
-        <a:spcBef>
-          <a:spcPts val="500"/>
-        </a:spcBef>
-        <a:buFont typeface="Arial" panose="020B0604020202020204" pitchFamily="34" charset="0"/>
-        <a:buChar char="•"/>
+      <a:lvl8pPr marL="3200400" algn="l" defTabSz="457200" rtl="0" eaLnBrk="1" latinLnBrk="0" hangingPunct="1">
         <a:defRPr sz="1800" kern="1200">
           <a:solidFill>
             <a:schemeClr val="tx1"/>
@@ -2829,110 +6059,7 @@
           <a:cs typeface="+mn-cs"/>
         </a:defRPr>
       </a:lvl8pPr>
-      <a:lvl9pPr marL="3886200" indent="-228600" algn="l" defTabSz="914400" rtl="0" eaLnBrk="1" latinLnBrk="0" hangingPunct="1">
-        <a:lnSpc>
-          <a:spcPct val="90000"/>
-        </a:lnSpc>
-        <a:spcBef>
-          <a:spcPts val="500"/>
-        </a:spcBef>
-        <a:buFont typeface="Arial" panose="020B0604020202020204" pitchFamily="34" charset="0"/>
-        <a:buChar char="•"/>
-        <a:defRPr sz="1800" kern="1200">
-          <a:solidFill>
-            <a:schemeClr val="tx1"/>
-          </a:solidFill>
-          <a:latin typeface="+mn-lt"/>
-          <a:ea typeface="+mn-ea"/>
-          <a:cs typeface="+mn-cs"/>
-        </a:defRPr>
-      </a:lvl9pPr>
-    </p:bodyStyle>
-    <p:otherStyle>
-      <a:defPPr>
-        <a:defRPr lang="es-MX"/>
-      </a:defPPr>
-      <a:lvl1pPr marL="0" algn="l" defTabSz="914400" rtl="0" eaLnBrk="1" latinLnBrk="0" hangingPunct="1">
-        <a:defRPr sz="1800" kern="1200">
-          <a:solidFill>
-            <a:schemeClr val="tx1"/>
-          </a:solidFill>
-          <a:latin typeface="+mn-lt"/>
-          <a:ea typeface="+mn-ea"/>
-          <a:cs typeface="+mn-cs"/>
-        </a:defRPr>
-      </a:lvl1pPr>
-      <a:lvl2pPr marL="457200" algn="l" defTabSz="914400" rtl="0" eaLnBrk="1" latinLnBrk="0" hangingPunct="1">
-        <a:defRPr sz="1800" kern="1200">
-          <a:solidFill>
-            <a:schemeClr val="tx1"/>
-          </a:solidFill>
-          <a:latin typeface="+mn-lt"/>
-          <a:ea typeface="+mn-ea"/>
-          <a:cs typeface="+mn-cs"/>
-        </a:defRPr>
-      </a:lvl2pPr>
-      <a:lvl3pPr marL="914400" algn="l" defTabSz="914400" rtl="0" eaLnBrk="1" latinLnBrk="0" hangingPunct="1">
-        <a:defRPr sz="1800" kern="1200">
-          <a:solidFill>
-            <a:schemeClr val="tx1"/>
-          </a:solidFill>
-          <a:latin typeface="+mn-lt"/>
-          <a:ea typeface="+mn-ea"/>
-          <a:cs typeface="+mn-cs"/>
-        </a:defRPr>
-      </a:lvl3pPr>
-      <a:lvl4pPr marL="1371600" algn="l" defTabSz="914400" rtl="0" eaLnBrk="1" latinLnBrk="0" hangingPunct="1">
-        <a:defRPr sz="1800" kern="1200">
-          <a:solidFill>
-            <a:schemeClr val="tx1"/>
-          </a:solidFill>
-          <a:latin typeface="+mn-lt"/>
-          <a:ea typeface="+mn-ea"/>
-          <a:cs typeface="+mn-cs"/>
-        </a:defRPr>
-      </a:lvl4pPr>
-      <a:lvl5pPr marL="1828800" algn="l" defTabSz="914400" rtl="0" eaLnBrk="1" latinLnBrk="0" hangingPunct="1">
-        <a:defRPr sz="1800" kern="1200">
-          <a:solidFill>
-            <a:schemeClr val="tx1"/>
-          </a:solidFill>
-          <a:latin typeface="+mn-lt"/>
-          <a:ea typeface="+mn-ea"/>
-          <a:cs typeface="+mn-cs"/>
-        </a:defRPr>
-      </a:lvl5pPr>
-      <a:lvl6pPr marL="2286000" algn="l" defTabSz="914400" rtl="0" eaLnBrk="1" latinLnBrk="0" hangingPunct="1">
-        <a:defRPr sz="1800" kern="1200">
-          <a:solidFill>
-            <a:schemeClr val="tx1"/>
-          </a:solidFill>
-          <a:latin typeface="+mn-lt"/>
-          <a:ea typeface="+mn-ea"/>
-          <a:cs typeface="+mn-cs"/>
-        </a:defRPr>
-      </a:lvl6pPr>
-      <a:lvl7pPr marL="2743200" algn="l" defTabSz="914400" rtl="0" eaLnBrk="1" latinLnBrk="0" hangingPunct="1">
-        <a:defRPr sz="1800" kern="1200">
-          <a:solidFill>
-            <a:schemeClr val="tx1"/>
-          </a:solidFill>
-          <a:latin typeface="+mn-lt"/>
-          <a:ea typeface="+mn-ea"/>
-          <a:cs typeface="+mn-cs"/>
-        </a:defRPr>
-      </a:lvl7pPr>
-      <a:lvl8pPr marL="3200400" algn="l" defTabSz="914400" rtl="0" eaLnBrk="1" latinLnBrk="0" hangingPunct="1">
-        <a:defRPr sz="1800" kern="1200">
-          <a:solidFill>
-            <a:schemeClr val="tx1"/>
-          </a:solidFill>
-          <a:latin typeface="+mn-lt"/>
-          <a:ea typeface="+mn-ea"/>
-          <a:cs typeface="+mn-cs"/>
-        </a:defRPr>
-      </a:lvl8pPr>
-      <a:lvl9pPr marL="3657600" algn="l" defTabSz="914400" rtl="0" eaLnBrk="1" latinLnBrk="0" hangingPunct="1">
+      <a:lvl9pPr marL="3657600" algn="l" defTabSz="457200" rtl="0" eaLnBrk="1" latinLnBrk="0" hangingPunct="1">
         <a:defRPr sz="1800" kern="1200">
           <a:solidFill>
             <a:schemeClr val="tx1"/>
@@ -3004,12 +6131,14 @@
         </p:nvSpPr>
         <p:spPr>
           <a:xfrm>
-            <a:off x="1524000" y="1449977"/>
-            <a:ext cx="9144000" cy="3095897"/>
+            <a:off x="143690" y="1449977"/>
+            <a:ext cx="11900263" cy="4833257"/>
           </a:xfrm>
         </p:spPr>
         <p:txBody>
-          <a:bodyPr/>
+          <a:bodyPr>
+            <a:normAutofit/>
+          </a:bodyPr>
           <a:lstStyle/>
           <a:p>
             <a:r>
@@ -3037,8 +6166,36 @@
           </a:p>
           <a:p>
             <a:r>
-              <a:rPr lang="es-MX" smtClean="0"/>
-              <a:t>ME GUSTARIA ESTUDIAR MECATRONICA</a:t>
+              <a:rPr lang="es-MX" dirty="0" smtClean="0"/>
+              <a:t>ME GUSTARIA ESTUDIAR </a:t>
+            </a:r>
+            <a:r>
+              <a:rPr lang="es-MX" dirty="0" smtClean="0"/>
+              <a:t>MECATRONICA</a:t>
+            </a:r>
+          </a:p>
+          <a:p>
+            <a:r>
+              <a:rPr lang="es-MX" dirty="0" smtClean="0"/>
+              <a:t>TENGO 4 PERROS 1 BULLDOG INGLES Y 3 BULLDOG FRANCES</a:t>
+            </a:r>
+          </a:p>
+          <a:p>
+            <a:r>
+              <a:rPr lang="es-MX" dirty="0" smtClean="0"/>
+              <a:t>MIS COLORES FAVORITOS SON EL NEGRO Y EL ROJO</a:t>
+            </a:r>
+          </a:p>
+          <a:p>
+            <a:r>
+              <a:rPr lang="es-MX" dirty="0" smtClean="0"/>
+              <a:t>MIS CANTANTES Y BANDAS FAVORITOS SON EL KOMANDER Y GRUPO MARCA REGISTRADA</a:t>
+            </a:r>
+          </a:p>
+          <a:p>
+            <a:r>
+              <a:rPr lang="es-MX" dirty="0" smtClean="0"/>
+              <a:t>MI COMIDA FAVORITA SON LOS TACOS, SUSHI Y LA COCA</a:t>
             </a:r>
             <a:endParaRPr lang="es-MX" dirty="0"/>
           </a:p>
@@ -3058,9 +6215,9 @@
 </file>
 
 <file path=ppt/theme/theme1.xml><?xml version="1.0" encoding="utf-8"?>
-<a:theme xmlns:a="http://schemas.openxmlformats.org/drawingml/2006/main" name="Tema de Office">
+<a:theme xmlns:a="http://schemas.openxmlformats.org/drawingml/2006/main" name="Ion">
   <a:themeElements>
-    <a:clrScheme name="Office">
+    <a:clrScheme name="Ion">
       <a:dk1>
         <a:sysClr val="windowText" lastClr="000000"/>
       </a:dk1>
@@ -3068,44 +6225,44 @@
         <a:sysClr val="window" lastClr="FFFFFF"/>
       </a:lt1>
       <a:dk2>
-        <a:srgbClr val="44546A"/>
+        <a:srgbClr val="1E5155"/>
       </a:dk2>
       <a:lt2>
-        <a:srgbClr val="E7E6E6"/>
+        <a:srgbClr val="EBEBEB"/>
       </a:lt2>
       <a:accent1>
-        <a:srgbClr val="5B9BD5"/>
+        <a:srgbClr val="B01513"/>
       </a:accent1>
       <a:accent2>
-        <a:srgbClr val="ED7D31"/>
+        <a:srgbClr val="EA6312"/>
       </a:accent2>
       <a:accent3>
-        <a:srgbClr val="A5A5A5"/>
+        <a:srgbClr val="E6B729"/>
       </a:accent3>
       <a:accent4>
-        <a:srgbClr val="FFC000"/>
+        <a:srgbClr val="6AAC90"/>
       </a:accent4>
       <a:accent5>
-        <a:srgbClr val="4472C4"/>
+        <a:srgbClr val="54849A"/>
       </a:accent5>
       <a:accent6>
-        <a:srgbClr val="70AD47"/>
+        <a:srgbClr val="9E5E9B"/>
       </a:accent6>
       <a:hlink>
-        <a:srgbClr val="0563C1"/>
+        <a:srgbClr val="58C1BA"/>
       </a:hlink>
       <a:folHlink>
-        <a:srgbClr val="954F72"/>
+        <a:srgbClr val="9DFFCB"/>
       </a:folHlink>
     </a:clrScheme>
-    <a:fontScheme name="Office">
+    <a:fontScheme name="Ion">
       <a:majorFont>
-        <a:latin typeface="Calibri Light" panose="020F0302020204030204"/>
+        <a:latin typeface="Century Gothic" panose="020B0502020202020204"/>
         <a:ea typeface=""/>
         <a:cs typeface=""/>
-        <a:font script="Jpan" typeface="游ゴシック Light"/>
+        <a:font script="Jpan" typeface="メイリオ"/>
         <a:font script="Hang" typeface="맑은 고딕"/>
-        <a:font script="Hans" typeface="等线 Light"/>
+        <a:font script="Hans" typeface="宋体"/>
         <a:font script="Hant" typeface="新細明體"/>
         <a:font script="Arab" typeface="Times New Roman"/>
         <a:font script="Hebr" typeface="Times New Roman"/>
@@ -3135,12 +6292,12 @@
         <a:font script="Geor" typeface="Sylfaen"/>
       </a:majorFont>
       <a:minorFont>
-        <a:latin typeface="Calibri" panose="020F0502020204030204"/>
+        <a:latin typeface="Century Gothic" panose="020B0502020202020204"/>
         <a:ea typeface=""/>
         <a:cs typeface=""/>
-        <a:font script="Jpan" typeface="游ゴシック"/>
+        <a:font script="Jpan" typeface="メイリオ"/>
         <a:font script="Hang" typeface="맑은 고딕"/>
-        <a:font script="Hans" typeface="等线"/>
+        <a:font script="Hans" typeface="宋体"/>
         <a:font script="Hant" typeface="新細明體"/>
         <a:font script="Arab" typeface="Arial"/>
         <a:font script="Hebr" typeface="Arial"/>
@@ -3170,7 +6327,7 @@
         <a:font script="Geor" typeface="Sylfaen"/>
       </a:minorFont>
     </a:fontScheme>
-    <a:fmtScheme name="Office">
+    <a:fmtScheme name="Ion">
       <a:fillStyleLst>
         <a:solidFill>
           <a:schemeClr val="phClr"/>
@@ -3179,23 +6336,15 @@
           <a:gsLst>
             <a:gs pos="0">
               <a:schemeClr val="phClr">
-                <a:lumMod val="110000"/>
-                <a:satMod val="105000"/>
-                <a:tint val="67000"/>
-              </a:schemeClr>
-            </a:gs>
-            <a:gs pos="50000">
-              <a:schemeClr val="phClr">
-                <a:lumMod val="105000"/>
-                <a:satMod val="103000"/>
-                <a:tint val="73000"/>
+                <a:tint val="64000"/>
+                <a:lumMod val="118000"/>
               </a:schemeClr>
             </a:gs>
             <a:gs pos="100000">
               <a:schemeClr val="phClr">
-                <a:lumMod val="105000"/>
-                <a:satMod val="109000"/>
-                <a:tint val="81000"/>
+                <a:tint val="92000"/>
+                <a:alpha val="100000"/>
+                <a:lumMod val="110000"/>
               </a:schemeClr>
             </a:gs>
           </a:gsLst>
@@ -3205,23 +6354,14 @@
           <a:gsLst>
             <a:gs pos="0">
               <a:schemeClr val="phClr">
-                <a:satMod val="103000"/>
-                <a:lumMod val="102000"/>
-                <a:tint val="94000"/>
-              </a:schemeClr>
-            </a:gs>
-            <a:gs pos="50000">
-              <a:schemeClr val="phClr">
-                <a:satMod val="110000"/>
-                <a:lumMod val="100000"/>
-                <a:shade val="100000"/>
+                <a:tint val="98000"/>
+                <a:lumMod val="114000"/>
               </a:schemeClr>
             </a:gs>
             <a:gs pos="100000">
               <a:schemeClr val="phClr">
-                <a:lumMod val="99000"/>
-                <a:satMod val="120000"/>
-                <a:shade val="78000"/>
+                <a:shade val="90000"/>
+                <a:lumMod val="84000"/>
               </a:schemeClr>
             </a:gs>
           </a:gsLst>
@@ -3229,26 +6369,23 @@
         </a:gradFill>
       </a:fillStyleLst>
       <a:lnStyleLst>
-        <a:ln w="6350" cap="flat" cmpd="sng" algn="ctr">
+        <a:ln w="9525" cap="rnd" cmpd="sng" algn="ctr">
           <a:solidFill>
             <a:schemeClr val="phClr"/>
           </a:solidFill>
           <a:prstDash val="solid"/>
-          <a:miter lim="800000"/>
         </a:ln>
-        <a:ln w="12700" cap="flat" cmpd="sng" algn="ctr">
+        <a:ln w="19050" cap="rnd" cmpd="sng" algn="ctr">
           <a:solidFill>
             <a:schemeClr val="phClr"/>
           </a:solidFill>
           <a:prstDash val="solid"/>
-          <a:miter lim="800000"/>
         </a:ln>
-        <a:ln w="19050" cap="flat" cmpd="sng" algn="ctr">
+        <a:ln w="28575" cap="rnd" cmpd="sng" algn="ctr">
           <a:solidFill>
             <a:schemeClr val="phClr"/>
           </a:solidFill>
           <a:prstDash val="solid"/>
-          <a:miter lim="800000"/>
         </a:ln>
       </a:lnStyleLst>
       <a:effectStyleLst>
@@ -3256,55 +6393,80 @@
           <a:effectLst/>
         </a:effectStyle>
         <a:effectStyle>
-          <a:effectLst/>
+          <a:effectLst>
+            <a:outerShdw blurRad="38100" dist="25400" dir="5400000" rotWithShape="0">
+              <a:srgbClr val="000000">
+                <a:alpha val="45000"/>
+              </a:srgbClr>
+            </a:outerShdw>
+          </a:effectLst>
         </a:effectStyle>
         <a:effectStyle>
           <a:effectLst>
-            <a:outerShdw blurRad="57150" dist="19050" dir="5400000" algn="ctr" rotWithShape="0">
+            <a:outerShdw blurRad="63500" dist="38100" dir="5400000" rotWithShape="0">
               <a:srgbClr val="000000">
-                <a:alpha val="63000"/>
+                <a:alpha val="60000"/>
               </a:srgbClr>
             </a:outerShdw>
           </a:effectLst>
+          <a:scene3d>
+            <a:camera prst="orthographicFront">
+              <a:rot lat="0" lon="0" rev="0"/>
+            </a:camera>
+            <a:lightRig rig="threePt" dir="tl"/>
+          </a:scene3d>
+          <a:sp3d prstMaterial="plastic">
+            <a:bevelT w="0" h="0"/>
+          </a:sp3d>
         </a:effectStyle>
       </a:effectStyleLst>
       <a:bgFillStyleLst>
         <a:solidFill>
           <a:schemeClr val="phClr"/>
         </a:solidFill>
-        <a:solidFill>
-          <a:schemeClr val="phClr">
-            <a:tint val="95000"/>
-            <a:satMod val="170000"/>
-          </a:schemeClr>
-        </a:solidFill>
         <a:gradFill rotWithShape="1">
           <a:gsLst>
             <a:gs pos="0">
               <a:schemeClr val="phClr">
-                <a:tint val="93000"/>
-                <a:satMod val="150000"/>
-                <a:shade val="98000"/>
-                <a:lumMod val="102000"/>
-              </a:schemeClr>
-            </a:gs>
-            <a:gs pos="50000">
-              <a:schemeClr val="phClr">
-                <a:tint val="98000"/>
+                <a:tint val="97000"/>
+                <a:hueMod val="88000"/>
                 <a:satMod val="130000"/>
-                <a:shade val="90000"/>
-                <a:lumMod val="103000"/>
+                <a:lumMod val="124000"/>
               </a:schemeClr>
             </a:gs>
             <a:gs pos="100000">
               <a:schemeClr val="phClr">
-                <a:shade val="63000"/>
-                <a:satMod val="120000"/>
+                <a:tint val="96000"/>
+                <a:shade val="88000"/>
+                <a:hueMod val="108000"/>
+                <a:satMod val="164000"/>
+                <a:lumMod val="76000"/>
               </a:schemeClr>
             </a:gs>
           </a:gsLst>
-          <a:lin ang="5400000" scaled="0"/>
+          <a:path path="circle">
+            <a:fillToRect l="45000" t="65000" r="125000" b="100000"/>
+          </a:path>
         </a:gradFill>
+        <a:blipFill rotWithShape="1">
+          <a:blip xmlns:r="http://schemas.openxmlformats.org/officeDocument/2006/relationships" r:embed="rId1">
+            <a:duotone>
+              <a:schemeClr val="phClr">
+                <a:shade val="69000"/>
+                <a:hueMod val="108000"/>
+                <a:satMod val="164000"/>
+                <a:lumMod val="74000"/>
+              </a:schemeClr>
+              <a:schemeClr val="phClr">
+                <a:tint val="96000"/>
+                <a:hueMod val="88000"/>
+                <a:satMod val="140000"/>
+                <a:lumMod val="132000"/>
+              </a:schemeClr>
+            </a:duotone>
+          </a:blip>
+          <a:stretch/>
+        </a:blipFill>
       </a:bgFillStyleLst>
     </a:fmtScheme>
   </a:themeElements>
@@ -3312,7 +6474,7 @@
   <a:extraClrSchemeLst/>
   <a:extLst>
     <a:ext uri="{05A4C25C-085E-4340-85A3-A5531E510DB2}">
-      <thm15:themeFamily xmlns:thm15="http://schemas.microsoft.com/office/thememl/2012/main" name="Office Theme" id="{62F939B6-93AF-4DB8-9C6B-D6C7DFDC589F}" vid="{4A3C46E8-61CC-4603-A589-7422A47A8E4A}"/>
+      <thm15:themeFamily xmlns:thm15="http://schemas.microsoft.com/office/thememl/2012/main" name="Ion" id="{B8441ADB-2E43-4AF7-B97A-BD870242C6A8}" vid="{292E63A9-BB86-4E3D-B92A-7223C6510D2E}"/>
     </a:ext>
   </a:extLst>
 </a:theme>
